--- a/Presentations/CDR_Fall_2015/Individual_Slides/Matt/Testing.pptx
+++ b/Presentations/CDR_Fall_2015/Individual_Slides/Matt/Testing.pptx
@@ -4,17 +4,23 @@
   <p:sldMasterIdLst>
     <p:sldMasterId id="2147483648" r:id="rId1"/>
   </p:sldMasterIdLst>
+  <p:notesMasterIdLst>
+    <p:notesMasterId r:id="rId15"/>
+  </p:notesMasterIdLst>
   <p:sldIdLst>
     <p:sldId id="256" r:id="rId2"/>
     <p:sldId id="257" r:id="rId3"/>
-    <p:sldId id="258" r:id="rId4"/>
-    <p:sldId id="259" r:id="rId5"/>
+    <p:sldId id="266" r:id="rId4"/>
+    <p:sldId id="267" r:id="rId5"/>
     <p:sldId id="260" r:id="rId6"/>
     <p:sldId id="261" r:id="rId7"/>
     <p:sldId id="262" r:id="rId8"/>
     <p:sldId id="263" r:id="rId9"/>
     <p:sldId id="264" r:id="rId10"/>
-    <p:sldId id="265" r:id="rId11"/>
+    <p:sldId id="268" r:id="rId11"/>
+    <p:sldId id="269" r:id="rId12"/>
+    <p:sldId id="270" r:id="rId13"/>
+    <p:sldId id="265" r:id="rId14"/>
   </p:sldIdLst>
   <p:sldSz cx="9144000" cy="6858000" type="screen4x3"/>
   <p:notesSz cx="6858000" cy="9144000"/>
@@ -130,6 +136,637 @@
     </p:ext>
   </p:extLst>
 </p:presentation>
+</file>
+
+<file path=ppt/notesMasters/notesMaster1.xml><?xml version="1.0" encoding="utf-8"?>
+<p:notesMaster xmlns:a="http://schemas.openxmlformats.org/drawingml/2006/main" xmlns:r="http://schemas.openxmlformats.org/officeDocument/2006/relationships" xmlns:p="http://schemas.openxmlformats.org/presentationml/2006/main">
+  <p:cSld>
+    <p:bg>
+      <p:bgRef idx="1001">
+        <a:schemeClr val="bg1"/>
+      </p:bgRef>
+    </p:bg>
+    <p:spTree>
+      <p:nvGrpSpPr>
+        <p:cNvPr id="1" name=""/>
+        <p:cNvGrpSpPr/>
+        <p:nvPr/>
+      </p:nvGrpSpPr>
+      <p:grpSpPr>
+        <a:xfrm>
+          <a:off x="0" y="0"/>
+          <a:ext cx="0" cy="0"/>
+          <a:chOff x="0" y="0"/>
+          <a:chExt cx="0" cy="0"/>
+        </a:xfrm>
+      </p:grpSpPr>
+      <p:sp>
+        <p:nvSpPr>
+          <p:cNvPr id="2" name="Header Placeholder 1"/>
+          <p:cNvSpPr>
+            <a:spLocks noGrp="1"/>
+          </p:cNvSpPr>
+          <p:nvPr>
+            <p:ph type="hdr" sz="quarter"/>
+          </p:nvPr>
+        </p:nvSpPr>
+        <p:spPr>
+          <a:xfrm>
+            <a:off x="0" y="0"/>
+            <a:ext cx="2971800" cy="458788"/>
+          </a:xfrm>
+          <a:prstGeom prst="rect">
+            <a:avLst/>
+          </a:prstGeom>
+        </p:spPr>
+        <p:txBody>
+          <a:bodyPr vert="horz" lIns="91440" tIns="45720" rIns="91440" bIns="45720" rtlCol="0"/>
+          <a:lstStyle>
+            <a:lvl1pPr algn="l">
+              <a:defRPr sz="1200"/>
+            </a:lvl1pPr>
+          </a:lstStyle>
+          <a:p>
+            <a:endParaRPr lang="en-US"/>
+          </a:p>
+        </p:txBody>
+      </p:sp>
+      <p:sp>
+        <p:nvSpPr>
+          <p:cNvPr id="3" name="Date Placeholder 2"/>
+          <p:cNvSpPr>
+            <a:spLocks noGrp="1"/>
+          </p:cNvSpPr>
+          <p:nvPr>
+            <p:ph type="dt" idx="1"/>
+          </p:nvPr>
+        </p:nvSpPr>
+        <p:spPr>
+          <a:xfrm>
+            <a:off x="3884613" y="0"/>
+            <a:ext cx="2971800" cy="458788"/>
+          </a:xfrm>
+          <a:prstGeom prst="rect">
+            <a:avLst/>
+          </a:prstGeom>
+        </p:spPr>
+        <p:txBody>
+          <a:bodyPr vert="horz" lIns="91440" tIns="45720" rIns="91440" bIns="45720" rtlCol="0"/>
+          <a:lstStyle>
+            <a:lvl1pPr algn="r">
+              <a:defRPr sz="1200"/>
+            </a:lvl1pPr>
+          </a:lstStyle>
+          <a:p>
+            <a:fld id="{1C0259DD-C927-4D42-B2B4-565C6D17E7A8}" type="datetimeFigureOut">
+              <a:rPr lang="en-US" smtClean="0"/>
+              <a:t>12/7/2015</a:t>
+            </a:fld>
+            <a:endParaRPr lang="en-US"/>
+          </a:p>
+        </p:txBody>
+      </p:sp>
+      <p:sp>
+        <p:nvSpPr>
+          <p:cNvPr id="4" name="Slide Image Placeholder 3"/>
+          <p:cNvSpPr>
+            <a:spLocks noGrp="1" noRot="1" noChangeAspect="1"/>
+          </p:cNvSpPr>
+          <p:nvPr>
+            <p:ph type="sldImg" idx="2"/>
+          </p:nvPr>
+        </p:nvSpPr>
+        <p:spPr>
+          <a:xfrm>
+            <a:off x="1371600" y="1143000"/>
+            <a:ext cx="4114800" cy="3086100"/>
+          </a:xfrm>
+          <a:prstGeom prst="rect">
+            <a:avLst/>
+          </a:prstGeom>
+          <a:noFill/>
+          <a:ln w="12700">
+            <a:solidFill>
+              <a:prstClr val="black"/>
+            </a:solidFill>
+          </a:ln>
+        </p:spPr>
+        <p:txBody>
+          <a:bodyPr vert="horz" lIns="91440" tIns="45720" rIns="91440" bIns="45720" rtlCol="0" anchor="ctr"/>
+          <a:lstStyle/>
+          <a:p>
+            <a:endParaRPr lang="en-US"/>
+          </a:p>
+        </p:txBody>
+      </p:sp>
+      <p:sp>
+        <p:nvSpPr>
+          <p:cNvPr id="5" name="Notes Placeholder 4"/>
+          <p:cNvSpPr>
+            <a:spLocks noGrp="1"/>
+          </p:cNvSpPr>
+          <p:nvPr>
+            <p:ph type="body" sz="quarter" idx="3"/>
+          </p:nvPr>
+        </p:nvSpPr>
+        <p:spPr>
+          <a:xfrm>
+            <a:off x="685800" y="4400550"/>
+            <a:ext cx="5486400" cy="3600450"/>
+          </a:xfrm>
+          <a:prstGeom prst="rect">
+            <a:avLst/>
+          </a:prstGeom>
+        </p:spPr>
+        <p:txBody>
+          <a:bodyPr vert="horz" lIns="91440" tIns="45720" rIns="91440" bIns="45720" rtlCol="0"/>
+          <a:lstStyle/>
+          <a:p>
+            <a:pPr lvl="0"/>
+            <a:r>
+              <a:rPr lang="en-US" smtClean="0"/>
+              <a:t>Click to edit Master text styles</a:t>
+            </a:r>
+          </a:p>
+          <a:p>
+            <a:pPr lvl="1"/>
+            <a:r>
+              <a:rPr lang="en-US" smtClean="0"/>
+              <a:t>Second level</a:t>
+            </a:r>
+          </a:p>
+          <a:p>
+            <a:pPr lvl="2"/>
+            <a:r>
+              <a:rPr lang="en-US" smtClean="0"/>
+              <a:t>Third level</a:t>
+            </a:r>
+          </a:p>
+          <a:p>
+            <a:pPr lvl="3"/>
+            <a:r>
+              <a:rPr lang="en-US" smtClean="0"/>
+              <a:t>Fourth level</a:t>
+            </a:r>
+          </a:p>
+          <a:p>
+            <a:pPr lvl="4"/>
+            <a:r>
+              <a:rPr lang="en-US" smtClean="0"/>
+              <a:t>Fifth level</a:t>
+            </a:r>
+            <a:endParaRPr lang="en-US"/>
+          </a:p>
+        </p:txBody>
+      </p:sp>
+      <p:sp>
+        <p:nvSpPr>
+          <p:cNvPr id="6" name="Footer Placeholder 5"/>
+          <p:cNvSpPr>
+            <a:spLocks noGrp="1"/>
+          </p:cNvSpPr>
+          <p:nvPr>
+            <p:ph type="ftr" sz="quarter" idx="4"/>
+          </p:nvPr>
+        </p:nvSpPr>
+        <p:spPr>
+          <a:xfrm>
+            <a:off x="0" y="8685213"/>
+            <a:ext cx="2971800" cy="458787"/>
+          </a:xfrm>
+          <a:prstGeom prst="rect">
+            <a:avLst/>
+          </a:prstGeom>
+        </p:spPr>
+        <p:txBody>
+          <a:bodyPr vert="horz" lIns="91440" tIns="45720" rIns="91440" bIns="45720" rtlCol="0" anchor="b"/>
+          <a:lstStyle>
+            <a:lvl1pPr algn="l">
+              <a:defRPr sz="1200"/>
+            </a:lvl1pPr>
+          </a:lstStyle>
+          <a:p>
+            <a:endParaRPr lang="en-US"/>
+          </a:p>
+        </p:txBody>
+      </p:sp>
+      <p:sp>
+        <p:nvSpPr>
+          <p:cNvPr id="7" name="Slide Number Placeholder 6"/>
+          <p:cNvSpPr>
+            <a:spLocks noGrp="1"/>
+          </p:cNvSpPr>
+          <p:nvPr>
+            <p:ph type="sldNum" sz="quarter" idx="5"/>
+          </p:nvPr>
+        </p:nvSpPr>
+        <p:spPr>
+          <a:xfrm>
+            <a:off x="3884613" y="8685213"/>
+            <a:ext cx="2971800" cy="458787"/>
+          </a:xfrm>
+          <a:prstGeom prst="rect">
+            <a:avLst/>
+          </a:prstGeom>
+        </p:spPr>
+        <p:txBody>
+          <a:bodyPr vert="horz" lIns="91440" tIns="45720" rIns="91440" bIns="45720" rtlCol="0" anchor="b"/>
+          <a:lstStyle>
+            <a:lvl1pPr algn="r">
+              <a:defRPr sz="1200"/>
+            </a:lvl1pPr>
+          </a:lstStyle>
+          <a:p>
+            <a:fld id="{D6CB1B57-3C59-4850-8FA7-F13FDE950625}" type="slidenum">
+              <a:rPr lang="en-US" smtClean="0"/>
+              <a:t>‹#›</a:t>
+            </a:fld>
+            <a:endParaRPr lang="en-US"/>
+          </a:p>
+        </p:txBody>
+      </p:sp>
+    </p:spTree>
+    <p:extLst>
+      <p:ext uri="{BB962C8B-B14F-4D97-AF65-F5344CB8AC3E}">
+        <p14:creationId xmlns:p14="http://schemas.microsoft.com/office/powerpoint/2010/main" val="3825690010"/>
+      </p:ext>
+    </p:extLst>
+  </p:cSld>
+  <p:clrMap bg1="lt1" tx1="dk1" bg2="lt2" tx2="dk2" accent1="accent1" accent2="accent2" accent3="accent3" accent4="accent4" accent5="accent5" accent6="accent6" hlink="hlink" folHlink="folHlink"/>
+  <p:notesStyle>
+    <a:lvl1pPr marL="0" algn="l" defTabSz="914400" rtl="0" eaLnBrk="1" latinLnBrk="0" hangingPunct="1">
+      <a:defRPr sz="1200" kern="1200">
+        <a:solidFill>
+          <a:schemeClr val="tx1"/>
+        </a:solidFill>
+        <a:latin typeface="+mn-lt"/>
+        <a:ea typeface="+mn-ea"/>
+        <a:cs typeface="+mn-cs"/>
+      </a:defRPr>
+    </a:lvl1pPr>
+    <a:lvl2pPr marL="457200" algn="l" defTabSz="914400" rtl="0" eaLnBrk="1" latinLnBrk="0" hangingPunct="1">
+      <a:defRPr sz="1200" kern="1200">
+        <a:solidFill>
+          <a:schemeClr val="tx1"/>
+        </a:solidFill>
+        <a:latin typeface="+mn-lt"/>
+        <a:ea typeface="+mn-ea"/>
+        <a:cs typeface="+mn-cs"/>
+      </a:defRPr>
+    </a:lvl2pPr>
+    <a:lvl3pPr marL="914400" algn="l" defTabSz="914400" rtl="0" eaLnBrk="1" latinLnBrk="0" hangingPunct="1">
+      <a:defRPr sz="1200" kern="1200">
+        <a:solidFill>
+          <a:schemeClr val="tx1"/>
+        </a:solidFill>
+        <a:latin typeface="+mn-lt"/>
+        <a:ea typeface="+mn-ea"/>
+        <a:cs typeface="+mn-cs"/>
+      </a:defRPr>
+    </a:lvl3pPr>
+    <a:lvl4pPr marL="1371600" algn="l" defTabSz="914400" rtl="0" eaLnBrk="1" latinLnBrk="0" hangingPunct="1">
+      <a:defRPr sz="1200" kern="1200">
+        <a:solidFill>
+          <a:schemeClr val="tx1"/>
+        </a:solidFill>
+        <a:latin typeface="+mn-lt"/>
+        <a:ea typeface="+mn-ea"/>
+        <a:cs typeface="+mn-cs"/>
+      </a:defRPr>
+    </a:lvl4pPr>
+    <a:lvl5pPr marL="1828800" algn="l" defTabSz="914400" rtl="0" eaLnBrk="1" latinLnBrk="0" hangingPunct="1">
+      <a:defRPr sz="1200" kern="1200">
+        <a:solidFill>
+          <a:schemeClr val="tx1"/>
+        </a:solidFill>
+        <a:latin typeface="+mn-lt"/>
+        <a:ea typeface="+mn-ea"/>
+        <a:cs typeface="+mn-cs"/>
+      </a:defRPr>
+    </a:lvl5pPr>
+    <a:lvl6pPr marL="2286000" algn="l" defTabSz="914400" rtl="0" eaLnBrk="1" latinLnBrk="0" hangingPunct="1">
+      <a:defRPr sz="1200" kern="1200">
+        <a:solidFill>
+          <a:schemeClr val="tx1"/>
+        </a:solidFill>
+        <a:latin typeface="+mn-lt"/>
+        <a:ea typeface="+mn-ea"/>
+        <a:cs typeface="+mn-cs"/>
+      </a:defRPr>
+    </a:lvl6pPr>
+    <a:lvl7pPr marL="2743200" algn="l" defTabSz="914400" rtl="0" eaLnBrk="1" latinLnBrk="0" hangingPunct="1">
+      <a:defRPr sz="1200" kern="1200">
+        <a:solidFill>
+          <a:schemeClr val="tx1"/>
+        </a:solidFill>
+        <a:latin typeface="+mn-lt"/>
+        <a:ea typeface="+mn-ea"/>
+        <a:cs typeface="+mn-cs"/>
+      </a:defRPr>
+    </a:lvl7pPr>
+    <a:lvl8pPr marL="3200400" algn="l" defTabSz="914400" rtl="0" eaLnBrk="1" latinLnBrk="0" hangingPunct="1">
+      <a:defRPr sz="1200" kern="1200">
+        <a:solidFill>
+          <a:schemeClr val="tx1"/>
+        </a:solidFill>
+        <a:latin typeface="+mn-lt"/>
+        <a:ea typeface="+mn-ea"/>
+        <a:cs typeface="+mn-cs"/>
+      </a:defRPr>
+    </a:lvl8pPr>
+    <a:lvl9pPr marL="3657600" algn="l" defTabSz="914400" rtl="0" eaLnBrk="1" latinLnBrk="0" hangingPunct="1">
+      <a:defRPr sz="1200" kern="1200">
+        <a:solidFill>
+          <a:schemeClr val="tx1"/>
+        </a:solidFill>
+        <a:latin typeface="+mn-lt"/>
+        <a:ea typeface="+mn-ea"/>
+        <a:cs typeface="+mn-cs"/>
+      </a:defRPr>
+    </a:lvl9pPr>
+  </p:notesStyle>
+</p:notesMaster>
+</file>
+
+<file path=ppt/notesSlides/notesSlide1.xml><?xml version="1.0" encoding="utf-8"?>
+<p:notes xmlns:a="http://schemas.openxmlformats.org/drawingml/2006/main" xmlns:r="http://schemas.openxmlformats.org/officeDocument/2006/relationships" xmlns:p="http://schemas.openxmlformats.org/presentationml/2006/main">
+  <p:cSld>
+    <p:spTree>
+      <p:nvGrpSpPr>
+        <p:cNvPr id="1" name=""/>
+        <p:cNvGrpSpPr/>
+        <p:nvPr/>
+      </p:nvGrpSpPr>
+      <p:grpSpPr>
+        <a:xfrm>
+          <a:off x="0" y="0"/>
+          <a:ext cx="0" cy="0"/>
+          <a:chOff x="0" y="0"/>
+          <a:chExt cx="0" cy="0"/>
+        </a:xfrm>
+      </p:grpSpPr>
+      <p:sp>
+        <p:nvSpPr>
+          <p:cNvPr id="2" name="Slide Image Placeholder 1"/>
+          <p:cNvSpPr>
+            <a:spLocks noGrp="1" noRot="1" noChangeAspect="1"/>
+          </p:cNvSpPr>
+          <p:nvPr>
+            <p:ph type="sldImg"/>
+          </p:nvPr>
+        </p:nvSpPr>
+        <p:spPr/>
+      </p:sp>
+      <p:sp>
+        <p:nvSpPr>
+          <p:cNvPr id="3" name="Notes Placeholder 2"/>
+          <p:cNvSpPr>
+            <a:spLocks noGrp="1"/>
+          </p:cNvSpPr>
+          <p:nvPr>
+            <p:ph type="body" idx="1"/>
+          </p:nvPr>
+        </p:nvSpPr>
+        <p:spPr/>
+        <p:txBody>
+          <a:bodyPr/>
+          <a:lstStyle/>
+          <a:p>
+            <a:pPr marL="285750" indent="-285750">
+              <a:buFont typeface="Arial" panose="020B0604020202020204" pitchFamily="34" charset="0"/>
+              <a:buChar char="•"/>
+            </a:pPr>
+            <a:r>
+              <a:rPr lang="en-US" sz="2800" dirty="0" smtClean="0">
+                <a:latin typeface="Candara" panose="020E0502030303020204" pitchFamily="34" charset="0"/>
+              </a:rPr>
+              <a:t>Fell behind schedule</a:t>
+            </a:r>
+          </a:p>
+          <a:p>
+            <a:pPr marL="285750" indent="-285750">
+              <a:buFont typeface="Arial" panose="020B0604020202020204" pitchFamily="34" charset="0"/>
+              <a:buChar char="•"/>
+            </a:pPr>
+            <a:r>
+              <a:rPr lang="en-US" sz="2800" dirty="0" smtClean="0">
+                <a:latin typeface="Candara" panose="020E0502030303020204" pitchFamily="34" charset="0"/>
+              </a:rPr>
+              <a:t>Spent more time designing system then planned</a:t>
+            </a:r>
+          </a:p>
+          <a:p>
+            <a:pPr marL="742950" lvl="1" indent="-285750">
+              <a:buFont typeface="Arial" panose="020B0604020202020204" pitchFamily="34" charset="0"/>
+              <a:buChar char="•"/>
+            </a:pPr>
+            <a:r>
+              <a:rPr lang="en-US" sz="2800" dirty="0" smtClean="0">
+                <a:latin typeface="Candara" panose="020E0502030303020204" pitchFamily="34" charset="0"/>
+              </a:rPr>
+              <a:t>Designs changed</a:t>
+            </a:r>
+          </a:p>
+          <a:p>
+            <a:pPr marL="742950" lvl="1" indent="-285750">
+              <a:buFont typeface="Arial" panose="020B0604020202020204" pitchFamily="34" charset="0"/>
+              <a:buChar char="•"/>
+            </a:pPr>
+            <a:r>
+              <a:rPr lang="en-US" sz="2800" dirty="0" smtClean="0">
+                <a:latin typeface="Candara" panose="020E0502030303020204" pitchFamily="34" charset="0"/>
+              </a:rPr>
+              <a:t>Component issues</a:t>
+            </a:r>
+          </a:p>
+          <a:p>
+            <a:pPr marL="285750" indent="-285750">
+              <a:buFont typeface="Arial" panose="020B0604020202020204" pitchFamily="34" charset="0"/>
+              <a:buChar char="•"/>
+            </a:pPr>
+            <a:endParaRPr lang="en-US" sz="2800" dirty="0" smtClean="0">
+              <a:latin typeface="Candara" panose="020E0502030303020204" pitchFamily="34" charset="0"/>
+            </a:endParaRPr>
+          </a:p>
+          <a:p>
+            <a:r>
+              <a:rPr lang="en-US" dirty="0" smtClean="0"/>
+              <a:t>Talk</a:t>
+            </a:r>
+            <a:r>
+              <a:rPr lang="en-US" baseline="0" dirty="0" smtClean="0"/>
+              <a:t> about the most important test from this semester, and the two most important tests for next semester. </a:t>
+            </a:r>
+            <a:endParaRPr lang="en-US" dirty="0"/>
+          </a:p>
+        </p:txBody>
+      </p:sp>
+      <p:sp>
+        <p:nvSpPr>
+          <p:cNvPr id="4" name="Slide Number Placeholder 3"/>
+          <p:cNvSpPr>
+            <a:spLocks noGrp="1"/>
+          </p:cNvSpPr>
+          <p:nvPr>
+            <p:ph type="sldNum" sz="quarter" idx="10"/>
+          </p:nvPr>
+        </p:nvSpPr>
+        <p:spPr/>
+        <p:txBody>
+          <a:bodyPr/>
+          <a:lstStyle/>
+          <a:p>
+            <a:fld id="{D6CB1B57-3C59-4850-8FA7-F13FDE950625}" type="slidenum">
+              <a:rPr lang="en-US" smtClean="0"/>
+              <a:t>3</a:t>
+            </a:fld>
+            <a:endParaRPr lang="en-US"/>
+          </a:p>
+        </p:txBody>
+      </p:sp>
+    </p:spTree>
+    <p:extLst>
+      <p:ext uri="{BB962C8B-B14F-4D97-AF65-F5344CB8AC3E}">
+        <p14:creationId xmlns:p14="http://schemas.microsoft.com/office/powerpoint/2010/main" val="3614652470"/>
+      </p:ext>
+    </p:extLst>
+  </p:cSld>
+  <p:clrMapOvr>
+    <a:masterClrMapping/>
+  </p:clrMapOvr>
+</p:notes>
+</file>
+
+<file path=ppt/notesSlides/notesSlide2.xml><?xml version="1.0" encoding="utf-8"?>
+<p:notes xmlns:a="http://schemas.openxmlformats.org/drawingml/2006/main" xmlns:r="http://schemas.openxmlformats.org/officeDocument/2006/relationships" xmlns:p="http://schemas.openxmlformats.org/presentationml/2006/main">
+  <p:cSld>
+    <p:spTree>
+      <p:nvGrpSpPr>
+        <p:cNvPr id="1" name=""/>
+        <p:cNvGrpSpPr/>
+        <p:nvPr/>
+      </p:nvGrpSpPr>
+      <p:grpSpPr>
+        <a:xfrm>
+          <a:off x="0" y="0"/>
+          <a:ext cx="0" cy="0"/>
+          <a:chOff x="0" y="0"/>
+          <a:chExt cx="0" cy="0"/>
+        </a:xfrm>
+      </p:grpSpPr>
+      <p:sp>
+        <p:nvSpPr>
+          <p:cNvPr id="2" name="Slide Image Placeholder 1"/>
+          <p:cNvSpPr>
+            <a:spLocks noGrp="1" noRot="1" noChangeAspect="1"/>
+          </p:cNvSpPr>
+          <p:nvPr>
+            <p:ph type="sldImg"/>
+          </p:nvPr>
+        </p:nvSpPr>
+        <p:spPr/>
+      </p:sp>
+      <p:sp>
+        <p:nvSpPr>
+          <p:cNvPr id="3" name="Notes Placeholder 2"/>
+          <p:cNvSpPr>
+            <a:spLocks noGrp="1"/>
+          </p:cNvSpPr>
+          <p:nvPr>
+            <p:ph type="body" idx="1"/>
+          </p:nvPr>
+        </p:nvSpPr>
+        <p:spPr/>
+        <p:txBody>
+          <a:bodyPr/>
+          <a:lstStyle/>
+          <a:p>
+            <a:pPr marL="457200" indent="-457200">
+              <a:buFont typeface="Arial" panose="020B0604020202020204" pitchFamily="34" charset="0"/>
+              <a:buChar char="•"/>
+            </a:pPr>
+            <a:r>
+              <a:rPr lang="en-US" sz="1200" dirty="0" smtClean="0">
+                <a:latin typeface="Candara" panose="020E0502030303020204" pitchFamily="34" charset="0"/>
+              </a:rPr>
+              <a:t>Designed for this semester</a:t>
+            </a:r>
+          </a:p>
+          <a:p>
+            <a:pPr marL="457200" indent="-457200">
+              <a:buFont typeface="Arial" panose="020B0604020202020204" pitchFamily="34" charset="0"/>
+              <a:buChar char="•"/>
+            </a:pPr>
+            <a:r>
+              <a:rPr lang="en-US" sz="1200" dirty="0" smtClean="0">
+                <a:latin typeface="Candara" panose="020E0502030303020204" pitchFamily="34" charset="0"/>
+              </a:rPr>
+              <a:t>Pushed back to next semester</a:t>
+            </a:r>
+          </a:p>
+          <a:p>
+            <a:pPr marL="457200" indent="-457200">
+              <a:buFont typeface="Arial" panose="020B0604020202020204" pitchFamily="34" charset="0"/>
+              <a:buChar char="•"/>
+            </a:pPr>
+            <a:r>
+              <a:rPr lang="en-US" sz="1200" dirty="0" smtClean="0">
+                <a:latin typeface="Candara" panose="020E0502030303020204" pitchFamily="34" charset="0"/>
+              </a:rPr>
+              <a:t>Showcase functionality of the system</a:t>
+            </a:r>
+          </a:p>
+          <a:p>
+            <a:pPr marL="457200" indent="-457200">
+              <a:buFont typeface="Arial" panose="020B0604020202020204" pitchFamily="34" charset="0"/>
+              <a:buChar char="•"/>
+            </a:pPr>
+            <a:r>
+              <a:rPr lang="en-US" sz="1200" dirty="0" smtClean="0">
+                <a:latin typeface="Candara" panose="020E0502030303020204" pitchFamily="34" charset="0"/>
+              </a:rPr>
+              <a:t>Performed in Fleming lab</a:t>
+            </a:r>
+          </a:p>
+          <a:p>
+            <a:endParaRPr lang="en-US" dirty="0"/>
+          </a:p>
+        </p:txBody>
+      </p:sp>
+      <p:sp>
+        <p:nvSpPr>
+          <p:cNvPr id="4" name="Slide Number Placeholder 3"/>
+          <p:cNvSpPr>
+            <a:spLocks noGrp="1"/>
+          </p:cNvSpPr>
+          <p:nvPr>
+            <p:ph type="sldNum" sz="quarter" idx="10"/>
+          </p:nvPr>
+        </p:nvSpPr>
+        <p:spPr/>
+        <p:txBody>
+          <a:bodyPr/>
+          <a:lstStyle/>
+          <a:p>
+            <a:fld id="{D6CB1B57-3C59-4850-8FA7-F13FDE950625}" type="slidenum">
+              <a:rPr lang="en-US" smtClean="0"/>
+              <a:t>5</a:t>
+            </a:fld>
+            <a:endParaRPr lang="en-US"/>
+          </a:p>
+        </p:txBody>
+      </p:sp>
+    </p:spTree>
+    <p:extLst>
+      <p:ext uri="{BB962C8B-B14F-4D97-AF65-F5344CB8AC3E}">
+        <p14:creationId xmlns:p14="http://schemas.microsoft.com/office/powerpoint/2010/main" val="1268763855"/>
+      </p:ext>
+    </p:extLst>
+  </p:cSld>
+  <p:clrMapOvr>
+    <a:masterClrMapping/>
+  </p:clrMapOvr>
+</p:notes>
 </file>
 
 <file path=ppt/slideLayouts/slideLayout1.xml><?xml version="1.0" encoding="utf-8"?>
@@ -313,7 +950,7 @@
           <a:p>
             <a:fld id="{A8193F1D-56DB-E44D-9849-55B52730CCEA}" type="datetimeFigureOut">
               <a:rPr lang="en-US" smtClean="0"/>
-              <a:t>12/3/2015</a:t>
+              <a:t>12/7/2015</a:t>
             </a:fld>
             <a:endParaRPr lang="en-US"/>
           </a:p>
@@ -483,7 +1120,7 @@
           <a:p>
             <a:fld id="{A8193F1D-56DB-E44D-9849-55B52730CCEA}" type="datetimeFigureOut">
               <a:rPr lang="en-US" smtClean="0"/>
-              <a:t>12/3/2015</a:t>
+              <a:t>12/7/2015</a:t>
             </a:fld>
             <a:endParaRPr lang="en-US"/>
           </a:p>
@@ -663,7 +1300,7 @@
           <a:p>
             <a:fld id="{A8193F1D-56DB-E44D-9849-55B52730CCEA}" type="datetimeFigureOut">
               <a:rPr lang="en-US" smtClean="0"/>
-              <a:t>12/3/2015</a:t>
+              <a:t>12/7/2015</a:t>
             </a:fld>
             <a:endParaRPr lang="en-US"/>
           </a:p>
@@ -833,7 +1470,7 @@
           <a:p>
             <a:fld id="{A8193F1D-56DB-E44D-9849-55B52730CCEA}" type="datetimeFigureOut">
               <a:rPr lang="en-US" smtClean="0"/>
-              <a:t>12/3/2015</a:t>
+              <a:t>12/7/2015</a:t>
             </a:fld>
             <a:endParaRPr lang="en-US"/>
           </a:p>
@@ -1079,7 +1716,7 @@
           <a:p>
             <a:fld id="{A8193F1D-56DB-E44D-9849-55B52730CCEA}" type="datetimeFigureOut">
               <a:rPr lang="en-US" smtClean="0"/>
-              <a:t>12/3/2015</a:t>
+              <a:t>12/7/2015</a:t>
             </a:fld>
             <a:endParaRPr lang="en-US"/>
           </a:p>
@@ -1367,7 +2004,7 @@
           <a:p>
             <a:fld id="{A8193F1D-56DB-E44D-9849-55B52730CCEA}" type="datetimeFigureOut">
               <a:rPr lang="en-US" smtClean="0"/>
-              <a:t>12/3/2015</a:t>
+              <a:t>12/7/2015</a:t>
             </a:fld>
             <a:endParaRPr lang="en-US"/>
           </a:p>
@@ -1789,7 +2426,7 @@
           <a:p>
             <a:fld id="{A8193F1D-56DB-E44D-9849-55B52730CCEA}" type="datetimeFigureOut">
               <a:rPr lang="en-US" smtClean="0"/>
-              <a:t>12/3/2015</a:t>
+              <a:t>12/7/2015</a:t>
             </a:fld>
             <a:endParaRPr lang="en-US"/>
           </a:p>
@@ -1907,7 +2544,7 @@
           <a:p>
             <a:fld id="{A8193F1D-56DB-E44D-9849-55B52730CCEA}" type="datetimeFigureOut">
               <a:rPr lang="en-US" smtClean="0"/>
-              <a:t>12/3/2015</a:t>
+              <a:t>12/7/2015</a:t>
             </a:fld>
             <a:endParaRPr lang="en-US"/>
           </a:p>
@@ -2002,7 +2639,7 @@
           <a:p>
             <a:fld id="{A8193F1D-56DB-E44D-9849-55B52730CCEA}" type="datetimeFigureOut">
               <a:rPr lang="en-US" smtClean="0"/>
-              <a:t>12/3/2015</a:t>
+              <a:t>12/7/2015</a:t>
             </a:fld>
             <a:endParaRPr lang="en-US"/>
           </a:p>
@@ -2279,7 +2916,7 @@
           <a:p>
             <a:fld id="{A8193F1D-56DB-E44D-9849-55B52730CCEA}" type="datetimeFigureOut">
               <a:rPr lang="en-US" smtClean="0"/>
-              <a:t>12/3/2015</a:t>
+              <a:t>12/7/2015</a:t>
             </a:fld>
             <a:endParaRPr lang="en-US"/>
           </a:p>
@@ -2532,7 +3169,7 @@
           <a:p>
             <a:fld id="{A8193F1D-56DB-E44D-9849-55B52730CCEA}" type="datetimeFigureOut">
               <a:rPr lang="en-US" smtClean="0"/>
-              <a:t>12/3/2015</a:t>
+              <a:t>12/7/2015</a:t>
             </a:fld>
             <a:endParaRPr lang="en-US"/>
           </a:p>
@@ -2745,7 +3382,7 @@
           <a:p>
             <a:fld id="{A8193F1D-56DB-E44D-9849-55B52730CCEA}" type="datetimeFigureOut">
               <a:rPr lang="en-US" smtClean="0"/>
-              <a:t>12/3/2015</a:t>
+              <a:t>12/7/2015</a:t>
             </a:fld>
             <a:endParaRPr lang="en-US"/>
           </a:p>
@@ -3312,17 +3949,7 @@
                   <a:latin typeface="Candara"/>
                   <a:cs typeface="Candara"/>
                 </a:rPr>
-                <a:t>: </a:t>
-              </a:r>
-              <a:r>
-                <a:rPr lang="en-US" sz="2400" dirty="0" smtClean="0">
-                  <a:solidFill>
-                    <a:srgbClr val="FFFFFF"/>
-                  </a:solidFill>
-                  <a:latin typeface="Candara"/>
-                  <a:cs typeface="Candara"/>
-                </a:rPr>
-                <a:t>Test Plan</a:t>
+                <a:t>: Test Plan</a:t>
               </a:r>
               <a:endParaRPr lang="en-US" sz="2400" dirty="0">
                 <a:solidFill>
@@ -3337,7 +3964,304 @@
       </p:grpSp>
       <p:sp>
         <p:nvSpPr>
-          <p:cNvPr id="11" name="Content Placeholder 2"/>
+          <p:cNvPr id="2" name="TextBox 1"/>
+          <p:cNvSpPr txBox="1"/>
+          <p:nvPr/>
+        </p:nvSpPr>
+        <p:spPr>
+          <a:xfrm>
+            <a:off x="1567543" y="2612571"/>
+            <a:ext cx="5979886" cy="707886"/>
+          </a:xfrm>
+          <a:prstGeom prst="rect">
+            <a:avLst/>
+          </a:prstGeom>
+          <a:noFill/>
+        </p:spPr>
+        <p:txBody>
+          <a:bodyPr wrap="square" rtlCol="0">
+            <a:spAutoFit/>
+          </a:bodyPr>
+          <a:lstStyle/>
+          <a:p>
+            <a:pPr algn="ctr"/>
+            <a:r>
+              <a:rPr lang="en-US" sz="4000" dirty="0" smtClean="0">
+                <a:latin typeface="Candara" panose="020E0502030303020204" pitchFamily="34" charset="0"/>
+              </a:rPr>
+              <a:t>Testing</a:t>
+            </a:r>
+            <a:endParaRPr lang="en-US" sz="4000" dirty="0">
+              <a:latin typeface="Candara" panose="020E0502030303020204" pitchFamily="34" charset="0"/>
+            </a:endParaRPr>
+          </a:p>
+        </p:txBody>
+      </p:sp>
+    </p:spTree>
+    <p:extLst>
+      <p:ext uri="{BB962C8B-B14F-4D97-AF65-F5344CB8AC3E}">
+        <p14:creationId xmlns:p14="http://schemas.microsoft.com/office/powerpoint/2010/main" val="4104887601"/>
+      </p:ext>
+    </p:extLst>
+  </p:cSld>
+  <p:clrMapOvr>
+    <a:masterClrMapping/>
+  </p:clrMapOvr>
+  <p:timing>
+    <p:tnLst>
+      <p:par>
+        <p:cTn id="1" dur="indefinite" restart="never" nodeType="tmRoot"/>
+      </p:par>
+    </p:tnLst>
+  </p:timing>
+</p:sld>
+</file>
+
+<file path=ppt/slides/slide10.xml><?xml version="1.0" encoding="utf-8"?>
+<p:sld xmlns:a="http://schemas.openxmlformats.org/drawingml/2006/main" xmlns:r="http://schemas.openxmlformats.org/officeDocument/2006/relationships" xmlns:p="http://schemas.openxmlformats.org/presentationml/2006/main">
+  <p:cSld>
+    <p:spTree>
+      <p:nvGrpSpPr>
+        <p:cNvPr id="1" name=""/>
+        <p:cNvGrpSpPr/>
+        <p:nvPr/>
+      </p:nvGrpSpPr>
+      <p:grpSpPr>
+        <a:xfrm>
+          <a:off x="0" y="0"/>
+          <a:ext cx="0" cy="0"/>
+          <a:chOff x="0" y="0"/>
+          <a:chExt cx="0" cy="0"/>
+        </a:xfrm>
+      </p:grpSpPr>
+      <p:grpSp>
+        <p:nvGrpSpPr>
+          <p:cNvPr id="4" name="Group 3"/>
+          <p:cNvGrpSpPr/>
+          <p:nvPr/>
+        </p:nvGrpSpPr>
+        <p:grpSpPr>
+          <a:xfrm>
+            <a:off x="0" y="1"/>
+            <a:ext cx="9144000" cy="844012"/>
+            <a:chOff x="0" y="1"/>
+            <a:chExt cx="9144000" cy="844012"/>
+          </a:xfrm>
+        </p:grpSpPr>
+        <p:cxnSp>
+          <p:nvCxnSpPr>
+            <p:cNvPr id="5" name="Straight Connector 4"/>
+            <p:cNvCxnSpPr/>
+            <p:nvPr/>
+          </p:nvCxnSpPr>
+          <p:spPr>
+            <a:xfrm>
+              <a:off x="0" y="844013"/>
+              <a:ext cx="9144000" cy="0"/>
+            </a:xfrm>
+            <a:prstGeom prst="line">
+              <a:avLst/>
+            </a:prstGeom>
+            <a:ln>
+              <a:solidFill>
+                <a:schemeClr val="tx1"/>
+              </a:solidFill>
+            </a:ln>
+            <a:effectLst/>
+          </p:spPr>
+          <p:style>
+            <a:lnRef idx="2">
+              <a:schemeClr val="accent1"/>
+            </a:lnRef>
+            <a:fillRef idx="0">
+              <a:schemeClr val="accent1"/>
+            </a:fillRef>
+            <a:effectRef idx="1">
+              <a:schemeClr val="accent1"/>
+            </a:effectRef>
+            <a:fontRef idx="minor">
+              <a:schemeClr val="tx1"/>
+            </a:fontRef>
+          </p:style>
+        </p:cxnSp>
+        <p:pic>
+          <p:nvPicPr>
+            <p:cNvPr id="6" name="Picture 5" descr="Screen Shot 2015-10-11 at 11.16.20 AM.png"/>
+            <p:cNvPicPr>
+              <a:picLocks noChangeAspect="1"/>
+            </p:cNvPicPr>
+            <p:nvPr/>
+          </p:nvPicPr>
+          <p:blipFill>
+            <a:blip r:embed="rId2">
+              <a:extLst>
+                <a:ext uri="{28A0092B-C50C-407E-A947-70E740481C1C}">
+                  <a14:useLocalDpi xmlns:a14="http://schemas.microsoft.com/office/drawing/2010/main" val="0"/>
+                </a:ext>
+              </a:extLst>
+            </a:blip>
+            <a:stretch>
+              <a:fillRect/>
+            </a:stretch>
+          </p:blipFill>
+          <p:spPr>
+            <a:xfrm>
+              <a:off x="0" y="1"/>
+              <a:ext cx="1151748" cy="844012"/>
+            </a:xfrm>
+            <a:prstGeom prst="rect">
+              <a:avLst/>
+            </a:prstGeom>
+          </p:spPr>
+        </p:pic>
+        <p:sp>
+          <p:nvSpPr>
+            <p:cNvPr id="7" name="Rectangle 6"/>
+            <p:cNvSpPr/>
+            <p:nvPr/>
+          </p:nvSpPr>
+          <p:spPr>
+            <a:xfrm>
+              <a:off x="1151748" y="2283"/>
+              <a:ext cx="7992252" cy="832104"/>
+            </a:xfrm>
+            <a:prstGeom prst="rect">
+              <a:avLst/>
+            </a:prstGeom>
+            <a:solidFill>
+              <a:schemeClr val="tx1"/>
+            </a:solidFill>
+            <a:ln>
+              <a:solidFill>
+                <a:schemeClr val="tx1"/>
+              </a:solidFill>
+            </a:ln>
+            <a:effectLst/>
+          </p:spPr>
+          <p:style>
+            <a:lnRef idx="1">
+              <a:schemeClr val="accent1"/>
+            </a:lnRef>
+            <a:fillRef idx="3">
+              <a:schemeClr val="accent1"/>
+            </a:fillRef>
+            <a:effectRef idx="2">
+              <a:schemeClr val="accent1"/>
+            </a:effectRef>
+            <a:fontRef idx="minor">
+              <a:schemeClr val="lt1"/>
+            </a:fontRef>
+          </p:style>
+          <p:txBody>
+            <a:bodyPr rtlCol="0" anchor="ctr"/>
+            <a:lstStyle/>
+            <a:p>
+              <a:pPr algn="ctr"/>
+              <a:endParaRPr lang="en-US"/>
+            </a:p>
+          </p:txBody>
+        </p:sp>
+        <p:pic>
+          <p:nvPicPr>
+            <p:cNvPr id="8" name="Picture 7"/>
+            <p:cNvPicPr>
+              <a:picLocks noChangeAspect="1"/>
+            </p:cNvPicPr>
+            <p:nvPr/>
+          </p:nvPicPr>
+          <p:blipFill>
+            <a:blip r:embed="rId3"/>
+            <a:stretch>
+              <a:fillRect/>
+            </a:stretch>
+          </p:blipFill>
+          <p:spPr>
+            <a:xfrm>
+              <a:off x="8311013" y="2283"/>
+              <a:ext cx="832987" cy="832987"/>
+            </a:xfrm>
+            <a:prstGeom prst="rect">
+              <a:avLst/>
+            </a:prstGeom>
+          </p:spPr>
+        </p:pic>
+        <p:sp>
+          <p:nvSpPr>
+            <p:cNvPr id="9" name="TextBox 8"/>
+            <p:cNvSpPr txBox="1"/>
+            <p:nvPr/>
+          </p:nvSpPr>
+          <p:spPr>
+            <a:xfrm>
+              <a:off x="1202040" y="188621"/>
+              <a:ext cx="6983237" cy="461665"/>
+            </a:xfrm>
+            <a:prstGeom prst="rect">
+              <a:avLst/>
+            </a:prstGeom>
+            <a:noFill/>
+          </p:spPr>
+          <p:txBody>
+            <a:bodyPr wrap="square" rtlCol="0">
+              <a:spAutoFit/>
+            </a:bodyPr>
+            <a:lstStyle/>
+            <a:p>
+              <a:pPr algn="ctr"/>
+              <a:r>
+                <a:rPr lang="en-US" sz="2400" dirty="0" err="1" smtClean="0">
+                  <a:solidFill>
+                    <a:srgbClr val="FFFFFF"/>
+                  </a:solidFill>
+                  <a:latin typeface="Candara"/>
+                  <a:cs typeface="Candara"/>
+                </a:rPr>
+                <a:t>FlyNet</a:t>
+              </a:r>
+              <a:r>
+                <a:rPr lang="en-US" sz="2400" dirty="0" smtClean="0">
+                  <a:solidFill>
+                    <a:srgbClr val="FFFFFF"/>
+                  </a:solidFill>
+                  <a:latin typeface="Candara"/>
+                  <a:cs typeface="Candara"/>
+                </a:rPr>
+                <a:t>: Autonomous </a:t>
+              </a:r>
+              <a:r>
+                <a:rPr lang="en-US" sz="2400" dirty="0" err="1" smtClean="0">
+                  <a:solidFill>
+                    <a:srgbClr val="FFFFFF"/>
+                  </a:solidFill>
+                  <a:latin typeface="Candara"/>
+                  <a:cs typeface="Candara"/>
+                </a:rPr>
+                <a:t>Quadcopter</a:t>
+              </a:r>
+              <a:r>
+                <a:rPr lang="en-US" sz="2400" dirty="0" smtClean="0">
+                  <a:solidFill>
+                    <a:srgbClr val="FFFFFF"/>
+                  </a:solidFill>
+                  <a:latin typeface="Candara"/>
+                  <a:cs typeface="Candara"/>
+                </a:rPr>
+                <a:t> Search and Rescue</a:t>
+              </a:r>
+              <a:endParaRPr lang="en-US" sz="2400" dirty="0">
+                <a:solidFill>
+                  <a:srgbClr val="FFFFFF"/>
+                </a:solidFill>
+                <a:latin typeface="Candara"/>
+                <a:cs typeface="Candara"/>
+              </a:endParaRPr>
+            </a:p>
+          </p:txBody>
+        </p:sp>
+      </p:grpSp>
+      <p:sp>
+        <p:nvSpPr>
+          <p:cNvPr id="31" name="Content Placeholder 2"/>
           <p:cNvSpPr txBox="1">
             <a:spLocks/>
           </p:cNvSpPr>
@@ -3345,8 +4269,8 @@
         </p:nvSpPr>
         <p:spPr>
           <a:xfrm>
-            <a:off x="0" y="1030351"/>
-            <a:ext cx="4891314" cy="4351338"/>
+            <a:off x="-3376" y="1594361"/>
+            <a:ext cx="3922927" cy="4351338"/>
           </a:xfrm>
           <a:prstGeom prst="rect">
             <a:avLst/>
@@ -3517,13 +4441,13 @@
               <a:buChar char="•"/>
             </a:pPr>
             <a:r>
-              <a:rPr lang="en-US" sz="2800" dirty="0" smtClean="0">
+              <a:rPr lang="en-US" sz="2000" dirty="0" smtClean="0">
                 <a:solidFill>
                   <a:schemeClr val="tx1"/>
                 </a:solidFill>
                 <a:latin typeface="Candara" panose="020E0502030303020204" pitchFamily="34" charset="0"/>
               </a:rPr>
-              <a:t>Outlines what tests are needed</a:t>
+              <a:t>System will autonomously fly and map entire space</a:t>
             </a:r>
           </a:p>
           <a:p>
@@ -3532,13 +4456,2246 @@
               <a:buChar char="•"/>
             </a:pPr>
             <a:r>
-              <a:rPr lang="en-US" sz="2800" dirty="0" smtClean="0">
+              <a:rPr lang="en-US" sz="2000" dirty="0" smtClean="0">
                 <a:solidFill>
                   <a:schemeClr val="tx1"/>
                 </a:solidFill>
                 <a:latin typeface="Candara" panose="020E0502030303020204" pitchFamily="34" charset="0"/>
               </a:rPr>
-              <a:t>Each test verifies/validates requirements</a:t>
+              <a:t>Planning subsystem will help avoid obstacles and recalculate </a:t>
+            </a:r>
+            <a:r>
+              <a:rPr lang="en-US" sz="2000" dirty="0" smtClean="0">
+                <a:solidFill>
+                  <a:schemeClr val="tx1"/>
+                </a:solidFill>
+                <a:latin typeface="Candara" panose="020E0502030303020204" pitchFamily="34" charset="0"/>
+              </a:rPr>
+              <a:t>trajectory</a:t>
+            </a:r>
+            <a:endParaRPr lang="en-US" sz="2000" dirty="0" smtClean="0">
+              <a:solidFill>
+                <a:schemeClr val="tx1"/>
+              </a:solidFill>
+              <a:latin typeface="Candara" panose="020E0502030303020204" pitchFamily="34" charset="0"/>
+            </a:endParaRPr>
+          </a:p>
+        </p:txBody>
+      </p:sp>
+      <p:grpSp>
+        <p:nvGrpSpPr>
+          <p:cNvPr id="32" name="Group 31"/>
+          <p:cNvGrpSpPr/>
+          <p:nvPr/>
+        </p:nvGrpSpPr>
+        <p:grpSpPr>
+          <a:xfrm>
+            <a:off x="3359576" y="1209373"/>
+            <a:ext cx="5670362" cy="5524500"/>
+            <a:chOff x="3359576" y="1209373"/>
+            <a:chExt cx="5670362" cy="5524500"/>
+          </a:xfrm>
+        </p:grpSpPr>
+        <p:grpSp>
+          <p:nvGrpSpPr>
+            <p:cNvPr id="33" name="Group 32"/>
+            <p:cNvGrpSpPr/>
+            <p:nvPr/>
+          </p:nvGrpSpPr>
+          <p:grpSpPr>
+            <a:xfrm>
+              <a:off x="3359576" y="1209373"/>
+              <a:ext cx="5670362" cy="5524500"/>
+              <a:chOff x="2059175" y="666750"/>
+              <a:chExt cx="5670362" cy="5524500"/>
+            </a:xfrm>
+          </p:grpSpPr>
+          <p:pic>
+            <p:nvPicPr>
+              <p:cNvPr id="43" name="Picture 42"/>
+              <p:cNvPicPr>
+                <a:picLocks noChangeAspect="1"/>
+              </p:cNvPicPr>
+              <p:nvPr/>
+            </p:nvPicPr>
+            <p:blipFill>
+              <a:blip r:embed="rId4"/>
+              <a:stretch>
+                <a:fillRect/>
+              </a:stretch>
+            </p:blipFill>
+            <p:spPr>
+              <a:xfrm>
+                <a:off x="4462462" y="666750"/>
+                <a:ext cx="3267075" cy="5524500"/>
+              </a:xfrm>
+              <a:prstGeom prst="rect">
+                <a:avLst/>
+              </a:prstGeom>
+            </p:spPr>
+          </p:pic>
+          <p:sp>
+            <p:nvSpPr>
+              <p:cNvPr id="44" name="Rectangle 43"/>
+              <p:cNvSpPr/>
+              <p:nvPr/>
+            </p:nvSpPr>
+            <p:spPr>
+              <a:xfrm>
+                <a:off x="3455582" y="1562985"/>
+                <a:ext cx="233916" cy="223284"/>
+              </a:xfrm>
+              <a:prstGeom prst="rect">
+                <a:avLst/>
+              </a:prstGeom>
+              <a:noFill/>
+              <a:ln>
+                <a:solidFill>
+                  <a:schemeClr val="tx1"/>
+                </a:solidFill>
+              </a:ln>
+            </p:spPr>
+            <p:style>
+              <a:lnRef idx="2">
+                <a:schemeClr val="accent1">
+                  <a:shade val="50000"/>
+                </a:schemeClr>
+              </a:lnRef>
+              <a:fillRef idx="1">
+                <a:schemeClr val="accent1"/>
+              </a:fillRef>
+              <a:effectRef idx="0">
+                <a:schemeClr val="accent1"/>
+              </a:effectRef>
+              <a:fontRef idx="minor">
+                <a:schemeClr val="lt1"/>
+              </a:fontRef>
+            </p:style>
+            <p:txBody>
+              <a:bodyPr rtlCol="0" anchor="ctr"/>
+              <a:lstStyle/>
+              <a:p>
+                <a:pPr algn="ctr"/>
+                <a:endParaRPr lang="en-US"/>
+              </a:p>
+            </p:txBody>
+          </p:sp>
+          <p:sp>
+            <p:nvSpPr>
+              <p:cNvPr id="45" name="TextBox 44"/>
+              <p:cNvSpPr txBox="1"/>
+              <p:nvPr/>
+            </p:nvSpPr>
+            <p:spPr>
+              <a:xfrm>
+                <a:off x="3030279" y="1562985"/>
+                <a:ext cx="563526" cy="307777"/>
+              </a:xfrm>
+              <a:prstGeom prst="rect">
+                <a:avLst/>
+              </a:prstGeom>
+              <a:noFill/>
+            </p:spPr>
+            <p:txBody>
+              <a:bodyPr wrap="square" rtlCol="0">
+                <a:spAutoFit/>
+              </a:bodyPr>
+              <a:lstStyle/>
+              <a:p>
+                <a:r>
+                  <a:rPr lang="en-US" sz="1400" dirty="0" smtClean="0"/>
+                  <a:t>2 ft.</a:t>
+                </a:r>
+                <a:endParaRPr lang="en-US" sz="1400" dirty="0"/>
+              </a:p>
+            </p:txBody>
+          </p:sp>
+          <p:sp>
+            <p:nvSpPr>
+              <p:cNvPr id="46" name="TextBox 45"/>
+              <p:cNvSpPr txBox="1"/>
+              <p:nvPr/>
+            </p:nvSpPr>
+            <p:spPr>
+              <a:xfrm>
+                <a:off x="3359889" y="1265840"/>
+                <a:ext cx="563526" cy="307777"/>
+              </a:xfrm>
+              <a:prstGeom prst="rect">
+                <a:avLst/>
+              </a:prstGeom>
+              <a:noFill/>
+            </p:spPr>
+            <p:txBody>
+              <a:bodyPr wrap="square" rtlCol="0">
+                <a:spAutoFit/>
+              </a:bodyPr>
+              <a:lstStyle/>
+              <a:p>
+                <a:r>
+                  <a:rPr lang="en-US" sz="1400" dirty="0" smtClean="0"/>
+                  <a:t>2 ft.</a:t>
+                </a:r>
+                <a:endParaRPr lang="en-US" sz="1400" dirty="0"/>
+              </a:p>
+            </p:txBody>
+          </p:sp>
+          <p:sp>
+            <p:nvSpPr>
+              <p:cNvPr id="47" name="Rectangle 46"/>
+              <p:cNvSpPr/>
+              <p:nvPr/>
+            </p:nvSpPr>
+            <p:spPr>
+              <a:xfrm>
+                <a:off x="3459121" y="2023735"/>
+                <a:ext cx="233916" cy="223284"/>
+              </a:xfrm>
+              <a:prstGeom prst="rect">
+                <a:avLst/>
+              </a:prstGeom>
+              <a:solidFill>
+                <a:schemeClr val="bg1">
+                  <a:lumMod val="85000"/>
+                </a:schemeClr>
+              </a:solidFill>
+              <a:ln>
+                <a:solidFill>
+                  <a:schemeClr val="tx1"/>
+                </a:solidFill>
+              </a:ln>
+            </p:spPr>
+            <p:style>
+              <a:lnRef idx="2">
+                <a:schemeClr val="accent1">
+                  <a:shade val="50000"/>
+                </a:schemeClr>
+              </a:lnRef>
+              <a:fillRef idx="1">
+                <a:schemeClr val="accent1"/>
+              </a:fillRef>
+              <a:effectRef idx="0">
+                <a:schemeClr val="accent1"/>
+              </a:effectRef>
+              <a:fontRef idx="minor">
+                <a:schemeClr val="lt1"/>
+              </a:fontRef>
+            </p:style>
+            <p:txBody>
+              <a:bodyPr rtlCol="0" anchor="ctr"/>
+              <a:lstStyle/>
+              <a:p>
+                <a:pPr algn="ctr"/>
+                <a:endParaRPr lang="en-US"/>
+              </a:p>
+            </p:txBody>
+          </p:sp>
+          <p:sp>
+            <p:nvSpPr>
+              <p:cNvPr id="48" name="TextBox 47"/>
+              <p:cNvSpPr txBox="1"/>
+              <p:nvPr/>
+            </p:nvSpPr>
+            <p:spPr>
+              <a:xfrm>
+                <a:off x="2700670" y="1981488"/>
+                <a:ext cx="754912" cy="307777"/>
+              </a:xfrm>
+              <a:prstGeom prst="rect">
+                <a:avLst/>
+              </a:prstGeom>
+              <a:noFill/>
+            </p:spPr>
+            <p:txBody>
+              <a:bodyPr wrap="square" rtlCol="0">
+                <a:spAutoFit/>
+              </a:bodyPr>
+              <a:lstStyle/>
+              <a:p>
+                <a:r>
+                  <a:rPr lang="en-US" sz="1400" dirty="0" smtClean="0"/>
+                  <a:t>Hallway</a:t>
+                </a:r>
+                <a:endParaRPr lang="en-US" sz="1400" dirty="0"/>
+              </a:p>
+            </p:txBody>
+          </p:sp>
+          <p:sp>
+            <p:nvSpPr>
+              <p:cNvPr id="49" name="Rectangle 48"/>
+              <p:cNvSpPr/>
+              <p:nvPr/>
+            </p:nvSpPr>
+            <p:spPr>
+              <a:xfrm>
+                <a:off x="3455582" y="2445488"/>
+                <a:ext cx="308344" cy="170121"/>
+              </a:xfrm>
+              <a:prstGeom prst="rect">
+                <a:avLst/>
+              </a:prstGeom>
+            </p:spPr>
+            <p:style>
+              <a:lnRef idx="2">
+                <a:schemeClr val="dk1">
+                  <a:shade val="50000"/>
+                </a:schemeClr>
+              </a:lnRef>
+              <a:fillRef idx="1">
+                <a:schemeClr val="dk1"/>
+              </a:fillRef>
+              <a:effectRef idx="0">
+                <a:schemeClr val="dk1"/>
+              </a:effectRef>
+              <a:fontRef idx="minor">
+                <a:schemeClr val="lt1"/>
+              </a:fontRef>
+            </p:style>
+            <p:txBody>
+              <a:bodyPr rtlCol="0" anchor="ctr"/>
+              <a:lstStyle/>
+              <a:p>
+                <a:pPr algn="ctr"/>
+                <a:endParaRPr lang="en-US"/>
+              </a:p>
+            </p:txBody>
+          </p:sp>
+          <p:sp>
+            <p:nvSpPr>
+              <p:cNvPr id="50" name="5-Point Star 49"/>
+              <p:cNvSpPr/>
+              <p:nvPr/>
+            </p:nvSpPr>
+            <p:spPr>
+              <a:xfrm>
+                <a:off x="3436420" y="2739383"/>
+                <a:ext cx="350875" cy="329610"/>
+              </a:xfrm>
+              <a:prstGeom prst="star5">
+                <a:avLst/>
+              </a:prstGeom>
+              <a:solidFill>
+                <a:schemeClr val="accent6"/>
+              </a:solidFill>
+            </p:spPr>
+            <p:style>
+              <a:lnRef idx="2">
+                <a:schemeClr val="accent1">
+                  <a:shade val="50000"/>
+                </a:schemeClr>
+              </a:lnRef>
+              <a:fillRef idx="1">
+                <a:schemeClr val="accent1"/>
+              </a:fillRef>
+              <a:effectRef idx="0">
+                <a:schemeClr val="accent1"/>
+              </a:effectRef>
+              <a:fontRef idx="minor">
+                <a:schemeClr val="lt1"/>
+              </a:fontRef>
+            </p:style>
+            <p:txBody>
+              <a:bodyPr rtlCol="0" anchor="ctr"/>
+              <a:lstStyle/>
+              <a:p>
+                <a:pPr algn="ctr"/>
+                <a:endParaRPr lang="en-US"/>
+              </a:p>
+            </p:txBody>
+          </p:sp>
+          <p:sp>
+            <p:nvSpPr>
+              <p:cNvPr id="51" name="Octagon 50"/>
+              <p:cNvSpPr/>
+              <p:nvPr/>
+            </p:nvSpPr>
+            <p:spPr>
+              <a:xfrm>
+                <a:off x="3455582" y="3189767"/>
+                <a:ext cx="331713" cy="350875"/>
+              </a:xfrm>
+              <a:prstGeom prst="octagon">
+                <a:avLst/>
+              </a:prstGeom>
+            </p:spPr>
+            <p:style>
+              <a:lnRef idx="1">
+                <a:schemeClr val="accent2"/>
+              </a:lnRef>
+              <a:fillRef idx="2">
+                <a:schemeClr val="accent2"/>
+              </a:fillRef>
+              <a:effectRef idx="1">
+                <a:schemeClr val="accent2"/>
+              </a:effectRef>
+              <a:fontRef idx="minor">
+                <a:schemeClr val="dk1"/>
+              </a:fontRef>
+            </p:style>
+            <p:txBody>
+              <a:bodyPr rtlCol="0" anchor="ctr"/>
+              <a:lstStyle/>
+              <a:p>
+                <a:pPr algn="ctr"/>
+                <a:endParaRPr lang="en-US"/>
+              </a:p>
+            </p:txBody>
+          </p:sp>
+          <p:sp>
+            <p:nvSpPr>
+              <p:cNvPr id="52" name="Oval 51"/>
+              <p:cNvSpPr/>
+              <p:nvPr/>
+            </p:nvSpPr>
+            <p:spPr>
+              <a:xfrm>
+                <a:off x="3455582" y="3710763"/>
+                <a:ext cx="331713" cy="233916"/>
+              </a:xfrm>
+              <a:prstGeom prst="ellipse">
+                <a:avLst/>
+              </a:prstGeom>
+            </p:spPr>
+            <p:style>
+              <a:lnRef idx="2">
+                <a:schemeClr val="accent1">
+                  <a:shade val="50000"/>
+                </a:schemeClr>
+              </a:lnRef>
+              <a:fillRef idx="1">
+                <a:schemeClr val="accent1"/>
+              </a:fillRef>
+              <a:effectRef idx="0">
+                <a:schemeClr val="accent1"/>
+              </a:effectRef>
+              <a:fontRef idx="minor">
+                <a:schemeClr val="lt1"/>
+              </a:fontRef>
+            </p:style>
+            <p:txBody>
+              <a:bodyPr rtlCol="0" anchor="ctr"/>
+              <a:lstStyle/>
+              <a:p>
+                <a:pPr algn="ctr"/>
+                <a:endParaRPr lang="en-US"/>
+              </a:p>
+            </p:txBody>
+          </p:sp>
+          <p:sp>
+            <p:nvSpPr>
+              <p:cNvPr id="53" name="TextBox 52"/>
+              <p:cNvSpPr txBox="1"/>
+              <p:nvPr/>
+            </p:nvSpPr>
+            <p:spPr>
+              <a:xfrm>
+                <a:off x="2434694" y="2335905"/>
+                <a:ext cx="1173120" cy="307777"/>
+              </a:xfrm>
+              <a:prstGeom prst="rect">
+                <a:avLst/>
+              </a:prstGeom>
+              <a:noFill/>
+            </p:spPr>
+            <p:txBody>
+              <a:bodyPr wrap="square" rtlCol="0">
+                <a:spAutoFit/>
+              </a:bodyPr>
+              <a:lstStyle/>
+              <a:p>
+                <a:r>
+                  <a:rPr lang="en-US" sz="1400" dirty="0" smtClean="0"/>
+                  <a:t>“Roadblock”</a:t>
+                </a:r>
+                <a:endParaRPr lang="en-US" sz="1400" dirty="0"/>
+              </a:p>
+            </p:txBody>
+          </p:sp>
+          <p:sp>
+            <p:nvSpPr>
+              <p:cNvPr id="54" name="TextBox 53"/>
+              <p:cNvSpPr txBox="1"/>
+              <p:nvPr/>
+            </p:nvSpPr>
+            <p:spPr>
+              <a:xfrm>
+                <a:off x="2714843" y="2771841"/>
+                <a:ext cx="754912" cy="307777"/>
+              </a:xfrm>
+              <a:prstGeom prst="rect">
+                <a:avLst/>
+              </a:prstGeom>
+              <a:noFill/>
+            </p:spPr>
+            <p:txBody>
+              <a:bodyPr wrap="square" rtlCol="0">
+                <a:spAutoFit/>
+              </a:bodyPr>
+              <a:lstStyle/>
+              <a:p>
+                <a:r>
+                  <a:rPr lang="en-US" sz="1400" dirty="0" smtClean="0"/>
+                  <a:t>Target</a:t>
+                </a:r>
+                <a:endParaRPr lang="en-US" sz="1400" dirty="0"/>
+              </a:p>
+            </p:txBody>
+          </p:sp>
+          <p:sp>
+            <p:nvSpPr>
+              <p:cNvPr id="55" name="TextBox 54"/>
+              <p:cNvSpPr txBox="1"/>
+              <p:nvPr/>
+            </p:nvSpPr>
+            <p:spPr>
+              <a:xfrm>
+                <a:off x="2059175" y="3207777"/>
+                <a:ext cx="1513365" cy="307777"/>
+              </a:xfrm>
+              <a:prstGeom prst="rect">
+                <a:avLst/>
+              </a:prstGeom>
+              <a:noFill/>
+            </p:spPr>
+            <p:txBody>
+              <a:bodyPr wrap="square" rtlCol="0">
+                <a:spAutoFit/>
+              </a:bodyPr>
+              <a:lstStyle/>
+              <a:p>
+                <a:r>
+                  <a:rPr lang="en-US" sz="1400" dirty="0" smtClean="0"/>
+                  <a:t>“Complete Block”</a:t>
+                </a:r>
+                <a:endParaRPr lang="en-US" sz="1400" dirty="0"/>
+              </a:p>
+            </p:txBody>
+          </p:sp>
+          <p:sp>
+            <p:nvSpPr>
+              <p:cNvPr id="56" name="TextBox 55"/>
+              <p:cNvSpPr txBox="1"/>
+              <p:nvPr/>
+            </p:nvSpPr>
+            <p:spPr>
+              <a:xfrm>
+                <a:off x="2190307" y="3654343"/>
+                <a:ext cx="1332611" cy="307777"/>
+              </a:xfrm>
+              <a:prstGeom prst="rect">
+                <a:avLst/>
+              </a:prstGeom>
+              <a:noFill/>
+            </p:spPr>
+            <p:txBody>
+              <a:bodyPr wrap="square" rtlCol="0">
+                <a:spAutoFit/>
+              </a:bodyPr>
+              <a:lstStyle/>
+              <a:p>
+                <a:r>
+                  <a:rPr lang="en-US" sz="1400" dirty="0" smtClean="0"/>
+                  <a:t>Entry/Exit Point</a:t>
+                </a:r>
+                <a:endParaRPr lang="en-US" sz="1400" dirty="0"/>
+              </a:p>
+            </p:txBody>
+          </p:sp>
+          <p:sp>
+            <p:nvSpPr>
+              <p:cNvPr id="57" name="Rectangle 56"/>
+              <p:cNvSpPr/>
+              <p:nvPr/>
+            </p:nvSpPr>
+            <p:spPr>
+              <a:xfrm>
+                <a:off x="5054010" y="2094054"/>
+                <a:ext cx="308344" cy="170121"/>
+              </a:xfrm>
+              <a:prstGeom prst="rect">
+                <a:avLst/>
+              </a:prstGeom>
+            </p:spPr>
+            <p:style>
+              <a:lnRef idx="2">
+                <a:schemeClr val="dk1">
+                  <a:shade val="50000"/>
+                </a:schemeClr>
+              </a:lnRef>
+              <a:fillRef idx="1">
+                <a:schemeClr val="dk1"/>
+              </a:fillRef>
+              <a:effectRef idx="0">
+                <a:schemeClr val="dk1"/>
+              </a:effectRef>
+              <a:fontRef idx="minor">
+                <a:schemeClr val="lt1"/>
+              </a:fontRef>
+            </p:style>
+            <p:txBody>
+              <a:bodyPr rtlCol="0" anchor="ctr"/>
+              <a:lstStyle/>
+              <a:p>
+                <a:pPr algn="ctr"/>
+                <a:endParaRPr lang="en-US"/>
+              </a:p>
+            </p:txBody>
+          </p:sp>
+          <p:sp>
+            <p:nvSpPr>
+              <p:cNvPr id="58" name="Rectangle 57"/>
+              <p:cNvSpPr/>
+              <p:nvPr/>
+            </p:nvSpPr>
+            <p:spPr>
+              <a:xfrm>
+                <a:off x="5941827" y="5139069"/>
+                <a:ext cx="308344" cy="170121"/>
+              </a:xfrm>
+              <a:prstGeom prst="rect">
+                <a:avLst/>
+              </a:prstGeom>
+            </p:spPr>
+            <p:style>
+              <a:lnRef idx="2">
+                <a:schemeClr val="dk1">
+                  <a:shade val="50000"/>
+                </a:schemeClr>
+              </a:lnRef>
+              <a:fillRef idx="1">
+                <a:schemeClr val="dk1"/>
+              </a:fillRef>
+              <a:effectRef idx="0">
+                <a:schemeClr val="dk1"/>
+              </a:effectRef>
+              <a:fontRef idx="minor">
+                <a:schemeClr val="lt1"/>
+              </a:fontRef>
+            </p:style>
+            <p:txBody>
+              <a:bodyPr rtlCol="0" anchor="ctr"/>
+              <a:lstStyle/>
+              <a:p>
+                <a:pPr algn="ctr"/>
+                <a:endParaRPr lang="en-US"/>
+              </a:p>
+            </p:txBody>
+          </p:sp>
+          <p:sp>
+            <p:nvSpPr>
+              <p:cNvPr id="59" name="Rectangle 58"/>
+              <p:cNvSpPr/>
+              <p:nvPr/>
+            </p:nvSpPr>
+            <p:spPr>
+              <a:xfrm rot="5400000">
+                <a:off x="6144731" y="975536"/>
+                <a:ext cx="232142" cy="152405"/>
+              </a:xfrm>
+              <a:prstGeom prst="rect">
+                <a:avLst/>
+              </a:prstGeom>
+            </p:spPr>
+            <p:style>
+              <a:lnRef idx="2">
+                <a:schemeClr val="dk1">
+                  <a:shade val="50000"/>
+                </a:schemeClr>
+              </a:lnRef>
+              <a:fillRef idx="1">
+                <a:schemeClr val="dk1"/>
+              </a:fillRef>
+              <a:effectRef idx="0">
+                <a:schemeClr val="dk1"/>
+              </a:effectRef>
+              <a:fontRef idx="minor">
+                <a:schemeClr val="lt1"/>
+              </a:fontRef>
+            </p:style>
+            <p:txBody>
+              <a:bodyPr rtlCol="0" anchor="ctr"/>
+              <a:lstStyle/>
+              <a:p>
+                <a:pPr algn="ctr"/>
+                <a:endParaRPr lang="en-US"/>
+              </a:p>
+            </p:txBody>
+          </p:sp>
+          <p:sp>
+            <p:nvSpPr>
+              <p:cNvPr id="60" name="5-Point Star 59"/>
+              <p:cNvSpPr/>
+              <p:nvPr/>
+            </p:nvSpPr>
+            <p:spPr>
+              <a:xfrm>
+                <a:off x="7214522" y="1552068"/>
+                <a:ext cx="350875" cy="329610"/>
+              </a:xfrm>
+              <a:prstGeom prst="star5">
+                <a:avLst/>
+              </a:prstGeom>
+              <a:solidFill>
+                <a:schemeClr val="accent6"/>
+              </a:solidFill>
+            </p:spPr>
+            <p:style>
+              <a:lnRef idx="2">
+                <a:schemeClr val="accent1">
+                  <a:shade val="50000"/>
+                </a:schemeClr>
+              </a:lnRef>
+              <a:fillRef idx="1">
+                <a:schemeClr val="accent1"/>
+              </a:fillRef>
+              <a:effectRef idx="0">
+                <a:schemeClr val="accent1"/>
+              </a:effectRef>
+              <a:fontRef idx="minor">
+                <a:schemeClr val="lt1"/>
+              </a:fontRef>
+            </p:style>
+            <p:txBody>
+              <a:bodyPr rtlCol="0" anchor="ctr"/>
+              <a:lstStyle/>
+              <a:p>
+                <a:pPr algn="ctr"/>
+                <a:endParaRPr lang="en-US"/>
+              </a:p>
+            </p:txBody>
+          </p:sp>
+          <p:sp>
+            <p:nvSpPr>
+              <p:cNvPr id="61" name="Octagon 60"/>
+              <p:cNvSpPr/>
+              <p:nvPr/>
+            </p:nvSpPr>
+            <p:spPr>
+              <a:xfrm>
+                <a:off x="7010612" y="2863930"/>
+                <a:ext cx="535623" cy="566564"/>
+              </a:xfrm>
+              <a:prstGeom prst="octagon">
+                <a:avLst/>
+              </a:prstGeom>
+            </p:spPr>
+            <p:style>
+              <a:lnRef idx="1">
+                <a:schemeClr val="accent2"/>
+              </a:lnRef>
+              <a:fillRef idx="2">
+                <a:schemeClr val="accent2"/>
+              </a:fillRef>
+              <a:effectRef idx="1">
+                <a:schemeClr val="accent2"/>
+              </a:effectRef>
+              <a:fontRef idx="minor">
+                <a:schemeClr val="dk1"/>
+              </a:fontRef>
+            </p:style>
+            <p:txBody>
+              <a:bodyPr rtlCol="0" anchor="ctr"/>
+              <a:lstStyle/>
+              <a:p>
+                <a:pPr algn="ctr"/>
+                <a:endParaRPr lang="en-US"/>
+              </a:p>
+            </p:txBody>
+          </p:sp>
+          <p:sp>
+            <p:nvSpPr>
+              <p:cNvPr id="62" name="Oval 61"/>
+              <p:cNvSpPr/>
+              <p:nvPr/>
+            </p:nvSpPr>
+            <p:spPr>
+              <a:xfrm>
+                <a:off x="5993772" y="5862084"/>
+                <a:ext cx="331713" cy="233916"/>
+              </a:xfrm>
+              <a:prstGeom prst="ellipse">
+                <a:avLst/>
+              </a:prstGeom>
+            </p:spPr>
+            <p:style>
+              <a:lnRef idx="2">
+                <a:schemeClr val="accent1">
+                  <a:shade val="50000"/>
+                </a:schemeClr>
+              </a:lnRef>
+              <a:fillRef idx="1">
+                <a:schemeClr val="accent1"/>
+              </a:fillRef>
+              <a:effectRef idx="0">
+                <a:schemeClr val="accent1"/>
+              </a:effectRef>
+              <a:fontRef idx="minor">
+                <a:schemeClr val="lt1"/>
+              </a:fontRef>
+            </p:style>
+            <p:txBody>
+              <a:bodyPr rtlCol="0" anchor="ctr"/>
+              <a:lstStyle/>
+              <a:p>
+                <a:pPr algn="ctr"/>
+                <a:endParaRPr lang="en-US"/>
+              </a:p>
+            </p:txBody>
+          </p:sp>
+        </p:grpSp>
+        <p:grpSp>
+          <p:nvGrpSpPr>
+            <p:cNvPr id="34" name="Group 33"/>
+            <p:cNvGrpSpPr/>
+            <p:nvPr/>
+          </p:nvGrpSpPr>
+          <p:grpSpPr>
+            <a:xfrm>
+              <a:off x="7229395" y="5959725"/>
+              <a:ext cx="461268" cy="466748"/>
+              <a:chOff x="2928937" y="5586414"/>
+              <a:chExt cx="461268" cy="466748"/>
+            </a:xfrm>
+          </p:grpSpPr>
+          <p:sp>
+            <p:nvSpPr>
+              <p:cNvPr id="38" name="Rectangle 37"/>
+              <p:cNvSpPr/>
+              <p:nvPr/>
+            </p:nvSpPr>
+            <p:spPr>
+              <a:xfrm>
+                <a:off x="3114675" y="5681692"/>
+                <a:ext cx="100013" cy="264007"/>
+              </a:xfrm>
+              <a:prstGeom prst="rect">
+                <a:avLst/>
+              </a:prstGeom>
+              <a:solidFill>
+                <a:srgbClr val="92D050"/>
+              </a:solidFill>
+              <a:ln>
+                <a:solidFill>
+                  <a:srgbClr val="92D050"/>
+                </a:solidFill>
+              </a:ln>
+            </p:spPr>
+            <p:style>
+              <a:lnRef idx="1">
+                <a:schemeClr val="accent1"/>
+              </a:lnRef>
+              <a:fillRef idx="3">
+                <a:schemeClr val="accent1"/>
+              </a:fillRef>
+              <a:effectRef idx="2">
+                <a:schemeClr val="accent1"/>
+              </a:effectRef>
+              <a:fontRef idx="minor">
+                <a:schemeClr val="lt1"/>
+              </a:fontRef>
+            </p:style>
+            <p:txBody>
+              <a:bodyPr rtlCol="0" anchor="ctr"/>
+              <a:lstStyle/>
+              <a:p>
+                <a:pPr algn="ctr"/>
+                <a:endParaRPr lang="en-US"/>
+              </a:p>
+            </p:txBody>
+          </p:sp>
+          <p:sp>
+            <p:nvSpPr>
+              <p:cNvPr id="39" name="Oval 38"/>
+              <p:cNvSpPr/>
+              <p:nvPr/>
+            </p:nvSpPr>
+            <p:spPr>
+              <a:xfrm>
+                <a:off x="2928943" y="5586414"/>
+                <a:ext cx="138142" cy="138142"/>
+              </a:xfrm>
+              <a:prstGeom prst="ellipse">
+                <a:avLst/>
+              </a:prstGeom>
+              <a:solidFill>
+                <a:srgbClr val="92D050"/>
+              </a:solidFill>
+              <a:ln>
+                <a:solidFill>
+                  <a:srgbClr val="92D050"/>
+                </a:solidFill>
+              </a:ln>
+            </p:spPr>
+            <p:style>
+              <a:lnRef idx="1">
+                <a:schemeClr val="accent1"/>
+              </a:lnRef>
+              <a:fillRef idx="3">
+                <a:schemeClr val="accent1"/>
+              </a:fillRef>
+              <a:effectRef idx="2">
+                <a:schemeClr val="accent1"/>
+              </a:effectRef>
+              <a:fontRef idx="minor">
+                <a:schemeClr val="lt1"/>
+              </a:fontRef>
+            </p:style>
+            <p:txBody>
+              <a:bodyPr rtlCol="0" anchor="ctr"/>
+              <a:lstStyle/>
+              <a:p>
+                <a:pPr algn="ctr"/>
+                <a:endParaRPr lang="en-US"/>
+              </a:p>
+            </p:txBody>
+          </p:sp>
+          <p:sp>
+            <p:nvSpPr>
+              <p:cNvPr id="40" name="Oval 39"/>
+              <p:cNvSpPr/>
+              <p:nvPr/>
+            </p:nvSpPr>
+            <p:spPr>
+              <a:xfrm>
+                <a:off x="3248031" y="5905500"/>
+                <a:ext cx="138142" cy="138142"/>
+              </a:xfrm>
+              <a:prstGeom prst="ellipse">
+                <a:avLst/>
+              </a:prstGeom>
+              <a:solidFill>
+                <a:srgbClr val="92D050"/>
+              </a:solidFill>
+              <a:ln>
+                <a:solidFill>
+                  <a:srgbClr val="92D050"/>
+                </a:solidFill>
+              </a:ln>
+            </p:spPr>
+            <p:style>
+              <a:lnRef idx="1">
+                <a:schemeClr val="accent1"/>
+              </a:lnRef>
+              <a:fillRef idx="3">
+                <a:schemeClr val="accent1"/>
+              </a:fillRef>
+              <a:effectRef idx="2">
+                <a:schemeClr val="accent1"/>
+              </a:effectRef>
+              <a:fontRef idx="minor">
+                <a:schemeClr val="lt1"/>
+              </a:fontRef>
+            </p:style>
+            <p:txBody>
+              <a:bodyPr rtlCol="0" anchor="ctr"/>
+              <a:lstStyle/>
+              <a:p>
+                <a:pPr algn="ctr"/>
+                <a:endParaRPr lang="en-US"/>
+              </a:p>
+            </p:txBody>
+          </p:sp>
+          <p:sp>
+            <p:nvSpPr>
+              <p:cNvPr id="41" name="Oval 40"/>
+              <p:cNvSpPr/>
+              <p:nvPr/>
+            </p:nvSpPr>
+            <p:spPr>
+              <a:xfrm>
+                <a:off x="2928937" y="5915020"/>
+                <a:ext cx="138142" cy="138142"/>
+              </a:xfrm>
+              <a:prstGeom prst="ellipse">
+                <a:avLst/>
+              </a:prstGeom>
+              <a:solidFill>
+                <a:srgbClr val="92D050"/>
+              </a:solidFill>
+              <a:ln>
+                <a:solidFill>
+                  <a:srgbClr val="92D050"/>
+                </a:solidFill>
+              </a:ln>
+            </p:spPr>
+            <p:style>
+              <a:lnRef idx="1">
+                <a:schemeClr val="accent1"/>
+              </a:lnRef>
+              <a:fillRef idx="3">
+                <a:schemeClr val="accent1"/>
+              </a:fillRef>
+              <a:effectRef idx="2">
+                <a:schemeClr val="accent1"/>
+              </a:effectRef>
+              <a:fontRef idx="minor">
+                <a:schemeClr val="lt1"/>
+              </a:fontRef>
+            </p:style>
+            <p:txBody>
+              <a:bodyPr rtlCol="0" anchor="ctr"/>
+              <a:lstStyle/>
+              <a:p>
+                <a:pPr algn="ctr"/>
+                <a:endParaRPr lang="en-US"/>
+              </a:p>
+            </p:txBody>
+          </p:sp>
+          <p:sp>
+            <p:nvSpPr>
+              <p:cNvPr id="42" name="Oval 41"/>
+              <p:cNvSpPr/>
+              <p:nvPr/>
+            </p:nvSpPr>
+            <p:spPr>
+              <a:xfrm>
+                <a:off x="3252063" y="5586414"/>
+                <a:ext cx="138142" cy="138142"/>
+              </a:xfrm>
+              <a:prstGeom prst="ellipse">
+                <a:avLst/>
+              </a:prstGeom>
+              <a:solidFill>
+                <a:srgbClr val="92D050"/>
+              </a:solidFill>
+              <a:ln>
+                <a:solidFill>
+                  <a:srgbClr val="92D050"/>
+                </a:solidFill>
+              </a:ln>
+            </p:spPr>
+            <p:style>
+              <a:lnRef idx="1">
+                <a:schemeClr val="accent1"/>
+              </a:lnRef>
+              <a:fillRef idx="3">
+                <a:schemeClr val="accent1"/>
+              </a:fillRef>
+              <a:effectRef idx="2">
+                <a:schemeClr val="accent1"/>
+              </a:effectRef>
+              <a:fontRef idx="minor">
+                <a:schemeClr val="lt1"/>
+              </a:fontRef>
+            </p:style>
+            <p:txBody>
+              <a:bodyPr rtlCol="0" anchor="ctr"/>
+              <a:lstStyle/>
+              <a:p>
+                <a:pPr algn="ctr"/>
+                <a:endParaRPr lang="en-US"/>
+              </a:p>
+            </p:txBody>
+          </p:sp>
+        </p:grpSp>
+      </p:grpSp>
+      <p:cxnSp>
+        <p:nvCxnSpPr>
+          <p:cNvPr id="3" name="Elbow Connector 2"/>
+          <p:cNvCxnSpPr/>
+          <p:nvPr/>
+        </p:nvCxnSpPr>
+        <p:spPr>
+          <a:xfrm rot="10800000" flipV="1">
+            <a:off x="6592389" y="6200503"/>
+            <a:ext cx="701784" cy="339634"/>
+          </a:xfrm>
+          <a:prstGeom prst="bentConnector3">
+            <a:avLst/>
+          </a:prstGeom>
+          <a:ln>
+            <a:tailEnd type="triangle"/>
+          </a:ln>
+        </p:spPr>
+        <p:style>
+          <a:lnRef idx="2">
+            <a:schemeClr val="accent1"/>
+          </a:lnRef>
+          <a:fillRef idx="0">
+            <a:schemeClr val="accent1"/>
+          </a:fillRef>
+          <a:effectRef idx="1">
+            <a:schemeClr val="accent1"/>
+          </a:effectRef>
+          <a:fontRef idx="minor">
+            <a:schemeClr val="tx1"/>
+          </a:fontRef>
+        </p:style>
+      </p:cxnSp>
+      <p:cxnSp>
+        <p:nvCxnSpPr>
+          <p:cNvPr id="64" name="Elbow Connector 63"/>
+          <p:cNvCxnSpPr/>
+          <p:nvPr/>
+        </p:nvCxnSpPr>
+        <p:spPr>
+          <a:xfrm rot="5400000" flipH="1" flipV="1">
+            <a:off x="5451566" y="5512527"/>
+            <a:ext cx="1863637" cy="191591"/>
+          </a:xfrm>
+          <a:prstGeom prst="bentConnector3">
+            <a:avLst>
+              <a:gd name="adj1" fmla="val 104206"/>
+            </a:avLst>
+          </a:prstGeom>
+          <a:ln>
+            <a:tailEnd type="triangle"/>
+          </a:ln>
+        </p:spPr>
+        <p:style>
+          <a:lnRef idx="2">
+            <a:schemeClr val="accent1"/>
+          </a:lnRef>
+          <a:fillRef idx="0">
+            <a:schemeClr val="accent1"/>
+          </a:fillRef>
+          <a:effectRef idx="1">
+            <a:schemeClr val="accent1"/>
+          </a:effectRef>
+          <a:fontRef idx="minor">
+            <a:schemeClr val="tx1"/>
+          </a:fontRef>
+        </p:style>
+      </p:cxnSp>
+      <p:cxnSp>
+        <p:nvCxnSpPr>
+          <p:cNvPr id="67" name="Elbow Connector 66"/>
+          <p:cNvCxnSpPr/>
+          <p:nvPr/>
+        </p:nvCxnSpPr>
+        <p:spPr>
+          <a:xfrm rot="16200000" flipH="1">
+            <a:off x="6478243" y="5530876"/>
+            <a:ext cx="898850" cy="235131"/>
+          </a:xfrm>
+          <a:prstGeom prst="bentConnector3">
+            <a:avLst>
+              <a:gd name="adj1" fmla="val 99411"/>
+            </a:avLst>
+          </a:prstGeom>
+          <a:ln>
+            <a:tailEnd type="triangle"/>
+          </a:ln>
+        </p:spPr>
+        <p:style>
+          <a:lnRef idx="2">
+            <a:schemeClr val="accent1"/>
+          </a:lnRef>
+          <a:fillRef idx="0">
+            <a:schemeClr val="accent1"/>
+          </a:fillRef>
+          <a:effectRef idx="1">
+            <a:schemeClr val="accent1"/>
+          </a:effectRef>
+          <a:fontRef idx="minor">
+            <a:schemeClr val="tx1"/>
+          </a:fontRef>
+        </p:style>
+      </p:cxnSp>
+      <p:cxnSp>
+        <p:nvCxnSpPr>
+          <p:cNvPr id="71" name="Curved Connector 70"/>
+          <p:cNvCxnSpPr/>
+          <p:nvPr/>
+        </p:nvCxnSpPr>
+        <p:spPr>
+          <a:xfrm flipV="1">
+            <a:off x="7045234" y="5851813"/>
+            <a:ext cx="592172" cy="246054"/>
+          </a:xfrm>
+          <a:prstGeom prst="curvedConnector3">
+            <a:avLst>
+              <a:gd name="adj1" fmla="val 100001"/>
+            </a:avLst>
+          </a:prstGeom>
+          <a:ln>
+            <a:tailEnd type="triangle"/>
+          </a:ln>
+        </p:spPr>
+        <p:style>
+          <a:lnRef idx="2">
+            <a:schemeClr val="accent1"/>
+          </a:lnRef>
+          <a:fillRef idx="0">
+            <a:schemeClr val="accent1"/>
+          </a:fillRef>
+          <a:effectRef idx="1">
+            <a:schemeClr val="accent1"/>
+          </a:effectRef>
+          <a:fontRef idx="minor">
+            <a:schemeClr val="tx1"/>
+          </a:fontRef>
+        </p:style>
+      </p:cxnSp>
+      <p:cxnSp>
+        <p:nvCxnSpPr>
+          <p:cNvPr id="76" name="Curved Connector 75"/>
+          <p:cNvCxnSpPr/>
+          <p:nvPr/>
+        </p:nvCxnSpPr>
+        <p:spPr>
+          <a:xfrm rot="5400000" flipH="1" flipV="1">
+            <a:off x="7620984" y="5395293"/>
+            <a:ext cx="352046" cy="220753"/>
+          </a:xfrm>
+          <a:prstGeom prst="curvedConnector3">
+            <a:avLst>
+              <a:gd name="adj1" fmla="val 101948"/>
+            </a:avLst>
+          </a:prstGeom>
+          <a:ln>
+            <a:tailEnd type="triangle"/>
+          </a:ln>
+        </p:spPr>
+        <p:style>
+          <a:lnRef idx="2">
+            <a:schemeClr val="accent1"/>
+          </a:lnRef>
+          <a:fillRef idx="0">
+            <a:schemeClr val="accent1"/>
+          </a:fillRef>
+          <a:effectRef idx="1">
+            <a:schemeClr val="accent1"/>
+          </a:effectRef>
+          <a:fontRef idx="minor">
+            <a:schemeClr val="tx1"/>
+          </a:fontRef>
+        </p:style>
+      </p:cxnSp>
+      <p:cxnSp>
+        <p:nvCxnSpPr>
+          <p:cNvPr id="87" name="Elbow Connector 86"/>
+          <p:cNvCxnSpPr/>
+          <p:nvPr/>
+        </p:nvCxnSpPr>
+        <p:spPr>
+          <a:xfrm rot="16200000" flipH="1">
+            <a:off x="6366316" y="4902576"/>
+            <a:ext cx="418013" cy="174870"/>
+          </a:xfrm>
+          <a:prstGeom prst="bentConnector3">
+            <a:avLst>
+              <a:gd name="adj1" fmla="val 100000"/>
+            </a:avLst>
+          </a:prstGeom>
+          <a:ln>
+            <a:tailEnd type="triangle"/>
+          </a:ln>
+        </p:spPr>
+        <p:style>
+          <a:lnRef idx="2">
+            <a:schemeClr val="accent1"/>
+          </a:lnRef>
+          <a:fillRef idx="0">
+            <a:schemeClr val="accent1"/>
+          </a:fillRef>
+          <a:effectRef idx="1">
+            <a:schemeClr val="accent1"/>
+          </a:effectRef>
+          <a:fontRef idx="minor">
+            <a:schemeClr val="tx1"/>
+          </a:fontRef>
+        </p:style>
+      </p:cxnSp>
+      <p:cxnSp>
+        <p:nvCxnSpPr>
+          <p:cNvPr id="94" name="Elbow Connector 93"/>
+          <p:cNvCxnSpPr/>
+          <p:nvPr/>
+        </p:nvCxnSpPr>
+        <p:spPr>
+          <a:xfrm rot="16200000" flipH="1">
+            <a:off x="7709187" y="5785697"/>
+            <a:ext cx="1039471" cy="469409"/>
+          </a:xfrm>
+          <a:prstGeom prst="bentConnector3">
+            <a:avLst>
+              <a:gd name="adj1" fmla="val 99430"/>
+            </a:avLst>
+          </a:prstGeom>
+          <a:ln>
+            <a:tailEnd type="triangle"/>
+          </a:ln>
+        </p:spPr>
+        <p:style>
+          <a:lnRef idx="2">
+            <a:schemeClr val="accent1"/>
+          </a:lnRef>
+          <a:fillRef idx="0">
+            <a:schemeClr val="accent1"/>
+          </a:fillRef>
+          <a:effectRef idx="1">
+            <a:schemeClr val="accent1"/>
+          </a:effectRef>
+          <a:fontRef idx="minor">
+            <a:schemeClr val="tx1"/>
+          </a:fontRef>
+        </p:style>
+      </p:cxnSp>
+      <p:cxnSp>
+        <p:nvCxnSpPr>
+          <p:cNvPr id="101" name="Elbow Connector 100"/>
+          <p:cNvCxnSpPr/>
+          <p:nvPr/>
+        </p:nvCxnSpPr>
+        <p:spPr>
+          <a:xfrm rot="16200000" flipV="1">
+            <a:off x="7422754" y="5130979"/>
+            <a:ext cx="1706382" cy="1111942"/>
+          </a:xfrm>
+          <a:prstGeom prst="bentConnector3">
+            <a:avLst>
+              <a:gd name="adj1" fmla="val 76028"/>
+            </a:avLst>
+          </a:prstGeom>
+          <a:ln>
+            <a:tailEnd type="triangle"/>
+          </a:ln>
+        </p:spPr>
+        <p:style>
+          <a:lnRef idx="2">
+            <a:schemeClr val="accent1"/>
+          </a:lnRef>
+          <a:fillRef idx="0">
+            <a:schemeClr val="accent1"/>
+          </a:fillRef>
+          <a:effectRef idx="1">
+            <a:schemeClr val="accent1"/>
+          </a:effectRef>
+          <a:fontRef idx="minor">
+            <a:schemeClr val="tx1"/>
+          </a:fontRef>
+        </p:style>
+      </p:cxnSp>
+      <p:cxnSp>
+        <p:nvCxnSpPr>
+          <p:cNvPr id="104" name="Elbow Connector 103"/>
+          <p:cNvCxnSpPr/>
+          <p:nvPr/>
+        </p:nvCxnSpPr>
+        <p:spPr>
+          <a:xfrm flipV="1">
+            <a:off x="7797007" y="4184155"/>
+            <a:ext cx="980753" cy="758403"/>
+          </a:xfrm>
+          <a:prstGeom prst="bentConnector3">
+            <a:avLst>
+              <a:gd name="adj1" fmla="val 99725"/>
+            </a:avLst>
+          </a:prstGeom>
+          <a:ln>
+            <a:tailEnd type="triangle"/>
+          </a:ln>
+        </p:spPr>
+        <p:style>
+          <a:lnRef idx="2">
+            <a:schemeClr val="accent1"/>
+          </a:lnRef>
+          <a:fillRef idx="0">
+            <a:schemeClr val="accent1"/>
+          </a:fillRef>
+          <a:effectRef idx="1">
+            <a:schemeClr val="accent1"/>
+          </a:effectRef>
+          <a:fontRef idx="minor">
+            <a:schemeClr val="tx1"/>
+          </a:fontRef>
+        </p:style>
+      </p:cxnSp>
+      <p:sp>
+        <p:nvSpPr>
+          <p:cNvPr id="118" name="TextBox 117"/>
+          <p:cNvSpPr txBox="1"/>
+          <p:nvPr/>
+        </p:nvSpPr>
+        <p:spPr>
+          <a:xfrm>
+            <a:off x="575874" y="3397733"/>
+            <a:ext cx="2402457" cy="1477328"/>
+          </a:xfrm>
+          <a:prstGeom prst="rect">
+            <a:avLst/>
+          </a:prstGeom>
+          <a:noFill/>
+        </p:spPr>
+        <p:txBody>
+          <a:bodyPr wrap="square" rtlCol="0">
+            <a:spAutoFit/>
+          </a:bodyPr>
+          <a:lstStyle/>
+          <a:p>
+            <a:r>
+              <a:rPr lang="en-US" dirty="0" smtClean="0">
+                <a:latin typeface="Candara" panose="020E0502030303020204" pitchFamily="34" charset="0"/>
+              </a:rPr>
+              <a:t>Guidance Sensor</a:t>
+            </a:r>
+          </a:p>
+          <a:p>
+            <a:endParaRPr lang="en-US" dirty="0">
+              <a:latin typeface="Candara" panose="020E0502030303020204" pitchFamily="34" charset="0"/>
+            </a:endParaRPr>
+          </a:p>
+          <a:p>
+            <a:r>
+              <a:rPr lang="en-US" dirty="0" smtClean="0">
+                <a:latin typeface="Candara" panose="020E0502030303020204" pitchFamily="34" charset="0"/>
+              </a:rPr>
+              <a:t>Obstacle Detection</a:t>
+            </a:r>
+          </a:p>
+          <a:p>
+            <a:endParaRPr lang="en-US" dirty="0">
+              <a:latin typeface="Candara" panose="020E0502030303020204" pitchFamily="34" charset="0"/>
+            </a:endParaRPr>
+          </a:p>
+          <a:p>
+            <a:r>
+              <a:rPr lang="en-US" dirty="0" smtClean="0">
+                <a:latin typeface="Candara" panose="020E0502030303020204" pitchFamily="34" charset="0"/>
+              </a:rPr>
+              <a:t>Path Planning</a:t>
+            </a:r>
+            <a:endParaRPr lang="en-US" dirty="0">
+              <a:latin typeface="Candara" panose="020E0502030303020204" pitchFamily="34" charset="0"/>
+            </a:endParaRPr>
+          </a:p>
+        </p:txBody>
+      </p:sp>
+      <p:grpSp>
+        <p:nvGrpSpPr>
+          <p:cNvPr id="144" name="Group 143"/>
+          <p:cNvGrpSpPr/>
+          <p:nvPr/>
+        </p:nvGrpSpPr>
+        <p:grpSpPr>
+          <a:xfrm>
+            <a:off x="6383384" y="2415715"/>
+            <a:ext cx="2290744" cy="2260790"/>
+            <a:chOff x="6383384" y="2415715"/>
+            <a:chExt cx="2290744" cy="2260790"/>
+          </a:xfrm>
+        </p:grpSpPr>
+        <p:grpSp>
+          <p:nvGrpSpPr>
+            <p:cNvPr id="142" name="Group 141"/>
+            <p:cNvGrpSpPr/>
+            <p:nvPr/>
+          </p:nvGrpSpPr>
+          <p:grpSpPr>
+            <a:xfrm>
+              <a:off x="6383384" y="2415715"/>
+              <a:ext cx="2290744" cy="2260790"/>
+              <a:chOff x="6383384" y="2415715"/>
+              <a:chExt cx="2290744" cy="2260790"/>
+            </a:xfrm>
+          </p:grpSpPr>
+          <p:sp>
+            <p:nvSpPr>
+              <p:cNvPr id="106" name="Isosceles Triangle 105"/>
+              <p:cNvSpPr/>
+              <p:nvPr/>
+            </p:nvSpPr>
+            <p:spPr>
+              <a:xfrm>
+                <a:off x="8412707" y="4076520"/>
+                <a:ext cx="261421" cy="287079"/>
+              </a:xfrm>
+              <a:prstGeom prst="triangle">
+                <a:avLst/>
+              </a:prstGeom>
+              <a:solidFill>
+                <a:srgbClr val="FFFF00"/>
+              </a:solidFill>
+            </p:spPr>
+            <p:style>
+              <a:lnRef idx="1">
+                <a:schemeClr val="accent1"/>
+              </a:lnRef>
+              <a:fillRef idx="3">
+                <a:schemeClr val="accent1"/>
+              </a:fillRef>
+              <a:effectRef idx="2">
+                <a:schemeClr val="accent1"/>
+              </a:effectRef>
+              <a:fontRef idx="minor">
+                <a:schemeClr val="lt1"/>
+              </a:fontRef>
+            </p:style>
+            <p:txBody>
+              <a:bodyPr rtlCol="0" anchor="ctr"/>
+              <a:lstStyle/>
+              <a:p>
+                <a:pPr algn="ctr"/>
+                <a:endParaRPr lang="en-US"/>
+              </a:p>
+            </p:txBody>
+          </p:sp>
+          <p:cxnSp>
+            <p:nvCxnSpPr>
+              <p:cNvPr id="108" name="Elbow Connector 107"/>
+              <p:cNvCxnSpPr/>
+              <p:nvPr/>
+            </p:nvCxnSpPr>
+            <p:spPr>
+              <a:xfrm rot="10800000" flipV="1">
+                <a:off x="7797007" y="4487302"/>
+                <a:ext cx="666622" cy="189202"/>
+              </a:xfrm>
+              <a:prstGeom prst="bentConnector3">
+                <a:avLst>
+                  <a:gd name="adj1" fmla="val -949"/>
+                </a:avLst>
+              </a:prstGeom>
+              <a:ln>
+                <a:solidFill>
+                  <a:srgbClr val="00B050"/>
+                </a:solidFill>
+                <a:tailEnd type="triangle"/>
+              </a:ln>
+            </p:spPr>
+            <p:style>
+              <a:lnRef idx="2">
+                <a:schemeClr val="accent1"/>
+              </a:lnRef>
+              <a:fillRef idx="0">
+                <a:schemeClr val="accent1"/>
+              </a:fillRef>
+              <a:effectRef idx="1">
+                <a:schemeClr val="accent1"/>
+              </a:effectRef>
+              <a:fontRef idx="minor">
+                <a:schemeClr val="tx1"/>
+              </a:fontRef>
+            </p:style>
+          </p:cxnSp>
+          <p:cxnSp>
+            <p:nvCxnSpPr>
+              <p:cNvPr id="113" name="Elbow Connector 112"/>
+              <p:cNvCxnSpPr/>
+              <p:nvPr/>
+            </p:nvCxnSpPr>
+            <p:spPr>
+              <a:xfrm rot="5400000" flipH="1" flipV="1">
+                <a:off x="7261537" y="3847779"/>
+                <a:ext cx="1193075" cy="464377"/>
+              </a:xfrm>
+              <a:prstGeom prst="bentConnector3">
+                <a:avLst/>
+              </a:prstGeom>
+              <a:ln>
+                <a:solidFill>
+                  <a:srgbClr val="00B050"/>
+                </a:solidFill>
+                <a:tailEnd type="triangle"/>
+              </a:ln>
+            </p:spPr>
+            <p:style>
+              <a:lnRef idx="2">
+                <a:schemeClr val="accent1"/>
+              </a:lnRef>
+              <a:fillRef idx="0">
+                <a:schemeClr val="accent1"/>
+              </a:fillRef>
+              <a:effectRef idx="1">
+                <a:schemeClr val="accent1"/>
+              </a:effectRef>
+              <a:fontRef idx="minor">
+                <a:schemeClr val="tx1"/>
+              </a:fontRef>
+            </p:style>
+          </p:cxnSp>
+          <p:cxnSp>
+            <p:nvCxnSpPr>
+              <p:cNvPr id="115" name="Elbow Connector 114"/>
+              <p:cNvCxnSpPr/>
+              <p:nvPr/>
+            </p:nvCxnSpPr>
+            <p:spPr>
+              <a:xfrm rot="10800000">
+                <a:off x="6487887" y="3100608"/>
+                <a:ext cx="1432385" cy="297125"/>
+              </a:xfrm>
+              <a:prstGeom prst="bentConnector3">
+                <a:avLst>
+                  <a:gd name="adj1" fmla="val 99854"/>
+                </a:avLst>
+              </a:prstGeom>
+              <a:ln>
+                <a:solidFill>
+                  <a:srgbClr val="00B050"/>
+                </a:solidFill>
+                <a:tailEnd type="triangle"/>
+              </a:ln>
+            </p:spPr>
+            <p:style>
+              <a:lnRef idx="2">
+                <a:schemeClr val="accent1"/>
+              </a:lnRef>
+              <a:fillRef idx="0">
+                <a:schemeClr val="accent1"/>
+              </a:fillRef>
+              <a:effectRef idx="1">
+                <a:schemeClr val="accent1"/>
+              </a:effectRef>
+              <a:fontRef idx="minor">
+                <a:schemeClr val="tx1"/>
+              </a:fontRef>
+            </p:style>
+          </p:cxnSp>
+          <p:sp>
+            <p:nvSpPr>
+              <p:cNvPr id="117" name="Curved Right Arrow 116"/>
+              <p:cNvSpPr/>
+              <p:nvPr/>
+            </p:nvSpPr>
+            <p:spPr>
+              <a:xfrm rot="10800000">
+                <a:off x="6383384" y="2415715"/>
+                <a:ext cx="260411" cy="596010"/>
+              </a:xfrm>
+              <a:prstGeom prst="curvedRightArrow">
+                <a:avLst>
+                  <a:gd name="adj1" fmla="val 22815"/>
+                  <a:gd name="adj2" fmla="val 100564"/>
+                  <a:gd name="adj3" fmla="val 48409"/>
+                </a:avLst>
+              </a:prstGeom>
+              <a:solidFill>
+                <a:srgbClr val="00B050"/>
+              </a:solidFill>
+              <a:ln>
+                <a:solidFill>
+                  <a:srgbClr val="00B050"/>
+                </a:solidFill>
+              </a:ln>
+            </p:spPr>
+            <p:style>
+              <a:lnRef idx="1">
+                <a:schemeClr val="accent1"/>
+              </a:lnRef>
+              <a:fillRef idx="3">
+                <a:schemeClr val="accent1"/>
+              </a:fillRef>
+              <a:effectRef idx="2">
+                <a:schemeClr val="accent1"/>
+              </a:effectRef>
+              <a:fontRef idx="minor">
+                <a:schemeClr val="lt1"/>
+              </a:fontRef>
+            </p:style>
+            <p:txBody>
+              <a:bodyPr rtlCol="0" anchor="ctr"/>
+              <a:lstStyle/>
+              <a:p>
+                <a:pPr algn="ctr"/>
+                <a:endParaRPr lang="en-US">
+                  <a:solidFill>
+                    <a:schemeClr val="tx1"/>
+                  </a:solidFill>
+                </a:endParaRPr>
+              </a:p>
+            </p:txBody>
+          </p:sp>
+        </p:grpSp>
+        <p:sp>
+          <p:nvSpPr>
+            <p:cNvPr id="143" name="TextBox 142"/>
+            <p:cNvSpPr txBox="1"/>
+            <p:nvPr/>
+          </p:nvSpPr>
+          <p:spPr>
+            <a:xfrm>
+              <a:off x="8421097" y="4083265"/>
+              <a:ext cx="210499" cy="369332"/>
+            </a:xfrm>
+            <a:prstGeom prst="rect">
+              <a:avLst/>
+            </a:prstGeom>
+            <a:noFill/>
+          </p:spPr>
+          <p:txBody>
+            <a:bodyPr wrap="square" rtlCol="0">
+              <a:spAutoFit/>
+            </a:bodyPr>
+            <a:lstStyle/>
+            <a:p>
+              <a:r>
+                <a:rPr lang="en-US" dirty="0" smtClean="0"/>
+                <a:t>!</a:t>
+              </a:r>
+              <a:endParaRPr lang="en-US" dirty="0"/>
+            </a:p>
+          </p:txBody>
+        </p:sp>
+      </p:grpSp>
+    </p:spTree>
+    <p:extLst>
+      <p:ext uri="{BB962C8B-B14F-4D97-AF65-F5344CB8AC3E}">
+        <p14:creationId xmlns:p14="http://schemas.microsoft.com/office/powerpoint/2010/main" val="3975923920"/>
+      </p:ext>
+    </p:extLst>
+  </p:cSld>
+  <p:clrMapOvr>
+    <a:masterClrMapping/>
+  </p:clrMapOvr>
+  <p:timing>
+    <p:tnLst>
+      <p:par>
+        <p:cTn id="1" dur="indefinite" restart="never" nodeType="tmRoot">
+          <p:childTnLst>
+            <p:seq concurrent="1" nextAc="seek">
+              <p:cTn id="2" dur="indefinite" nodeType="mainSeq">
+                <p:childTnLst>
+                  <p:par>
+                    <p:cTn id="3" fill="hold">
+                      <p:stCondLst>
+                        <p:cond delay="indefinite"/>
+                      </p:stCondLst>
+                      <p:childTnLst>
+                        <p:par>
+                          <p:cTn id="4" fill="hold">
+                            <p:stCondLst>
+                              <p:cond delay="0"/>
+                            </p:stCondLst>
+                            <p:childTnLst>
+                              <p:par>
+                                <p:cTn id="5" presetID="1" presetClass="entr" presetSubtype="0" fill="hold" grpId="0" nodeType="clickEffect">
+                                  <p:stCondLst>
+                                    <p:cond delay="0"/>
+                                  </p:stCondLst>
+                                  <p:childTnLst>
+                                    <p:set>
+                                      <p:cBhvr>
+                                        <p:cTn id="6" dur="1" fill="hold">
+                                          <p:stCondLst>
+                                            <p:cond delay="0"/>
+                                          </p:stCondLst>
+                                        </p:cTn>
+                                        <p:tgtEl>
+                                          <p:spTgt spid="118"/>
+                                        </p:tgtEl>
+                                        <p:attrNameLst>
+                                          <p:attrName>style.visibility</p:attrName>
+                                        </p:attrNameLst>
+                                      </p:cBhvr>
+                                      <p:to>
+                                        <p:strVal val="visible"/>
+                                      </p:to>
+                                    </p:set>
+                                  </p:childTnLst>
+                                </p:cTn>
+                              </p:par>
+                            </p:childTnLst>
+                          </p:cTn>
+                        </p:par>
+                      </p:childTnLst>
+                    </p:cTn>
+                  </p:par>
+                  <p:par>
+                    <p:cTn id="7" fill="hold">
+                      <p:stCondLst>
+                        <p:cond delay="indefinite"/>
+                      </p:stCondLst>
+                      <p:childTnLst>
+                        <p:par>
+                          <p:cTn id="8" fill="hold">
+                            <p:stCondLst>
+                              <p:cond delay="0"/>
+                            </p:stCondLst>
+                            <p:childTnLst>
+                              <p:par>
+                                <p:cTn id="9" presetID="1" presetClass="entr" presetSubtype="0" fill="hold" nodeType="clickEffect">
+                                  <p:stCondLst>
+                                    <p:cond delay="0"/>
+                                  </p:stCondLst>
+                                  <p:childTnLst>
+                                    <p:set>
+                                      <p:cBhvr>
+                                        <p:cTn id="10" dur="1" fill="hold">
+                                          <p:stCondLst>
+                                            <p:cond delay="0"/>
+                                          </p:stCondLst>
+                                        </p:cTn>
+                                        <p:tgtEl>
+                                          <p:spTgt spid="144"/>
+                                        </p:tgtEl>
+                                        <p:attrNameLst>
+                                          <p:attrName>style.visibility</p:attrName>
+                                        </p:attrNameLst>
+                                      </p:cBhvr>
+                                      <p:to>
+                                        <p:strVal val="visible"/>
+                                      </p:to>
+                                    </p:set>
+                                  </p:childTnLst>
+                                </p:cTn>
+                              </p:par>
+                            </p:childTnLst>
+                          </p:cTn>
+                        </p:par>
+                      </p:childTnLst>
+                    </p:cTn>
+                  </p:par>
+                </p:childTnLst>
+              </p:cTn>
+              <p:prevCondLst>
+                <p:cond evt="onPrev" delay="0">
+                  <p:tgtEl>
+                    <p:sldTgt/>
+                  </p:tgtEl>
+                </p:cond>
+              </p:prevCondLst>
+              <p:nextCondLst>
+                <p:cond evt="onNext" delay="0">
+                  <p:tgtEl>
+                    <p:sldTgt/>
+                  </p:tgtEl>
+                </p:cond>
+              </p:nextCondLst>
+            </p:seq>
+          </p:childTnLst>
+        </p:cTn>
+      </p:par>
+    </p:tnLst>
+    <p:bldLst>
+      <p:bldP spid="118" grpId="0"/>
+    </p:bldLst>
+  </p:timing>
+</p:sld>
+</file>
+
+<file path=ppt/slides/slide11.xml><?xml version="1.0" encoding="utf-8"?>
+<p:sld xmlns:a="http://schemas.openxmlformats.org/drawingml/2006/main" xmlns:r="http://schemas.openxmlformats.org/officeDocument/2006/relationships" xmlns:p="http://schemas.openxmlformats.org/presentationml/2006/main">
+  <p:cSld>
+    <p:spTree>
+      <p:nvGrpSpPr>
+        <p:cNvPr id="1" name=""/>
+        <p:cNvGrpSpPr/>
+        <p:nvPr/>
+      </p:nvGrpSpPr>
+      <p:grpSpPr>
+        <a:xfrm>
+          <a:off x="0" y="0"/>
+          <a:ext cx="0" cy="0"/>
+          <a:chOff x="0" y="0"/>
+          <a:chExt cx="0" cy="0"/>
+        </a:xfrm>
+      </p:grpSpPr>
+      <p:grpSp>
+        <p:nvGrpSpPr>
+          <p:cNvPr id="4" name="Group 3"/>
+          <p:cNvGrpSpPr/>
+          <p:nvPr/>
+        </p:nvGrpSpPr>
+        <p:grpSpPr>
+          <a:xfrm>
+            <a:off x="0" y="1"/>
+            <a:ext cx="9144000" cy="844012"/>
+            <a:chOff x="0" y="1"/>
+            <a:chExt cx="9144000" cy="844012"/>
+          </a:xfrm>
+        </p:grpSpPr>
+        <p:cxnSp>
+          <p:nvCxnSpPr>
+            <p:cNvPr id="5" name="Straight Connector 4"/>
+            <p:cNvCxnSpPr/>
+            <p:nvPr/>
+          </p:nvCxnSpPr>
+          <p:spPr>
+            <a:xfrm>
+              <a:off x="0" y="844013"/>
+              <a:ext cx="9144000" cy="0"/>
+            </a:xfrm>
+            <a:prstGeom prst="line">
+              <a:avLst/>
+            </a:prstGeom>
+            <a:ln>
+              <a:solidFill>
+                <a:schemeClr val="tx1"/>
+              </a:solidFill>
+            </a:ln>
+            <a:effectLst/>
+          </p:spPr>
+          <p:style>
+            <a:lnRef idx="2">
+              <a:schemeClr val="accent1"/>
+            </a:lnRef>
+            <a:fillRef idx="0">
+              <a:schemeClr val="accent1"/>
+            </a:fillRef>
+            <a:effectRef idx="1">
+              <a:schemeClr val="accent1"/>
+            </a:effectRef>
+            <a:fontRef idx="minor">
+              <a:schemeClr val="tx1"/>
+            </a:fontRef>
+          </p:style>
+        </p:cxnSp>
+        <p:pic>
+          <p:nvPicPr>
+            <p:cNvPr id="6" name="Picture 5" descr="Screen Shot 2015-10-11 at 11.16.20 AM.png"/>
+            <p:cNvPicPr>
+              <a:picLocks noChangeAspect="1"/>
+            </p:cNvPicPr>
+            <p:nvPr/>
+          </p:nvPicPr>
+          <p:blipFill>
+            <a:blip r:embed="rId2">
+              <a:extLst>
+                <a:ext uri="{28A0092B-C50C-407E-A947-70E740481C1C}">
+                  <a14:useLocalDpi xmlns:a14="http://schemas.microsoft.com/office/drawing/2010/main" val="0"/>
+                </a:ext>
+              </a:extLst>
+            </a:blip>
+            <a:stretch>
+              <a:fillRect/>
+            </a:stretch>
+          </p:blipFill>
+          <p:spPr>
+            <a:xfrm>
+              <a:off x="0" y="1"/>
+              <a:ext cx="1151748" cy="844012"/>
+            </a:xfrm>
+            <a:prstGeom prst="rect">
+              <a:avLst/>
+            </a:prstGeom>
+          </p:spPr>
+        </p:pic>
+        <p:sp>
+          <p:nvSpPr>
+            <p:cNvPr id="7" name="Rectangle 6"/>
+            <p:cNvSpPr/>
+            <p:nvPr/>
+          </p:nvSpPr>
+          <p:spPr>
+            <a:xfrm>
+              <a:off x="1151748" y="2283"/>
+              <a:ext cx="7992252" cy="832104"/>
+            </a:xfrm>
+            <a:prstGeom prst="rect">
+              <a:avLst/>
+            </a:prstGeom>
+            <a:solidFill>
+              <a:schemeClr val="tx1"/>
+            </a:solidFill>
+            <a:ln>
+              <a:solidFill>
+                <a:schemeClr val="tx1"/>
+              </a:solidFill>
+            </a:ln>
+            <a:effectLst/>
+          </p:spPr>
+          <p:style>
+            <a:lnRef idx="1">
+              <a:schemeClr val="accent1"/>
+            </a:lnRef>
+            <a:fillRef idx="3">
+              <a:schemeClr val="accent1"/>
+            </a:fillRef>
+            <a:effectRef idx="2">
+              <a:schemeClr val="accent1"/>
+            </a:effectRef>
+            <a:fontRef idx="minor">
+              <a:schemeClr val="lt1"/>
+            </a:fontRef>
+          </p:style>
+          <p:txBody>
+            <a:bodyPr rtlCol="0" anchor="ctr"/>
+            <a:lstStyle/>
+            <a:p>
+              <a:pPr algn="ctr"/>
+              <a:endParaRPr lang="en-US"/>
+            </a:p>
+          </p:txBody>
+        </p:sp>
+        <p:pic>
+          <p:nvPicPr>
+            <p:cNvPr id="8" name="Picture 7"/>
+            <p:cNvPicPr>
+              <a:picLocks noChangeAspect="1"/>
+            </p:cNvPicPr>
+            <p:nvPr/>
+          </p:nvPicPr>
+          <p:blipFill>
+            <a:blip r:embed="rId3"/>
+            <a:stretch>
+              <a:fillRect/>
+            </a:stretch>
+          </p:blipFill>
+          <p:spPr>
+            <a:xfrm>
+              <a:off x="8311013" y="2283"/>
+              <a:ext cx="832987" cy="832987"/>
+            </a:xfrm>
+            <a:prstGeom prst="rect">
+              <a:avLst/>
+            </a:prstGeom>
+          </p:spPr>
+        </p:pic>
+        <p:sp>
+          <p:nvSpPr>
+            <p:cNvPr id="9" name="TextBox 8"/>
+            <p:cNvSpPr txBox="1"/>
+            <p:nvPr/>
+          </p:nvSpPr>
+          <p:spPr>
+            <a:xfrm>
+              <a:off x="1202040" y="188621"/>
+              <a:ext cx="6983237" cy="461665"/>
+            </a:xfrm>
+            <a:prstGeom prst="rect">
+              <a:avLst/>
+            </a:prstGeom>
+            <a:noFill/>
+          </p:spPr>
+          <p:txBody>
+            <a:bodyPr wrap="square" rtlCol="0">
+              <a:spAutoFit/>
+            </a:bodyPr>
+            <a:lstStyle/>
+            <a:p>
+              <a:pPr algn="ctr"/>
+              <a:r>
+                <a:rPr lang="en-US" sz="2400" dirty="0" err="1" smtClean="0">
+                  <a:solidFill>
+                    <a:srgbClr val="FFFFFF"/>
+                  </a:solidFill>
+                  <a:latin typeface="Candara"/>
+                  <a:cs typeface="Candara"/>
+                </a:rPr>
+                <a:t>FlyNet</a:t>
+              </a:r>
+              <a:r>
+                <a:rPr lang="en-US" sz="2400" dirty="0" smtClean="0">
+                  <a:solidFill>
+                    <a:srgbClr val="FFFFFF"/>
+                  </a:solidFill>
+                  <a:latin typeface="Candara"/>
+                  <a:cs typeface="Candara"/>
+                </a:rPr>
+                <a:t>: Autonomous </a:t>
+              </a:r>
+              <a:r>
+                <a:rPr lang="en-US" sz="2400" dirty="0" err="1" smtClean="0">
+                  <a:solidFill>
+                    <a:srgbClr val="FFFFFF"/>
+                  </a:solidFill>
+                  <a:latin typeface="Candara"/>
+                  <a:cs typeface="Candara"/>
+                </a:rPr>
+                <a:t>Quadcopter</a:t>
+              </a:r>
+              <a:r>
+                <a:rPr lang="en-US" sz="2400" dirty="0" smtClean="0">
+                  <a:solidFill>
+                    <a:srgbClr val="FFFFFF"/>
+                  </a:solidFill>
+                  <a:latin typeface="Candara"/>
+                  <a:cs typeface="Candara"/>
+                </a:rPr>
+                <a:t> Search and Rescue</a:t>
+              </a:r>
+              <a:endParaRPr lang="en-US" sz="2400" dirty="0">
+                <a:solidFill>
+                  <a:srgbClr val="FFFFFF"/>
+                </a:solidFill>
+                <a:latin typeface="Candara"/>
+                <a:cs typeface="Candara"/>
+              </a:endParaRPr>
+            </a:p>
+          </p:txBody>
+        </p:sp>
+      </p:grpSp>
+      <p:sp>
+        <p:nvSpPr>
+          <p:cNvPr id="31" name="Content Placeholder 2"/>
+          <p:cNvSpPr txBox="1">
+            <a:spLocks/>
+          </p:cNvSpPr>
+          <p:nvPr/>
+        </p:nvSpPr>
+        <p:spPr>
+          <a:xfrm>
+            <a:off x="-3376" y="1594361"/>
+            <a:ext cx="3922927" cy="4351338"/>
+          </a:xfrm>
+          <a:prstGeom prst="rect">
+            <a:avLst/>
+          </a:prstGeom>
+        </p:spPr>
+        <p:txBody>
+          <a:bodyPr vert="horz" lIns="91440" tIns="45720" rIns="91440" bIns="45720" rtlCol="0">
+            <a:normAutofit/>
+          </a:bodyPr>
+          <a:lstStyle>
+            <a:lvl1pPr marL="0" indent="0" algn="ctr" defTabSz="457200" rtl="0" eaLnBrk="1" latinLnBrk="0" hangingPunct="1">
+              <a:spcBef>
+                <a:spcPct val="20000"/>
+              </a:spcBef>
+              <a:buFont typeface="Arial"/>
+              <a:buNone/>
+              <a:defRPr sz="3200" kern="1200">
+                <a:solidFill>
+                  <a:schemeClr val="tx1">
+                    <a:tint val="75000"/>
+                  </a:schemeClr>
+                </a:solidFill>
+                <a:latin typeface="+mn-lt"/>
+                <a:ea typeface="+mn-ea"/>
+                <a:cs typeface="+mn-cs"/>
+              </a:defRPr>
+            </a:lvl1pPr>
+            <a:lvl2pPr marL="457200" indent="0" algn="ctr" defTabSz="457200" rtl="0" eaLnBrk="1" latinLnBrk="0" hangingPunct="1">
+              <a:spcBef>
+                <a:spcPct val="20000"/>
+              </a:spcBef>
+              <a:buFont typeface="Arial"/>
+              <a:buNone/>
+              <a:defRPr sz="2800" kern="1200">
+                <a:solidFill>
+                  <a:schemeClr val="tx1">
+                    <a:tint val="75000"/>
+                  </a:schemeClr>
+                </a:solidFill>
+                <a:latin typeface="+mn-lt"/>
+                <a:ea typeface="+mn-ea"/>
+                <a:cs typeface="+mn-cs"/>
+              </a:defRPr>
+            </a:lvl2pPr>
+            <a:lvl3pPr marL="914400" indent="0" algn="ctr" defTabSz="457200" rtl="0" eaLnBrk="1" latinLnBrk="0" hangingPunct="1">
+              <a:spcBef>
+                <a:spcPct val="20000"/>
+              </a:spcBef>
+              <a:buFont typeface="Arial"/>
+              <a:buNone/>
+              <a:defRPr sz="2400" kern="1200">
+                <a:solidFill>
+                  <a:schemeClr val="tx1">
+                    <a:tint val="75000"/>
+                  </a:schemeClr>
+                </a:solidFill>
+                <a:latin typeface="+mn-lt"/>
+                <a:ea typeface="+mn-ea"/>
+                <a:cs typeface="+mn-cs"/>
+              </a:defRPr>
+            </a:lvl3pPr>
+            <a:lvl4pPr marL="1371600" indent="0" algn="ctr" defTabSz="457200" rtl="0" eaLnBrk="1" latinLnBrk="0" hangingPunct="1">
+              <a:spcBef>
+                <a:spcPct val="20000"/>
+              </a:spcBef>
+              <a:buFont typeface="Arial"/>
+              <a:buNone/>
+              <a:defRPr sz="2000" kern="1200">
+                <a:solidFill>
+                  <a:schemeClr val="tx1">
+                    <a:tint val="75000"/>
+                  </a:schemeClr>
+                </a:solidFill>
+                <a:latin typeface="+mn-lt"/>
+                <a:ea typeface="+mn-ea"/>
+                <a:cs typeface="+mn-cs"/>
+              </a:defRPr>
+            </a:lvl4pPr>
+            <a:lvl5pPr marL="1828800" indent="0" algn="ctr" defTabSz="457200" rtl="0" eaLnBrk="1" latinLnBrk="0" hangingPunct="1">
+              <a:spcBef>
+                <a:spcPct val="20000"/>
+              </a:spcBef>
+              <a:buFont typeface="Arial"/>
+              <a:buNone/>
+              <a:defRPr sz="2000" kern="1200">
+                <a:solidFill>
+                  <a:schemeClr val="tx1">
+                    <a:tint val="75000"/>
+                  </a:schemeClr>
+                </a:solidFill>
+                <a:latin typeface="+mn-lt"/>
+                <a:ea typeface="+mn-ea"/>
+                <a:cs typeface="+mn-cs"/>
+              </a:defRPr>
+            </a:lvl5pPr>
+            <a:lvl6pPr marL="2286000" indent="0" algn="ctr" defTabSz="457200" rtl="0" eaLnBrk="1" latinLnBrk="0" hangingPunct="1">
+              <a:spcBef>
+                <a:spcPct val="20000"/>
+              </a:spcBef>
+              <a:buFont typeface="Arial"/>
+              <a:buNone/>
+              <a:defRPr sz="2000" kern="1200">
+                <a:solidFill>
+                  <a:schemeClr val="tx1">
+                    <a:tint val="75000"/>
+                  </a:schemeClr>
+                </a:solidFill>
+                <a:latin typeface="+mn-lt"/>
+                <a:ea typeface="+mn-ea"/>
+                <a:cs typeface="+mn-cs"/>
+              </a:defRPr>
+            </a:lvl6pPr>
+            <a:lvl7pPr marL="2743200" indent="0" algn="ctr" defTabSz="457200" rtl="0" eaLnBrk="1" latinLnBrk="0" hangingPunct="1">
+              <a:spcBef>
+                <a:spcPct val="20000"/>
+              </a:spcBef>
+              <a:buFont typeface="Arial"/>
+              <a:buNone/>
+              <a:defRPr sz="2000" kern="1200">
+                <a:solidFill>
+                  <a:schemeClr val="tx1">
+                    <a:tint val="75000"/>
+                  </a:schemeClr>
+                </a:solidFill>
+                <a:latin typeface="+mn-lt"/>
+                <a:ea typeface="+mn-ea"/>
+                <a:cs typeface="+mn-cs"/>
+              </a:defRPr>
+            </a:lvl7pPr>
+            <a:lvl8pPr marL="3200400" indent="0" algn="ctr" defTabSz="457200" rtl="0" eaLnBrk="1" latinLnBrk="0" hangingPunct="1">
+              <a:spcBef>
+                <a:spcPct val="20000"/>
+              </a:spcBef>
+              <a:buFont typeface="Arial"/>
+              <a:buNone/>
+              <a:defRPr sz="2000" kern="1200">
+                <a:solidFill>
+                  <a:schemeClr val="tx1">
+                    <a:tint val="75000"/>
+                  </a:schemeClr>
+                </a:solidFill>
+                <a:latin typeface="+mn-lt"/>
+                <a:ea typeface="+mn-ea"/>
+                <a:cs typeface="+mn-cs"/>
+              </a:defRPr>
+            </a:lvl8pPr>
+            <a:lvl9pPr marL="3657600" indent="0" algn="ctr" defTabSz="457200" rtl="0" eaLnBrk="1" latinLnBrk="0" hangingPunct="1">
+              <a:spcBef>
+                <a:spcPct val="20000"/>
+              </a:spcBef>
+              <a:buFont typeface="Arial"/>
+              <a:buNone/>
+              <a:defRPr sz="2000" kern="1200">
+                <a:solidFill>
+                  <a:schemeClr val="tx1">
+                    <a:tint val="75000"/>
+                  </a:schemeClr>
+                </a:solidFill>
+                <a:latin typeface="+mn-lt"/>
+                <a:ea typeface="+mn-ea"/>
+                <a:cs typeface="+mn-cs"/>
+              </a:defRPr>
+            </a:lvl9pPr>
+          </a:lstStyle>
+          <a:p>
+            <a:pPr marL="457200" indent="-457200" algn="l">
+              <a:buFont typeface="Arial" panose="020B0604020202020204" pitchFamily="34" charset="0"/>
+              <a:buChar char="•"/>
+            </a:pPr>
+            <a:r>
+              <a:rPr lang="en-US" sz="2000" dirty="0" smtClean="0">
+                <a:solidFill>
+                  <a:schemeClr val="tx1"/>
+                </a:solidFill>
+                <a:latin typeface="Candara" panose="020E0502030303020204" pitchFamily="34" charset="0"/>
+              </a:rPr>
+              <a:t>System will autonomously fly and map entire space</a:t>
             </a:r>
           </a:p>
           <a:p>
@@ -3547,13 +6704,13 @@
               <a:buChar char="•"/>
             </a:pPr>
             <a:r>
-              <a:rPr lang="en-US" sz="2800" dirty="0" smtClean="0">
+              <a:rPr lang="en-US" sz="2000" dirty="0" smtClean="0">
                 <a:solidFill>
                   <a:schemeClr val="tx1"/>
                 </a:solidFill>
                 <a:latin typeface="Candara" panose="020E0502030303020204" pitchFamily="34" charset="0"/>
               </a:rPr>
-              <a:t>Also provides visual on project progress</a:t>
+              <a:t>Planning subsystem will help avoid obstacles and recalculate trajectory</a:t>
             </a:r>
           </a:p>
           <a:p>
@@ -3562,15 +6719,24 @@
               <a:buChar char="•"/>
             </a:pPr>
             <a:r>
-              <a:rPr lang="en-US" sz="2800" dirty="0" smtClean="0">
+              <a:rPr lang="en-US" sz="2000" dirty="0" smtClean="0">
                 <a:solidFill>
                   <a:schemeClr val="tx1"/>
                 </a:solidFill>
                 <a:latin typeface="Candara" panose="020E0502030303020204" pitchFamily="34" charset="0"/>
               </a:rPr>
-              <a:t>Each test has an associated test sheet linked to it</a:t>
+              <a:t>Target will be identified and located in the </a:t>
             </a:r>
-            <a:endParaRPr lang="en-US" sz="2800" dirty="0" smtClean="0">
+            <a:r>
+              <a:rPr lang="en-US" sz="2000" dirty="0" smtClean="0">
+                <a:solidFill>
+                  <a:schemeClr val="tx1"/>
+                </a:solidFill>
+                <a:latin typeface="Candara" panose="020E0502030303020204" pitchFamily="34" charset="0"/>
+              </a:rPr>
+              <a:t>space</a:t>
+            </a:r>
+            <a:endParaRPr lang="en-US" sz="2000" dirty="0" smtClean="0">
               <a:solidFill>
                 <a:schemeClr val="tx1"/>
               </a:solidFill>
@@ -3579,45 +6745,3153 @@
           </a:p>
         </p:txBody>
       </p:sp>
-      <p:pic>
-        <p:nvPicPr>
-          <p:cNvPr id="12" name="Picture 11"/>
-          <p:cNvPicPr>
-            <a:picLocks noChangeAspect="1"/>
-          </p:cNvPicPr>
+      <p:grpSp>
+        <p:nvGrpSpPr>
+          <p:cNvPr id="37" name="Group 36"/>
+          <p:cNvGrpSpPr/>
           <p:nvPr/>
-        </p:nvPicPr>
-        <p:blipFill>
-          <a:blip r:embed="rId4">
-            <a:extLst>
-              <a:ext uri="{28A0092B-C50C-407E-A947-70E740481C1C}">
-                <a14:useLocalDpi xmlns:a14="http://schemas.microsoft.com/office/drawing/2010/main" val="0"/>
-              </a:ext>
-            </a:extLst>
-          </a:blip>
-          <a:stretch>
-            <a:fillRect/>
-          </a:stretch>
-        </p:blipFill>
+        </p:nvGrpSpPr>
+        <p:grpSpPr>
+          <a:xfrm>
+            <a:off x="3359576" y="1209373"/>
+            <a:ext cx="5670362" cy="5524500"/>
+            <a:chOff x="3359576" y="1209373"/>
+            <a:chExt cx="5670362" cy="5524500"/>
+          </a:xfrm>
+        </p:grpSpPr>
+        <p:grpSp>
+          <p:nvGrpSpPr>
+            <p:cNvPr id="10" name="Group 9"/>
+            <p:cNvGrpSpPr/>
+            <p:nvPr/>
+          </p:nvGrpSpPr>
+          <p:grpSpPr>
+            <a:xfrm>
+              <a:off x="3359576" y="1209373"/>
+              <a:ext cx="5670362" cy="5524500"/>
+              <a:chOff x="2059175" y="666750"/>
+              <a:chExt cx="5670362" cy="5524500"/>
+            </a:xfrm>
+          </p:grpSpPr>
+          <p:pic>
+            <p:nvPicPr>
+              <p:cNvPr id="11" name="Picture 10"/>
+              <p:cNvPicPr>
+                <a:picLocks noChangeAspect="1"/>
+              </p:cNvPicPr>
+              <p:nvPr/>
+            </p:nvPicPr>
+            <p:blipFill>
+              <a:blip r:embed="rId4"/>
+              <a:stretch>
+                <a:fillRect/>
+              </a:stretch>
+            </p:blipFill>
+            <p:spPr>
+              <a:xfrm>
+                <a:off x="4462462" y="666750"/>
+                <a:ext cx="3267075" cy="5524500"/>
+              </a:xfrm>
+              <a:prstGeom prst="rect">
+                <a:avLst/>
+              </a:prstGeom>
+            </p:spPr>
+          </p:pic>
+          <p:sp>
+            <p:nvSpPr>
+              <p:cNvPr id="12" name="Rectangle 11"/>
+              <p:cNvSpPr/>
+              <p:nvPr/>
+            </p:nvSpPr>
+            <p:spPr>
+              <a:xfrm>
+                <a:off x="3455582" y="1562985"/>
+                <a:ext cx="233916" cy="223284"/>
+              </a:xfrm>
+              <a:prstGeom prst="rect">
+                <a:avLst/>
+              </a:prstGeom>
+              <a:noFill/>
+              <a:ln>
+                <a:solidFill>
+                  <a:schemeClr val="tx1"/>
+                </a:solidFill>
+              </a:ln>
+            </p:spPr>
+            <p:style>
+              <a:lnRef idx="2">
+                <a:schemeClr val="accent1">
+                  <a:shade val="50000"/>
+                </a:schemeClr>
+              </a:lnRef>
+              <a:fillRef idx="1">
+                <a:schemeClr val="accent1"/>
+              </a:fillRef>
+              <a:effectRef idx="0">
+                <a:schemeClr val="accent1"/>
+              </a:effectRef>
+              <a:fontRef idx="minor">
+                <a:schemeClr val="lt1"/>
+              </a:fontRef>
+            </p:style>
+            <p:txBody>
+              <a:bodyPr rtlCol="0" anchor="ctr"/>
+              <a:lstStyle/>
+              <a:p>
+                <a:pPr algn="ctr"/>
+                <a:endParaRPr lang="en-US"/>
+              </a:p>
+            </p:txBody>
+          </p:sp>
+          <p:sp>
+            <p:nvSpPr>
+              <p:cNvPr id="13" name="TextBox 12"/>
+              <p:cNvSpPr txBox="1"/>
+              <p:nvPr/>
+            </p:nvSpPr>
+            <p:spPr>
+              <a:xfrm>
+                <a:off x="3030279" y="1562985"/>
+                <a:ext cx="563526" cy="307777"/>
+              </a:xfrm>
+              <a:prstGeom prst="rect">
+                <a:avLst/>
+              </a:prstGeom>
+              <a:noFill/>
+            </p:spPr>
+            <p:txBody>
+              <a:bodyPr wrap="square" rtlCol="0">
+                <a:spAutoFit/>
+              </a:bodyPr>
+              <a:lstStyle/>
+              <a:p>
+                <a:r>
+                  <a:rPr lang="en-US" sz="1400" dirty="0" smtClean="0"/>
+                  <a:t>2 ft.</a:t>
+                </a:r>
+                <a:endParaRPr lang="en-US" sz="1400" dirty="0"/>
+              </a:p>
+            </p:txBody>
+          </p:sp>
+          <p:sp>
+            <p:nvSpPr>
+              <p:cNvPr id="14" name="TextBox 13"/>
+              <p:cNvSpPr txBox="1"/>
+              <p:nvPr/>
+            </p:nvSpPr>
+            <p:spPr>
+              <a:xfrm>
+                <a:off x="3359889" y="1265840"/>
+                <a:ext cx="563526" cy="307777"/>
+              </a:xfrm>
+              <a:prstGeom prst="rect">
+                <a:avLst/>
+              </a:prstGeom>
+              <a:noFill/>
+            </p:spPr>
+            <p:txBody>
+              <a:bodyPr wrap="square" rtlCol="0">
+                <a:spAutoFit/>
+              </a:bodyPr>
+              <a:lstStyle/>
+              <a:p>
+                <a:r>
+                  <a:rPr lang="en-US" sz="1400" dirty="0" smtClean="0"/>
+                  <a:t>2 ft.</a:t>
+                </a:r>
+                <a:endParaRPr lang="en-US" sz="1400" dirty="0"/>
+              </a:p>
+            </p:txBody>
+          </p:sp>
+          <p:sp>
+            <p:nvSpPr>
+              <p:cNvPr id="15" name="Rectangle 14"/>
+              <p:cNvSpPr/>
+              <p:nvPr/>
+            </p:nvSpPr>
+            <p:spPr>
+              <a:xfrm>
+                <a:off x="3459121" y="2023735"/>
+                <a:ext cx="233916" cy="223284"/>
+              </a:xfrm>
+              <a:prstGeom prst="rect">
+                <a:avLst/>
+              </a:prstGeom>
+              <a:solidFill>
+                <a:schemeClr val="bg1">
+                  <a:lumMod val="85000"/>
+                </a:schemeClr>
+              </a:solidFill>
+              <a:ln>
+                <a:solidFill>
+                  <a:schemeClr val="tx1"/>
+                </a:solidFill>
+              </a:ln>
+            </p:spPr>
+            <p:style>
+              <a:lnRef idx="2">
+                <a:schemeClr val="accent1">
+                  <a:shade val="50000"/>
+                </a:schemeClr>
+              </a:lnRef>
+              <a:fillRef idx="1">
+                <a:schemeClr val="accent1"/>
+              </a:fillRef>
+              <a:effectRef idx="0">
+                <a:schemeClr val="accent1"/>
+              </a:effectRef>
+              <a:fontRef idx="minor">
+                <a:schemeClr val="lt1"/>
+              </a:fontRef>
+            </p:style>
+            <p:txBody>
+              <a:bodyPr rtlCol="0" anchor="ctr"/>
+              <a:lstStyle/>
+              <a:p>
+                <a:pPr algn="ctr"/>
+                <a:endParaRPr lang="en-US"/>
+              </a:p>
+            </p:txBody>
+          </p:sp>
+          <p:sp>
+            <p:nvSpPr>
+              <p:cNvPr id="16" name="TextBox 15"/>
+              <p:cNvSpPr txBox="1"/>
+              <p:nvPr/>
+            </p:nvSpPr>
+            <p:spPr>
+              <a:xfrm>
+                <a:off x="2700670" y="1981488"/>
+                <a:ext cx="754912" cy="307777"/>
+              </a:xfrm>
+              <a:prstGeom prst="rect">
+                <a:avLst/>
+              </a:prstGeom>
+              <a:noFill/>
+            </p:spPr>
+            <p:txBody>
+              <a:bodyPr wrap="square" rtlCol="0">
+                <a:spAutoFit/>
+              </a:bodyPr>
+              <a:lstStyle/>
+              <a:p>
+                <a:r>
+                  <a:rPr lang="en-US" sz="1400" dirty="0" smtClean="0"/>
+                  <a:t>Hallway</a:t>
+                </a:r>
+                <a:endParaRPr lang="en-US" sz="1400" dirty="0"/>
+              </a:p>
+            </p:txBody>
+          </p:sp>
+          <p:sp>
+            <p:nvSpPr>
+              <p:cNvPr id="17" name="Rectangle 16"/>
+              <p:cNvSpPr/>
+              <p:nvPr/>
+            </p:nvSpPr>
+            <p:spPr>
+              <a:xfrm>
+                <a:off x="3455582" y="2445488"/>
+                <a:ext cx="308344" cy="170121"/>
+              </a:xfrm>
+              <a:prstGeom prst="rect">
+                <a:avLst/>
+              </a:prstGeom>
+            </p:spPr>
+            <p:style>
+              <a:lnRef idx="2">
+                <a:schemeClr val="dk1">
+                  <a:shade val="50000"/>
+                </a:schemeClr>
+              </a:lnRef>
+              <a:fillRef idx="1">
+                <a:schemeClr val="dk1"/>
+              </a:fillRef>
+              <a:effectRef idx="0">
+                <a:schemeClr val="dk1"/>
+              </a:effectRef>
+              <a:fontRef idx="minor">
+                <a:schemeClr val="lt1"/>
+              </a:fontRef>
+            </p:style>
+            <p:txBody>
+              <a:bodyPr rtlCol="0" anchor="ctr"/>
+              <a:lstStyle/>
+              <a:p>
+                <a:pPr algn="ctr"/>
+                <a:endParaRPr lang="en-US"/>
+              </a:p>
+            </p:txBody>
+          </p:sp>
+          <p:sp>
+            <p:nvSpPr>
+              <p:cNvPr id="18" name="5-Point Star 17"/>
+              <p:cNvSpPr/>
+              <p:nvPr/>
+            </p:nvSpPr>
+            <p:spPr>
+              <a:xfrm>
+                <a:off x="3436420" y="2739383"/>
+                <a:ext cx="350875" cy="329610"/>
+              </a:xfrm>
+              <a:prstGeom prst="star5">
+                <a:avLst/>
+              </a:prstGeom>
+              <a:solidFill>
+                <a:schemeClr val="accent6"/>
+              </a:solidFill>
+            </p:spPr>
+            <p:style>
+              <a:lnRef idx="2">
+                <a:schemeClr val="accent1">
+                  <a:shade val="50000"/>
+                </a:schemeClr>
+              </a:lnRef>
+              <a:fillRef idx="1">
+                <a:schemeClr val="accent1"/>
+              </a:fillRef>
+              <a:effectRef idx="0">
+                <a:schemeClr val="accent1"/>
+              </a:effectRef>
+              <a:fontRef idx="minor">
+                <a:schemeClr val="lt1"/>
+              </a:fontRef>
+            </p:style>
+            <p:txBody>
+              <a:bodyPr rtlCol="0" anchor="ctr"/>
+              <a:lstStyle/>
+              <a:p>
+                <a:pPr algn="ctr"/>
+                <a:endParaRPr lang="en-US"/>
+              </a:p>
+            </p:txBody>
+          </p:sp>
+          <p:sp>
+            <p:nvSpPr>
+              <p:cNvPr id="19" name="Octagon 18"/>
+              <p:cNvSpPr/>
+              <p:nvPr/>
+            </p:nvSpPr>
+            <p:spPr>
+              <a:xfrm>
+                <a:off x="3455582" y="3189767"/>
+                <a:ext cx="331713" cy="350875"/>
+              </a:xfrm>
+              <a:prstGeom prst="octagon">
+                <a:avLst/>
+              </a:prstGeom>
+            </p:spPr>
+            <p:style>
+              <a:lnRef idx="1">
+                <a:schemeClr val="accent2"/>
+              </a:lnRef>
+              <a:fillRef idx="2">
+                <a:schemeClr val="accent2"/>
+              </a:fillRef>
+              <a:effectRef idx="1">
+                <a:schemeClr val="accent2"/>
+              </a:effectRef>
+              <a:fontRef idx="minor">
+                <a:schemeClr val="dk1"/>
+              </a:fontRef>
+            </p:style>
+            <p:txBody>
+              <a:bodyPr rtlCol="0" anchor="ctr"/>
+              <a:lstStyle/>
+              <a:p>
+                <a:pPr algn="ctr"/>
+                <a:endParaRPr lang="en-US"/>
+              </a:p>
+            </p:txBody>
+          </p:sp>
+          <p:sp>
+            <p:nvSpPr>
+              <p:cNvPr id="20" name="Oval 19"/>
+              <p:cNvSpPr/>
+              <p:nvPr/>
+            </p:nvSpPr>
+            <p:spPr>
+              <a:xfrm>
+                <a:off x="3455582" y="3710763"/>
+                <a:ext cx="331713" cy="233916"/>
+              </a:xfrm>
+              <a:prstGeom prst="ellipse">
+                <a:avLst/>
+              </a:prstGeom>
+            </p:spPr>
+            <p:style>
+              <a:lnRef idx="2">
+                <a:schemeClr val="accent1">
+                  <a:shade val="50000"/>
+                </a:schemeClr>
+              </a:lnRef>
+              <a:fillRef idx="1">
+                <a:schemeClr val="accent1"/>
+              </a:fillRef>
+              <a:effectRef idx="0">
+                <a:schemeClr val="accent1"/>
+              </a:effectRef>
+              <a:fontRef idx="minor">
+                <a:schemeClr val="lt1"/>
+              </a:fontRef>
+            </p:style>
+            <p:txBody>
+              <a:bodyPr rtlCol="0" anchor="ctr"/>
+              <a:lstStyle/>
+              <a:p>
+                <a:pPr algn="ctr"/>
+                <a:endParaRPr lang="en-US"/>
+              </a:p>
+            </p:txBody>
+          </p:sp>
+          <p:sp>
+            <p:nvSpPr>
+              <p:cNvPr id="21" name="TextBox 20"/>
+              <p:cNvSpPr txBox="1"/>
+              <p:nvPr/>
+            </p:nvSpPr>
+            <p:spPr>
+              <a:xfrm>
+                <a:off x="2434694" y="2335905"/>
+                <a:ext cx="1173120" cy="307777"/>
+              </a:xfrm>
+              <a:prstGeom prst="rect">
+                <a:avLst/>
+              </a:prstGeom>
+              <a:noFill/>
+            </p:spPr>
+            <p:txBody>
+              <a:bodyPr wrap="square" rtlCol="0">
+                <a:spAutoFit/>
+              </a:bodyPr>
+              <a:lstStyle/>
+              <a:p>
+                <a:r>
+                  <a:rPr lang="en-US" sz="1400" dirty="0" smtClean="0"/>
+                  <a:t>“Roadblock”</a:t>
+                </a:r>
+                <a:endParaRPr lang="en-US" sz="1400" dirty="0"/>
+              </a:p>
+            </p:txBody>
+          </p:sp>
+          <p:sp>
+            <p:nvSpPr>
+              <p:cNvPr id="22" name="TextBox 21"/>
+              <p:cNvSpPr txBox="1"/>
+              <p:nvPr/>
+            </p:nvSpPr>
+            <p:spPr>
+              <a:xfrm>
+                <a:off x="2714843" y="2771841"/>
+                <a:ext cx="754912" cy="307777"/>
+              </a:xfrm>
+              <a:prstGeom prst="rect">
+                <a:avLst/>
+              </a:prstGeom>
+              <a:noFill/>
+            </p:spPr>
+            <p:txBody>
+              <a:bodyPr wrap="square" rtlCol="0">
+                <a:spAutoFit/>
+              </a:bodyPr>
+              <a:lstStyle/>
+              <a:p>
+                <a:r>
+                  <a:rPr lang="en-US" sz="1400" dirty="0" smtClean="0"/>
+                  <a:t>Target</a:t>
+                </a:r>
+                <a:endParaRPr lang="en-US" sz="1400" dirty="0"/>
+              </a:p>
+            </p:txBody>
+          </p:sp>
+          <p:sp>
+            <p:nvSpPr>
+              <p:cNvPr id="23" name="TextBox 22"/>
+              <p:cNvSpPr txBox="1"/>
+              <p:nvPr/>
+            </p:nvSpPr>
+            <p:spPr>
+              <a:xfrm>
+                <a:off x="2059175" y="3207777"/>
+                <a:ext cx="1513365" cy="307777"/>
+              </a:xfrm>
+              <a:prstGeom prst="rect">
+                <a:avLst/>
+              </a:prstGeom>
+              <a:noFill/>
+            </p:spPr>
+            <p:txBody>
+              <a:bodyPr wrap="square" rtlCol="0">
+                <a:spAutoFit/>
+              </a:bodyPr>
+              <a:lstStyle/>
+              <a:p>
+                <a:r>
+                  <a:rPr lang="en-US" sz="1400" dirty="0" smtClean="0"/>
+                  <a:t>“Complete Block”</a:t>
+                </a:r>
+                <a:endParaRPr lang="en-US" sz="1400" dirty="0"/>
+              </a:p>
+            </p:txBody>
+          </p:sp>
+          <p:sp>
+            <p:nvSpPr>
+              <p:cNvPr id="24" name="TextBox 23"/>
+              <p:cNvSpPr txBox="1"/>
+              <p:nvPr/>
+            </p:nvSpPr>
+            <p:spPr>
+              <a:xfrm>
+                <a:off x="2190307" y="3654343"/>
+                <a:ext cx="1332611" cy="307777"/>
+              </a:xfrm>
+              <a:prstGeom prst="rect">
+                <a:avLst/>
+              </a:prstGeom>
+              <a:noFill/>
+            </p:spPr>
+            <p:txBody>
+              <a:bodyPr wrap="square" rtlCol="0">
+                <a:spAutoFit/>
+              </a:bodyPr>
+              <a:lstStyle/>
+              <a:p>
+                <a:r>
+                  <a:rPr lang="en-US" sz="1400" dirty="0" smtClean="0"/>
+                  <a:t>Entry/Exit Point</a:t>
+                </a:r>
+                <a:endParaRPr lang="en-US" sz="1400" dirty="0"/>
+              </a:p>
+            </p:txBody>
+          </p:sp>
+          <p:sp>
+            <p:nvSpPr>
+              <p:cNvPr id="25" name="Rectangle 24"/>
+              <p:cNvSpPr/>
+              <p:nvPr/>
+            </p:nvSpPr>
+            <p:spPr>
+              <a:xfrm>
+                <a:off x="5054010" y="2094054"/>
+                <a:ext cx="308344" cy="170121"/>
+              </a:xfrm>
+              <a:prstGeom prst="rect">
+                <a:avLst/>
+              </a:prstGeom>
+            </p:spPr>
+            <p:style>
+              <a:lnRef idx="2">
+                <a:schemeClr val="dk1">
+                  <a:shade val="50000"/>
+                </a:schemeClr>
+              </a:lnRef>
+              <a:fillRef idx="1">
+                <a:schemeClr val="dk1"/>
+              </a:fillRef>
+              <a:effectRef idx="0">
+                <a:schemeClr val="dk1"/>
+              </a:effectRef>
+              <a:fontRef idx="minor">
+                <a:schemeClr val="lt1"/>
+              </a:fontRef>
+            </p:style>
+            <p:txBody>
+              <a:bodyPr rtlCol="0" anchor="ctr"/>
+              <a:lstStyle/>
+              <a:p>
+                <a:pPr algn="ctr"/>
+                <a:endParaRPr lang="en-US"/>
+              </a:p>
+            </p:txBody>
+          </p:sp>
+          <p:sp>
+            <p:nvSpPr>
+              <p:cNvPr id="26" name="Rectangle 25"/>
+              <p:cNvSpPr/>
+              <p:nvPr/>
+            </p:nvSpPr>
+            <p:spPr>
+              <a:xfrm>
+                <a:off x="5941827" y="5139069"/>
+                <a:ext cx="308344" cy="170121"/>
+              </a:xfrm>
+              <a:prstGeom prst="rect">
+                <a:avLst/>
+              </a:prstGeom>
+            </p:spPr>
+            <p:style>
+              <a:lnRef idx="2">
+                <a:schemeClr val="dk1">
+                  <a:shade val="50000"/>
+                </a:schemeClr>
+              </a:lnRef>
+              <a:fillRef idx="1">
+                <a:schemeClr val="dk1"/>
+              </a:fillRef>
+              <a:effectRef idx="0">
+                <a:schemeClr val="dk1"/>
+              </a:effectRef>
+              <a:fontRef idx="minor">
+                <a:schemeClr val="lt1"/>
+              </a:fontRef>
+            </p:style>
+            <p:txBody>
+              <a:bodyPr rtlCol="0" anchor="ctr"/>
+              <a:lstStyle/>
+              <a:p>
+                <a:pPr algn="ctr"/>
+                <a:endParaRPr lang="en-US"/>
+              </a:p>
+            </p:txBody>
+          </p:sp>
+          <p:sp>
+            <p:nvSpPr>
+              <p:cNvPr id="27" name="Rectangle 26"/>
+              <p:cNvSpPr/>
+              <p:nvPr/>
+            </p:nvSpPr>
+            <p:spPr>
+              <a:xfrm rot="5400000">
+                <a:off x="6144731" y="975536"/>
+                <a:ext cx="232142" cy="152405"/>
+              </a:xfrm>
+              <a:prstGeom prst="rect">
+                <a:avLst/>
+              </a:prstGeom>
+            </p:spPr>
+            <p:style>
+              <a:lnRef idx="2">
+                <a:schemeClr val="dk1">
+                  <a:shade val="50000"/>
+                </a:schemeClr>
+              </a:lnRef>
+              <a:fillRef idx="1">
+                <a:schemeClr val="dk1"/>
+              </a:fillRef>
+              <a:effectRef idx="0">
+                <a:schemeClr val="dk1"/>
+              </a:effectRef>
+              <a:fontRef idx="minor">
+                <a:schemeClr val="lt1"/>
+              </a:fontRef>
+            </p:style>
+            <p:txBody>
+              <a:bodyPr rtlCol="0" anchor="ctr"/>
+              <a:lstStyle/>
+              <a:p>
+                <a:pPr algn="ctr"/>
+                <a:endParaRPr lang="en-US"/>
+              </a:p>
+            </p:txBody>
+          </p:sp>
+          <p:sp>
+            <p:nvSpPr>
+              <p:cNvPr id="28" name="5-Point Star 27"/>
+              <p:cNvSpPr/>
+              <p:nvPr/>
+            </p:nvSpPr>
+            <p:spPr>
+              <a:xfrm>
+                <a:off x="7214522" y="1552068"/>
+                <a:ext cx="350875" cy="329610"/>
+              </a:xfrm>
+              <a:prstGeom prst="star5">
+                <a:avLst/>
+              </a:prstGeom>
+              <a:solidFill>
+                <a:schemeClr val="accent6"/>
+              </a:solidFill>
+            </p:spPr>
+            <p:style>
+              <a:lnRef idx="2">
+                <a:schemeClr val="accent1">
+                  <a:shade val="50000"/>
+                </a:schemeClr>
+              </a:lnRef>
+              <a:fillRef idx="1">
+                <a:schemeClr val="accent1"/>
+              </a:fillRef>
+              <a:effectRef idx="0">
+                <a:schemeClr val="accent1"/>
+              </a:effectRef>
+              <a:fontRef idx="minor">
+                <a:schemeClr val="lt1"/>
+              </a:fontRef>
+            </p:style>
+            <p:txBody>
+              <a:bodyPr rtlCol="0" anchor="ctr"/>
+              <a:lstStyle/>
+              <a:p>
+                <a:pPr algn="ctr"/>
+                <a:endParaRPr lang="en-US"/>
+              </a:p>
+            </p:txBody>
+          </p:sp>
+          <p:sp>
+            <p:nvSpPr>
+              <p:cNvPr id="29" name="Octagon 28"/>
+              <p:cNvSpPr/>
+              <p:nvPr/>
+            </p:nvSpPr>
+            <p:spPr>
+              <a:xfrm>
+                <a:off x="7010612" y="2863930"/>
+                <a:ext cx="535623" cy="566564"/>
+              </a:xfrm>
+              <a:prstGeom prst="octagon">
+                <a:avLst/>
+              </a:prstGeom>
+            </p:spPr>
+            <p:style>
+              <a:lnRef idx="1">
+                <a:schemeClr val="accent2"/>
+              </a:lnRef>
+              <a:fillRef idx="2">
+                <a:schemeClr val="accent2"/>
+              </a:fillRef>
+              <a:effectRef idx="1">
+                <a:schemeClr val="accent2"/>
+              </a:effectRef>
+              <a:fontRef idx="minor">
+                <a:schemeClr val="dk1"/>
+              </a:fontRef>
+            </p:style>
+            <p:txBody>
+              <a:bodyPr rtlCol="0" anchor="ctr"/>
+              <a:lstStyle/>
+              <a:p>
+                <a:pPr algn="ctr"/>
+                <a:endParaRPr lang="en-US"/>
+              </a:p>
+            </p:txBody>
+          </p:sp>
+          <p:sp>
+            <p:nvSpPr>
+              <p:cNvPr id="30" name="Oval 29"/>
+              <p:cNvSpPr/>
+              <p:nvPr/>
+            </p:nvSpPr>
+            <p:spPr>
+              <a:xfrm>
+                <a:off x="5993772" y="5862084"/>
+                <a:ext cx="331713" cy="233916"/>
+              </a:xfrm>
+              <a:prstGeom prst="ellipse">
+                <a:avLst/>
+              </a:prstGeom>
+            </p:spPr>
+            <p:style>
+              <a:lnRef idx="2">
+                <a:schemeClr val="accent1">
+                  <a:shade val="50000"/>
+                </a:schemeClr>
+              </a:lnRef>
+              <a:fillRef idx="1">
+                <a:schemeClr val="accent1"/>
+              </a:fillRef>
+              <a:effectRef idx="0">
+                <a:schemeClr val="accent1"/>
+              </a:effectRef>
+              <a:fontRef idx="minor">
+                <a:schemeClr val="lt1"/>
+              </a:fontRef>
+            </p:style>
+            <p:txBody>
+              <a:bodyPr rtlCol="0" anchor="ctr"/>
+              <a:lstStyle/>
+              <a:p>
+                <a:pPr algn="ctr"/>
+                <a:endParaRPr lang="en-US"/>
+              </a:p>
+            </p:txBody>
+          </p:sp>
+        </p:grpSp>
+        <p:sp>
+          <p:nvSpPr>
+            <p:cNvPr id="2" name="Rectangle 1"/>
+            <p:cNvSpPr/>
+            <p:nvPr/>
+          </p:nvSpPr>
+          <p:spPr>
+            <a:xfrm>
+              <a:off x="7814930" y="2105608"/>
+              <a:ext cx="276447" cy="148494"/>
+            </a:xfrm>
+            <a:prstGeom prst="rect">
+              <a:avLst/>
+            </a:prstGeom>
+            <a:solidFill>
+              <a:srgbClr val="92D050"/>
+            </a:solidFill>
+            <a:ln>
+              <a:solidFill>
+                <a:srgbClr val="92D050"/>
+              </a:solidFill>
+            </a:ln>
+          </p:spPr>
+          <p:style>
+            <a:lnRef idx="1">
+              <a:schemeClr val="accent1"/>
+            </a:lnRef>
+            <a:fillRef idx="3">
+              <a:schemeClr val="accent1"/>
+            </a:fillRef>
+            <a:effectRef idx="2">
+              <a:schemeClr val="accent1"/>
+            </a:effectRef>
+            <a:fontRef idx="minor">
+              <a:schemeClr val="lt1"/>
+            </a:fontRef>
+          </p:style>
+          <p:txBody>
+            <a:bodyPr rtlCol="0" anchor="ctr"/>
+            <a:lstStyle/>
+            <a:p>
+              <a:pPr algn="ctr"/>
+              <a:endParaRPr lang="en-US"/>
+            </a:p>
+          </p:txBody>
+        </p:sp>
+        <p:sp>
+          <p:nvSpPr>
+            <p:cNvPr id="3" name="Oval 2"/>
+            <p:cNvSpPr/>
+            <p:nvPr/>
+          </p:nvSpPr>
+          <p:spPr>
+            <a:xfrm>
+              <a:off x="8026715" y="1925423"/>
+              <a:ext cx="126663" cy="126663"/>
+            </a:xfrm>
+            <a:prstGeom prst="ellipse">
+              <a:avLst/>
+            </a:prstGeom>
+            <a:solidFill>
+              <a:srgbClr val="92D050"/>
+            </a:solidFill>
+            <a:ln>
+              <a:solidFill>
+                <a:srgbClr val="92D050"/>
+              </a:solidFill>
+            </a:ln>
+          </p:spPr>
+          <p:style>
+            <a:lnRef idx="1">
+              <a:schemeClr val="accent1"/>
+            </a:lnRef>
+            <a:fillRef idx="3">
+              <a:schemeClr val="accent1"/>
+            </a:fillRef>
+            <a:effectRef idx="2">
+              <a:schemeClr val="accent1"/>
+            </a:effectRef>
+            <a:fontRef idx="minor">
+              <a:schemeClr val="lt1"/>
+            </a:fontRef>
+          </p:style>
+          <p:txBody>
+            <a:bodyPr rtlCol="0" anchor="ctr"/>
+            <a:lstStyle/>
+            <a:p>
+              <a:pPr algn="ctr"/>
+              <a:endParaRPr lang="en-US"/>
+            </a:p>
+          </p:txBody>
+        </p:sp>
+        <p:sp>
+          <p:nvSpPr>
+            <p:cNvPr id="32" name="Oval 31"/>
+            <p:cNvSpPr/>
+            <p:nvPr/>
+          </p:nvSpPr>
+          <p:spPr>
+            <a:xfrm>
+              <a:off x="8040892" y="2322374"/>
+              <a:ext cx="126663" cy="126663"/>
+            </a:xfrm>
+            <a:prstGeom prst="ellipse">
+              <a:avLst/>
+            </a:prstGeom>
+            <a:solidFill>
+              <a:srgbClr val="92D050"/>
+            </a:solidFill>
+            <a:ln>
+              <a:solidFill>
+                <a:srgbClr val="92D050"/>
+              </a:solidFill>
+            </a:ln>
+          </p:spPr>
+          <p:style>
+            <a:lnRef idx="1">
+              <a:schemeClr val="accent1"/>
+            </a:lnRef>
+            <a:fillRef idx="3">
+              <a:schemeClr val="accent1"/>
+            </a:fillRef>
+            <a:effectRef idx="2">
+              <a:schemeClr val="accent1"/>
+            </a:effectRef>
+            <a:fontRef idx="minor">
+              <a:schemeClr val="lt1"/>
+            </a:fontRef>
+          </p:style>
+          <p:txBody>
+            <a:bodyPr rtlCol="0" anchor="ctr"/>
+            <a:lstStyle/>
+            <a:p>
+              <a:pPr algn="ctr"/>
+              <a:endParaRPr lang="en-US"/>
+            </a:p>
+          </p:txBody>
+        </p:sp>
+        <p:sp>
+          <p:nvSpPr>
+            <p:cNvPr id="33" name="Oval 32"/>
+            <p:cNvSpPr/>
+            <p:nvPr/>
+          </p:nvSpPr>
+          <p:spPr>
+            <a:xfrm>
+              <a:off x="7736094" y="2315282"/>
+              <a:ext cx="126663" cy="126663"/>
+            </a:xfrm>
+            <a:prstGeom prst="ellipse">
+              <a:avLst/>
+            </a:prstGeom>
+            <a:solidFill>
+              <a:srgbClr val="92D050"/>
+            </a:solidFill>
+            <a:ln>
+              <a:solidFill>
+                <a:srgbClr val="92D050"/>
+              </a:solidFill>
+            </a:ln>
+          </p:spPr>
+          <p:style>
+            <a:lnRef idx="1">
+              <a:schemeClr val="accent1"/>
+            </a:lnRef>
+            <a:fillRef idx="3">
+              <a:schemeClr val="accent1"/>
+            </a:fillRef>
+            <a:effectRef idx="2">
+              <a:schemeClr val="accent1"/>
+            </a:effectRef>
+            <a:fontRef idx="minor">
+              <a:schemeClr val="lt1"/>
+            </a:fontRef>
+          </p:style>
+          <p:txBody>
+            <a:bodyPr rtlCol="0" anchor="ctr"/>
+            <a:lstStyle/>
+            <a:p>
+              <a:pPr algn="ctr"/>
+              <a:endParaRPr lang="en-US"/>
+            </a:p>
+          </p:txBody>
+        </p:sp>
+        <p:sp>
+          <p:nvSpPr>
+            <p:cNvPr id="34" name="Oval 33"/>
+            <p:cNvSpPr/>
+            <p:nvPr/>
+          </p:nvSpPr>
+          <p:spPr>
+            <a:xfrm>
+              <a:off x="7718372" y="1925423"/>
+              <a:ext cx="126663" cy="126663"/>
+            </a:xfrm>
+            <a:prstGeom prst="ellipse">
+              <a:avLst/>
+            </a:prstGeom>
+            <a:solidFill>
+              <a:srgbClr val="92D050"/>
+            </a:solidFill>
+            <a:ln>
+              <a:solidFill>
+                <a:srgbClr val="92D050"/>
+              </a:solidFill>
+            </a:ln>
+          </p:spPr>
+          <p:style>
+            <a:lnRef idx="1">
+              <a:schemeClr val="accent1"/>
+            </a:lnRef>
+            <a:fillRef idx="3">
+              <a:schemeClr val="accent1"/>
+            </a:fillRef>
+            <a:effectRef idx="2">
+              <a:schemeClr val="accent1"/>
+            </a:effectRef>
+            <a:fontRef idx="minor">
+              <a:schemeClr val="lt1"/>
+            </a:fontRef>
+          </p:style>
+          <p:txBody>
+            <a:bodyPr rtlCol="0" anchor="ctr"/>
+            <a:lstStyle/>
+            <a:p>
+              <a:pPr algn="ctr"/>
+              <a:endParaRPr lang="en-US"/>
+            </a:p>
+          </p:txBody>
+        </p:sp>
+        <p:sp>
+          <p:nvSpPr>
+            <p:cNvPr id="35" name="Isosceles Triangle 34"/>
+            <p:cNvSpPr/>
+            <p:nvPr/>
+          </p:nvSpPr>
+          <p:spPr>
+            <a:xfrm rot="5400000" flipV="1">
+              <a:off x="8117236" y="2031275"/>
+              <a:ext cx="331110" cy="311911"/>
+            </a:xfrm>
+            <a:prstGeom prst="triangle">
+              <a:avLst/>
+            </a:prstGeom>
+            <a:solidFill>
+              <a:srgbClr val="7030A0"/>
+            </a:solidFill>
+            <a:ln>
+              <a:solidFill>
+                <a:srgbClr val="7030A0"/>
+              </a:solidFill>
+            </a:ln>
+          </p:spPr>
+          <p:style>
+            <a:lnRef idx="1">
+              <a:schemeClr val="accent1"/>
+            </a:lnRef>
+            <a:fillRef idx="3">
+              <a:schemeClr val="accent1"/>
+            </a:fillRef>
+            <a:effectRef idx="2">
+              <a:schemeClr val="accent1"/>
+            </a:effectRef>
+            <a:fontRef idx="minor">
+              <a:schemeClr val="lt1"/>
+            </a:fontRef>
+          </p:style>
+          <p:txBody>
+            <a:bodyPr rtlCol="0" anchor="ctr"/>
+            <a:lstStyle/>
+            <a:p>
+              <a:pPr algn="ctr"/>
+              <a:endParaRPr lang="en-US"/>
+            </a:p>
+          </p:txBody>
+        </p:sp>
+      </p:grpSp>
+      <p:sp>
+        <p:nvSpPr>
+          <p:cNvPr id="36" name="TextBox 35"/>
+          <p:cNvSpPr txBox="1"/>
+          <p:nvPr/>
+        </p:nvSpPr>
         <p:spPr>
           <a:xfrm>
-            <a:off x="4845133" y="1058872"/>
-            <a:ext cx="4110182" cy="5363702"/>
+            <a:off x="607353" y="4083265"/>
+            <a:ext cx="2806501" cy="923330"/>
           </a:xfrm>
           <a:prstGeom prst="rect">
             <a:avLst/>
           </a:prstGeom>
-          <a:ln>
+          <a:noFill/>
+        </p:spPr>
+        <p:txBody>
+          <a:bodyPr wrap="square" rtlCol="0">
+            <a:spAutoFit/>
+          </a:bodyPr>
+          <a:lstStyle/>
+          <a:p>
+            <a:r>
+              <a:rPr lang="en-US" dirty="0" smtClean="0">
+                <a:latin typeface="Candara" panose="020E0502030303020204" pitchFamily="34" charset="0"/>
+              </a:rPr>
+              <a:t>Guidance Sensor</a:t>
+            </a:r>
+          </a:p>
+          <a:p>
+            <a:endParaRPr lang="en-US" dirty="0">
+              <a:latin typeface="Candara" panose="020E0502030303020204" pitchFamily="34" charset="0"/>
+            </a:endParaRPr>
+          </a:p>
+          <a:p>
+            <a:r>
+              <a:rPr lang="en-US" dirty="0" smtClean="0">
+                <a:latin typeface="Candara" panose="020E0502030303020204" pitchFamily="34" charset="0"/>
+              </a:rPr>
+              <a:t>FLIR Camera &amp; Target ID</a:t>
+            </a:r>
+            <a:endParaRPr lang="en-US" dirty="0">
+              <a:latin typeface="Candara" panose="020E0502030303020204" pitchFamily="34" charset="0"/>
+            </a:endParaRPr>
+          </a:p>
+        </p:txBody>
+      </p:sp>
+    </p:spTree>
+    <p:extLst>
+      <p:ext uri="{BB962C8B-B14F-4D97-AF65-F5344CB8AC3E}">
+        <p14:creationId xmlns:p14="http://schemas.microsoft.com/office/powerpoint/2010/main" val="1111574942"/>
+      </p:ext>
+    </p:extLst>
+  </p:cSld>
+  <p:clrMapOvr>
+    <a:masterClrMapping/>
+  </p:clrMapOvr>
+  <p:timing>
+    <p:tnLst>
+      <p:par>
+        <p:cTn id="1" dur="indefinite" restart="never" nodeType="tmRoot">
+          <p:childTnLst>
+            <p:seq concurrent="1" nextAc="seek">
+              <p:cTn id="2" dur="indefinite" nodeType="mainSeq">
+                <p:childTnLst>
+                  <p:par>
+                    <p:cTn id="3" fill="hold">
+                      <p:stCondLst>
+                        <p:cond delay="indefinite"/>
+                      </p:stCondLst>
+                      <p:childTnLst>
+                        <p:par>
+                          <p:cTn id="4" fill="hold">
+                            <p:stCondLst>
+                              <p:cond delay="0"/>
+                            </p:stCondLst>
+                            <p:childTnLst>
+                              <p:par>
+                                <p:cTn id="5" presetID="1" presetClass="entr" presetSubtype="0" fill="hold" grpId="0" nodeType="clickEffect">
+                                  <p:stCondLst>
+                                    <p:cond delay="0"/>
+                                  </p:stCondLst>
+                                  <p:childTnLst>
+                                    <p:set>
+                                      <p:cBhvr>
+                                        <p:cTn id="6" dur="1" fill="hold">
+                                          <p:stCondLst>
+                                            <p:cond delay="0"/>
+                                          </p:stCondLst>
+                                        </p:cTn>
+                                        <p:tgtEl>
+                                          <p:spTgt spid="36"/>
+                                        </p:tgtEl>
+                                        <p:attrNameLst>
+                                          <p:attrName>style.visibility</p:attrName>
+                                        </p:attrNameLst>
+                                      </p:cBhvr>
+                                      <p:to>
+                                        <p:strVal val="visible"/>
+                                      </p:to>
+                                    </p:set>
+                                  </p:childTnLst>
+                                </p:cTn>
+                              </p:par>
+                            </p:childTnLst>
+                          </p:cTn>
+                        </p:par>
+                      </p:childTnLst>
+                    </p:cTn>
+                  </p:par>
+                </p:childTnLst>
+              </p:cTn>
+              <p:prevCondLst>
+                <p:cond evt="onPrev" delay="0">
+                  <p:tgtEl>
+                    <p:sldTgt/>
+                  </p:tgtEl>
+                </p:cond>
+              </p:prevCondLst>
+              <p:nextCondLst>
+                <p:cond evt="onNext" delay="0">
+                  <p:tgtEl>
+                    <p:sldTgt/>
+                  </p:tgtEl>
+                </p:cond>
+              </p:nextCondLst>
+            </p:seq>
+          </p:childTnLst>
+        </p:cTn>
+      </p:par>
+    </p:tnLst>
+    <p:bldLst>
+      <p:bldP spid="36" grpId="0"/>
+    </p:bldLst>
+  </p:timing>
+</p:sld>
+</file>
+
+<file path=ppt/slides/slide12.xml><?xml version="1.0" encoding="utf-8"?>
+<p:sld xmlns:a="http://schemas.openxmlformats.org/drawingml/2006/main" xmlns:r="http://schemas.openxmlformats.org/officeDocument/2006/relationships" xmlns:p="http://schemas.openxmlformats.org/presentationml/2006/main">
+  <p:cSld>
+    <p:spTree>
+      <p:nvGrpSpPr>
+        <p:cNvPr id="1" name=""/>
+        <p:cNvGrpSpPr/>
+        <p:nvPr/>
+      </p:nvGrpSpPr>
+      <p:grpSpPr>
+        <a:xfrm>
+          <a:off x="0" y="0"/>
+          <a:ext cx="0" cy="0"/>
+          <a:chOff x="0" y="0"/>
+          <a:chExt cx="0" cy="0"/>
+        </a:xfrm>
+      </p:grpSpPr>
+      <p:grpSp>
+        <p:nvGrpSpPr>
+          <p:cNvPr id="4" name="Group 3"/>
+          <p:cNvGrpSpPr/>
+          <p:nvPr/>
+        </p:nvGrpSpPr>
+        <p:grpSpPr>
+          <a:xfrm>
+            <a:off x="0" y="1"/>
+            <a:ext cx="9144000" cy="844012"/>
+            <a:chOff x="0" y="1"/>
+            <a:chExt cx="9144000" cy="844012"/>
+          </a:xfrm>
+        </p:grpSpPr>
+        <p:cxnSp>
+          <p:nvCxnSpPr>
+            <p:cNvPr id="5" name="Straight Connector 4"/>
+            <p:cNvCxnSpPr/>
+            <p:nvPr/>
+          </p:nvCxnSpPr>
+          <p:spPr>
+            <a:xfrm>
+              <a:off x="0" y="844013"/>
+              <a:ext cx="9144000" cy="0"/>
+            </a:xfrm>
+            <a:prstGeom prst="line">
+              <a:avLst/>
+            </a:prstGeom>
+            <a:ln>
+              <a:solidFill>
+                <a:schemeClr val="tx1"/>
+              </a:solidFill>
+            </a:ln>
+            <a:effectLst/>
+          </p:spPr>
+          <p:style>
+            <a:lnRef idx="2">
+              <a:schemeClr val="accent1"/>
+            </a:lnRef>
+            <a:fillRef idx="0">
+              <a:schemeClr val="accent1"/>
+            </a:fillRef>
+            <a:effectRef idx="1">
+              <a:schemeClr val="accent1"/>
+            </a:effectRef>
+            <a:fontRef idx="minor">
+              <a:schemeClr val="tx1"/>
+            </a:fontRef>
+          </p:style>
+        </p:cxnSp>
+        <p:pic>
+          <p:nvPicPr>
+            <p:cNvPr id="6" name="Picture 5" descr="Screen Shot 2015-10-11 at 11.16.20 AM.png"/>
+            <p:cNvPicPr>
+              <a:picLocks noChangeAspect="1"/>
+            </p:cNvPicPr>
+            <p:nvPr/>
+          </p:nvPicPr>
+          <p:blipFill>
+            <a:blip r:embed="rId2">
+              <a:extLst>
+                <a:ext uri="{28A0092B-C50C-407E-A947-70E740481C1C}">
+                  <a14:useLocalDpi xmlns:a14="http://schemas.microsoft.com/office/drawing/2010/main" val="0"/>
+                </a:ext>
+              </a:extLst>
+            </a:blip>
+            <a:stretch>
+              <a:fillRect/>
+            </a:stretch>
+          </p:blipFill>
+          <p:spPr>
+            <a:xfrm>
+              <a:off x="0" y="1"/>
+              <a:ext cx="1151748" cy="844012"/>
+            </a:xfrm>
+            <a:prstGeom prst="rect">
+              <a:avLst/>
+            </a:prstGeom>
+          </p:spPr>
+        </p:pic>
+        <p:sp>
+          <p:nvSpPr>
+            <p:cNvPr id="7" name="Rectangle 6"/>
+            <p:cNvSpPr/>
+            <p:nvPr/>
+          </p:nvSpPr>
+          <p:spPr>
+            <a:xfrm>
+              <a:off x="1151748" y="2283"/>
+              <a:ext cx="7992252" cy="832104"/>
+            </a:xfrm>
+            <a:prstGeom prst="rect">
+              <a:avLst/>
+            </a:prstGeom>
             <a:solidFill>
               <a:schemeClr val="tx1"/>
             </a:solidFill>
-          </a:ln>
+            <a:ln>
+              <a:solidFill>
+                <a:schemeClr val="tx1"/>
+              </a:solidFill>
+            </a:ln>
+            <a:effectLst/>
+          </p:spPr>
+          <p:style>
+            <a:lnRef idx="1">
+              <a:schemeClr val="accent1"/>
+            </a:lnRef>
+            <a:fillRef idx="3">
+              <a:schemeClr val="accent1"/>
+            </a:fillRef>
+            <a:effectRef idx="2">
+              <a:schemeClr val="accent1"/>
+            </a:effectRef>
+            <a:fontRef idx="minor">
+              <a:schemeClr val="lt1"/>
+            </a:fontRef>
+          </p:style>
+          <p:txBody>
+            <a:bodyPr rtlCol="0" anchor="ctr"/>
+            <a:lstStyle/>
+            <a:p>
+              <a:pPr algn="ctr"/>
+              <a:endParaRPr lang="en-US"/>
+            </a:p>
+          </p:txBody>
+        </p:sp>
+        <p:pic>
+          <p:nvPicPr>
+            <p:cNvPr id="8" name="Picture 7"/>
+            <p:cNvPicPr>
+              <a:picLocks noChangeAspect="1"/>
+            </p:cNvPicPr>
+            <p:nvPr/>
+          </p:nvPicPr>
+          <p:blipFill>
+            <a:blip r:embed="rId3"/>
+            <a:stretch>
+              <a:fillRect/>
+            </a:stretch>
+          </p:blipFill>
+          <p:spPr>
+            <a:xfrm>
+              <a:off x="8311013" y="2283"/>
+              <a:ext cx="832987" cy="832987"/>
+            </a:xfrm>
+            <a:prstGeom prst="rect">
+              <a:avLst/>
+            </a:prstGeom>
+          </p:spPr>
+        </p:pic>
+        <p:sp>
+          <p:nvSpPr>
+            <p:cNvPr id="9" name="TextBox 8"/>
+            <p:cNvSpPr txBox="1"/>
+            <p:nvPr/>
+          </p:nvSpPr>
+          <p:spPr>
+            <a:xfrm>
+              <a:off x="1202040" y="188621"/>
+              <a:ext cx="6983237" cy="461665"/>
+            </a:xfrm>
+            <a:prstGeom prst="rect">
+              <a:avLst/>
+            </a:prstGeom>
+            <a:noFill/>
+          </p:spPr>
+          <p:txBody>
+            <a:bodyPr wrap="square" rtlCol="0">
+              <a:spAutoFit/>
+            </a:bodyPr>
+            <a:lstStyle/>
+            <a:p>
+              <a:pPr algn="ctr"/>
+              <a:r>
+                <a:rPr lang="en-US" sz="2400" dirty="0" err="1" smtClean="0">
+                  <a:solidFill>
+                    <a:srgbClr val="FFFFFF"/>
+                  </a:solidFill>
+                  <a:latin typeface="Candara"/>
+                  <a:cs typeface="Candara"/>
+                </a:rPr>
+                <a:t>FlyNet</a:t>
+              </a:r>
+              <a:r>
+                <a:rPr lang="en-US" sz="2400" dirty="0" smtClean="0">
+                  <a:solidFill>
+                    <a:srgbClr val="FFFFFF"/>
+                  </a:solidFill>
+                  <a:latin typeface="Candara"/>
+                  <a:cs typeface="Candara"/>
+                </a:rPr>
+                <a:t>: Autonomous </a:t>
+              </a:r>
+              <a:r>
+                <a:rPr lang="en-US" sz="2400" dirty="0" err="1" smtClean="0">
+                  <a:solidFill>
+                    <a:srgbClr val="FFFFFF"/>
+                  </a:solidFill>
+                  <a:latin typeface="Candara"/>
+                  <a:cs typeface="Candara"/>
+                </a:rPr>
+                <a:t>Quadcopter</a:t>
+              </a:r>
+              <a:r>
+                <a:rPr lang="en-US" sz="2400" dirty="0" smtClean="0">
+                  <a:solidFill>
+                    <a:srgbClr val="FFFFFF"/>
+                  </a:solidFill>
+                  <a:latin typeface="Candara"/>
+                  <a:cs typeface="Candara"/>
+                </a:rPr>
+                <a:t> Search and Rescue</a:t>
+              </a:r>
+              <a:endParaRPr lang="en-US" sz="2400" dirty="0">
+                <a:solidFill>
+                  <a:srgbClr val="FFFFFF"/>
+                </a:solidFill>
+                <a:latin typeface="Candara"/>
+                <a:cs typeface="Candara"/>
+              </a:endParaRPr>
+            </a:p>
+          </p:txBody>
+        </p:sp>
+      </p:grpSp>
+      <p:sp>
+        <p:nvSpPr>
+          <p:cNvPr id="31" name="Content Placeholder 2"/>
+          <p:cNvSpPr txBox="1">
+            <a:spLocks/>
+          </p:cNvSpPr>
+          <p:nvPr/>
+        </p:nvSpPr>
+        <p:spPr>
+          <a:xfrm>
+            <a:off x="-3376" y="1594361"/>
+            <a:ext cx="3922927" cy="4351338"/>
+          </a:xfrm>
+          <a:prstGeom prst="rect">
+            <a:avLst/>
+          </a:prstGeom>
         </p:spPr>
-      </p:pic>
+        <p:txBody>
+          <a:bodyPr vert="horz" lIns="91440" tIns="45720" rIns="91440" bIns="45720" rtlCol="0">
+            <a:normAutofit/>
+          </a:bodyPr>
+          <a:lstStyle>
+            <a:lvl1pPr marL="0" indent="0" algn="ctr" defTabSz="457200" rtl="0" eaLnBrk="1" latinLnBrk="0" hangingPunct="1">
+              <a:spcBef>
+                <a:spcPct val="20000"/>
+              </a:spcBef>
+              <a:buFont typeface="Arial"/>
+              <a:buNone/>
+              <a:defRPr sz="3200" kern="1200">
+                <a:solidFill>
+                  <a:schemeClr val="tx1">
+                    <a:tint val="75000"/>
+                  </a:schemeClr>
+                </a:solidFill>
+                <a:latin typeface="+mn-lt"/>
+                <a:ea typeface="+mn-ea"/>
+                <a:cs typeface="+mn-cs"/>
+              </a:defRPr>
+            </a:lvl1pPr>
+            <a:lvl2pPr marL="457200" indent="0" algn="ctr" defTabSz="457200" rtl="0" eaLnBrk="1" latinLnBrk="0" hangingPunct="1">
+              <a:spcBef>
+                <a:spcPct val="20000"/>
+              </a:spcBef>
+              <a:buFont typeface="Arial"/>
+              <a:buNone/>
+              <a:defRPr sz="2800" kern="1200">
+                <a:solidFill>
+                  <a:schemeClr val="tx1">
+                    <a:tint val="75000"/>
+                  </a:schemeClr>
+                </a:solidFill>
+                <a:latin typeface="+mn-lt"/>
+                <a:ea typeface="+mn-ea"/>
+                <a:cs typeface="+mn-cs"/>
+              </a:defRPr>
+            </a:lvl2pPr>
+            <a:lvl3pPr marL="914400" indent="0" algn="ctr" defTabSz="457200" rtl="0" eaLnBrk="1" latinLnBrk="0" hangingPunct="1">
+              <a:spcBef>
+                <a:spcPct val="20000"/>
+              </a:spcBef>
+              <a:buFont typeface="Arial"/>
+              <a:buNone/>
+              <a:defRPr sz="2400" kern="1200">
+                <a:solidFill>
+                  <a:schemeClr val="tx1">
+                    <a:tint val="75000"/>
+                  </a:schemeClr>
+                </a:solidFill>
+                <a:latin typeface="+mn-lt"/>
+                <a:ea typeface="+mn-ea"/>
+                <a:cs typeface="+mn-cs"/>
+              </a:defRPr>
+            </a:lvl3pPr>
+            <a:lvl4pPr marL="1371600" indent="0" algn="ctr" defTabSz="457200" rtl="0" eaLnBrk="1" latinLnBrk="0" hangingPunct="1">
+              <a:spcBef>
+                <a:spcPct val="20000"/>
+              </a:spcBef>
+              <a:buFont typeface="Arial"/>
+              <a:buNone/>
+              <a:defRPr sz="2000" kern="1200">
+                <a:solidFill>
+                  <a:schemeClr val="tx1">
+                    <a:tint val="75000"/>
+                  </a:schemeClr>
+                </a:solidFill>
+                <a:latin typeface="+mn-lt"/>
+                <a:ea typeface="+mn-ea"/>
+                <a:cs typeface="+mn-cs"/>
+              </a:defRPr>
+            </a:lvl4pPr>
+            <a:lvl5pPr marL="1828800" indent="0" algn="ctr" defTabSz="457200" rtl="0" eaLnBrk="1" latinLnBrk="0" hangingPunct="1">
+              <a:spcBef>
+                <a:spcPct val="20000"/>
+              </a:spcBef>
+              <a:buFont typeface="Arial"/>
+              <a:buNone/>
+              <a:defRPr sz="2000" kern="1200">
+                <a:solidFill>
+                  <a:schemeClr val="tx1">
+                    <a:tint val="75000"/>
+                  </a:schemeClr>
+                </a:solidFill>
+                <a:latin typeface="+mn-lt"/>
+                <a:ea typeface="+mn-ea"/>
+                <a:cs typeface="+mn-cs"/>
+              </a:defRPr>
+            </a:lvl5pPr>
+            <a:lvl6pPr marL="2286000" indent="0" algn="ctr" defTabSz="457200" rtl="0" eaLnBrk="1" latinLnBrk="0" hangingPunct="1">
+              <a:spcBef>
+                <a:spcPct val="20000"/>
+              </a:spcBef>
+              <a:buFont typeface="Arial"/>
+              <a:buNone/>
+              <a:defRPr sz="2000" kern="1200">
+                <a:solidFill>
+                  <a:schemeClr val="tx1">
+                    <a:tint val="75000"/>
+                  </a:schemeClr>
+                </a:solidFill>
+                <a:latin typeface="+mn-lt"/>
+                <a:ea typeface="+mn-ea"/>
+                <a:cs typeface="+mn-cs"/>
+              </a:defRPr>
+            </a:lvl6pPr>
+            <a:lvl7pPr marL="2743200" indent="0" algn="ctr" defTabSz="457200" rtl="0" eaLnBrk="1" latinLnBrk="0" hangingPunct="1">
+              <a:spcBef>
+                <a:spcPct val="20000"/>
+              </a:spcBef>
+              <a:buFont typeface="Arial"/>
+              <a:buNone/>
+              <a:defRPr sz="2000" kern="1200">
+                <a:solidFill>
+                  <a:schemeClr val="tx1">
+                    <a:tint val="75000"/>
+                  </a:schemeClr>
+                </a:solidFill>
+                <a:latin typeface="+mn-lt"/>
+                <a:ea typeface="+mn-ea"/>
+                <a:cs typeface="+mn-cs"/>
+              </a:defRPr>
+            </a:lvl7pPr>
+            <a:lvl8pPr marL="3200400" indent="0" algn="ctr" defTabSz="457200" rtl="0" eaLnBrk="1" latinLnBrk="0" hangingPunct="1">
+              <a:spcBef>
+                <a:spcPct val="20000"/>
+              </a:spcBef>
+              <a:buFont typeface="Arial"/>
+              <a:buNone/>
+              <a:defRPr sz="2000" kern="1200">
+                <a:solidFill>
+                  <a:schemeClr val="tx1">
+                    <a:tint val="75000"/>
+                  </a:schemeClr>
+                </a:solidFill>
+                <a:latin typeface="+mn-lt"/>
+                <a:ea typeface="+mn-ea"/>
+                <a:cs typeface="+mn-cs"/>
+              </a:defRPr>
+            </a:lvl8pPr>
+            <a:lvl9pPr marL="3657600" indent="0" algn="ctr" defTabSz="457200" rtl="0" eaLnBrk="1" latinLnBrk="0" hangingPunct="1">
+              <a:spcBef>
+                <a:spcPct val="20000"/>
+              </a:spcBef>
+              <a:buFont typeface="Arial"/>
+              <a:buNone/>
+              <a:defRPr sz="2000" kern="1200">
+                <a:solidFill>
+                  <a:schemeClr val="tx1">
+                    <a:tint val="75000"/>
+                  </a:schemeClr>
+                </a:solidFill>
+                <a:latin typeface="+mn-lt"/>
+                <a:ea typeface="+mn-ea"/>
+                <a:cs typeface="+mn-cs"/>
+              </a:defRPr>
+            </a:lvl9pPr>
+          </a:lstStyle>
+          <a:p>
+            <a:pPr marL="457200" indent="-457200" algn="l">
+              <a:buFont typeface="Arial" panose="020B0604020202020204" pitchFamily="34" charset="0"/>
+              <a:buChar char="•"/>
+            </a:pPr>
+            <a:r>
+              <a:rPr lang="en-US" sz="2000" dirty="0" smtClean="0">
+                <a:solidFill>
+                  <a:schemeClr val="tx1"/>
+                </a:solidFill>
+                <a:latin typeface="Candara" panose="020E0502030303020204" pitchFamily="34" charset="0"/>
+              </a:rPr>
+              <a:t>System will autonomously fly and map entire space</a:t>
+            </a:r>
+          </a:p>
+          <a:p>
+            <a:pPr marL="457200" indent="-457200" algn="l">
+              <a:buFont typeface="Arial" panose="020B0604020202020204" pitchFamily="34" charset="0"/>
+              <a:buChar char="•"/>
+            </a:pPr>
+            <a:r>
+              <a:rPr lang="en-US" sz="2000" dirty="0" smtClean="0">
+                <a:solidFill>
+                  <a:schemeClr val="tx1"/>
+                </a:solidFill>
+                <a:latin typeface="Candara" panose="020E0502030303020204" pitchFamily="34" charset="0"/>
+              </a:rPr>
+              <a:t>Planning subsystem will help avoid obstacles and recalculate trajectory</a:t>
+            </a:r>
+          </a:p>
+          <a:p>
+            <a:pPr marL="457200" indent="-457200" algn="l">
+              <a:buFont typeface="Arial" panose="020B0604020202020204" pitchFamily="34" charset="0"/>
+              <a:buChar char="•"/>
+            </a:pPr>
+            <a:r>
+              <a:rPr lang="en-US" sz="2000" dirty="0" smtClean="0">
+                <a:solidFill>
+                  <a:schemeClr val="tx1"/>
+                </a:solidFill>
+                <a:latin typeface="Candara" panose="020E0502030303020204" pitchFamily="34" charset="0"/>
+              </a:rPr>
+              <a:t>Target will be identified and located in the space</a:t>
+            </a:r>
+          </a:p>
+          <a:p>
+            <a:pPr marL="457200" indent="-457200" algn="l">
+              <a:buFont typeface="Arial" panose="020B0604020202020204" pitchFamily="34" charset="0"/>
+              <a:buChar char="•"/>
+            </a:pPr>
+            <a:r>
+              <a:rPr lang="en-US" sz="2000" dirty="0" smtClean="0">
+                <a:solidFill>
+                  <a:schemeClr val="tx1"/>
+                </a:solidFill>
+                <a:latin typeface="Candara" panose="020E0502030303020204" pitchFamily="34" charset="0"/>
+              </a:rPr>
+              <a:t>System will return to exit point to deliver map</a:t>
+            </a:r>
+          </a:p>
+        </p:txBody>
+      </p:sp>
+      <p:grpSp>
+        <p:nvGrpSpPr>
+          <p:cNvPr id="85" name="Group 84"/>
+          <p:cNvGrpSpPr/>
+          <p:nvPr/>
+        </p:nvGrpSpPr>
+        <p:grpSpPr>
+          <a:xfrm>
+            <a:off x="3359576" y="1209373"/>
+            <a:ext cx="5670362" cy="5524500"/>
+            <a:chOff x="3359576" y="1209373"/>
+            <a:chExt cx="5670362" cy="5524500"/>
+          </a:xfrm>
+        </p:grpSpPr>
+        <p:grpSp>
+          <p:nvGrpSpPr>
+            <p:cNvPr id="32" name="Group 31"/>
+            <p:cNvGrpSpPr/>
+            <p:nvPr/>
+          </p:nvGrpSpPr>
+          <p:grpSpPr>
+            <a:xfrm>
+              <a:off x="3359576" y="1209373"/>
+              <a:ext cx="5670362" cy="5524500"/>
+              <a:chOff x="3359576" y="1209373"/>
+              <a:chExt cx="5670362" cy="5524500"/>
+            </a:xfrm>
+          </p:grpSpPr>
+          <p:grpSp>
+            <p:nvGrpSpPr>
+              <p:cNvPr id="33" name="Group 32"/>
+              <p:cNvGrpSpPr/>
+              <p:nvPr/>
+            </p:nvGrpSpPr>
+            <p:grpSpPr>
+              <a:xfrm>
+                <a:off x="3359576" y="1209373"/>
+                <a:ext cx="5670362" cy="5524500"/>
+                <a:chOff x="2059175" y="666750"/>
+                <a:chExt cx="5670362" cy="5524500"/>
+              </a:xfrm>
+            </p:grpSpPr>
+            <p:pic>
+              <p:nvPicPr>
+                <p:cNvPr id="40" name="Picture 39"/>
+                <p:cNvPicPr>
+                  <a:picLocks noChangeAspect="1"/>
+                </p:cNvPicPr>
+                <p:nvPr/>
+              </p:nvPicPr>
+              <p:blipFill>
+                <a:blip r:embed="rId4"/>
+                <a:stretch>
+                  <a:fillRect/>
+                </a:stretch>
+              </p:blipFill>
+              <p:spPr>
+                <a:xfrm>
+                  <a:off x="4462462" y="666750"/>
+                  <a:ext cx="3267075" cy="5524500"/>
+                </a:xfrm>
+                <a:prstGeom prst="rect">
+                  <a:avLst/>
+                </a:prstGeom>
+              </p:spPr>
+            </p:pic>
+            <p:sp>
+              <p:nvSpPr>
+                <p:cNvPr id="41" name="Rectangle 40"/>
+                <p:cNvSpPr/>
+                <p:nvPr/>
+              </p:nvSpPr>
+              <p:spPr>
+                <a:xfrm>
+                  <a:off x="3455582" y="1562985"/>
+                  <a:ext cx="233916" cy="223284"/>
+                </a:xfrm>
+                <a:prstGeom prst="rect">
+                  <a:avLst/>
+                </a:prstGeom>
+                <a:noFill/>
+                <a:ln>
+                  <a:solidFill>
+                    <a:schemeClr val="tx1"/>
+                  </a:solidFill>
+                </a:ln>
+              </p:spPr>
+              <p:style>
+                <a:lnRef idx="2">
+                  <a:schemeClr val="accent1">
+                    <a:shade val="50000"/>
+                  </a:schemeClr>
+                </a:lnRef>
+                <a:fillRef idx="1">
+                  <a:schemeClr val="accent1"/>
+                </a:fillRef>
+                <a:effectRef idx="0">
+                  <a:schemeClr val="accent1"/>
+                </a:effectRef>
+                <a:fontRef idx="minor">
+                  <a:schemeClr val="lt1"/>
+                </a:fontRef>
+              </p:style>
+              <p:txBody>
+                <a:bodyPr rtlCol="0" anchor="ctr"/>
+                <a:lstStyle/>
+                <a:p>
+                  <a:pPr algn="ctr"/>
+                  <a:endParaRPr lang="en-US"/>
+                </a:p>
+              </p:txBody>
+            </p:sp>
+            <p:sp>
+              <p:nvSpPr>
+                <p:cNvPr id="42" name="TextBox 41"/>
+                <p:cNvSpPr txBox="1"/>
+                <p:nvPr/>
+              </p:nvSpPr>
+              <p:spPr>
+                <a:xfrm>
+                  <a:off x="3030279" y="1562985"/>
+                  <a:ext cx="563526" cy="307777"/>
+                </a:xfrm>
+                <a:prstGeom prst="rect">
+                  <a:avLst/>
+                </a:prstGeom>
+                <a:noFill/>
+              </p:spPr>
+              <p:txBody>
+                <a:bodyPr wrap="square" rtlCol="0">
+                  <a:spAutoFit/>
+                </a:bodyPr>
+                <a:lstStyle/>
+                <a:p>
+                  <a:r>
+                    <a:rPr lang="en-US" sz="1400" dirty="0" smtClean="0"/>
+                    <a:t>2 ft.</a:t>
+                  </a:r>
+                  <a:endParaRPr lang="en-US" sz="1400" dirty="0"/>
+                </a:p>
+              </p:txBody>
+            </p:sp>
+            <p:sp>
+              <p:nvSpPr>
+                <p:cNvPr id="43" name="TextBox 42"/>
+                <p:cNvSpPr txBox="1"/>
+                <p:nvPr/>
+              </p:nvSpPr>
+              <p:spPr>
+                <a:xfrm>
+                  <a:off x="3359889" y="1265840"/>
+                  <a:ext cx="563526" cy="307777"/>
+                </a:xfrm>
+                <a:prstGeom prst="rect">
+                  <a:avLst/>
+                </a:prstGeom>
+                <a:noFill/>
+              </p:spPr>
+              <p:txBody>
+                <a:bodyPr wrap="square" rtlCol="0">
+                  <a:spAutoFit/>
+                </a:bodyPr>
+                <a:lstStyle/>
+                <a:p>
+                  <a:r>
+                    <a:rPr lang="en-US" sz="1400" dirty="0" smtClean="0"/>
+                    <a:t>2 ft.</a:t>
+                  </a:r>
+                  <a:endParaRPr lang="en-US" sz="1400" dirty="0"/>
+                </a:p>
+              </p:txBody>
+            </p:sp>
+            <p:sp>
+              <p:nvSpPr>
+                <p:cNvPr id="44" name="Rectangle 43"/>
+                <p:cNvSpPr/>
+                <p:nvPr/>
+              </p:nvSpPr>
+              <p:spPr>
+                <a:xfrm>
+                  <a:off x="3459121" y="2023735"/>
+                  <a:ext cx="233916" cy="223284"/>
+                </a:xfrm>
+                <a:prstGeom prst="rect">
+                  <a:avLst/>
+                </a:prstGeom>
+                <a:solidFill>
+                  <a:schemeClr val="bg1">
+                    <a:lumMod val="85000"/>
+                  </a:schemeClr>
+                </a:solidFill>
+                <a:ln>
+                  <a:solidFill>
+                    <a:schemeClr val="tx1"/>
+                  </a:solidFill>
+                </a:ln>
+              </p:spPr>
+              <p:style>
+                <a:lnRef idx="2">
+                  <a:schemeClr val="accent1">
+                    <a:shade val="50000"/>
+                  </a:schemeClr>
+                </a:lnRef>
+                <a:fillRef idx="1">
+                  <a:schemeClr val="accent1"/>
+                </a:fillRef>
+                <a:effectRef idx="0">
+                  <a:schemeClr val="accent1"/>
+                </a:effectRef>
+                <a:fontRef idx="minor">
+                  <a:schemeClr val="lt1"/>
+                </a:fontRef>
+              </p:style>
+              <p:txBody>
+                <a:bodyPr rtlCol="0" anchor="ctr"/>
+                <a:lstStyle/>
+                <a:p>
+                  <a:pPr algn="ctr"/>
+                  <a:endParaRPr lang="en-US"/>
+                </a:p>
+              </p:txBody>
+            </p:sp>
+            <p:sp>
+              <p:nvSpPr>
+                <p:cNvPr id="45" name="TextBox 44"/>
+                <p:cNvSpPr txBox="1"/>
+                <p:nvPr/>
+              </p:nvSpPr>
+              <p:spPr>
+                <a:xfrm>
+                  <a:off x="2700670" y="1981488"/>
+                  <a:ext cx="754912" cy="307777"/>
+                </a:xfrm>
+                <a:prstGeom prst="rect">
+                  <a:avLst/>
+                </a:prstGeom>
+                <a:noFill/>
+              </p:spPr>
+              <p:txBody>
+                <a:bodyPr wrap="square" rtlCol="0">
+                  <a:spAutoFit/>
+                </a:bodyPr>
+                <a:lstStyle/>
+                <a:p>
+                  <a:r>
+                    <a:rPr lang="en-US" sz="1400" dirty="0" smtClean="0"/>
+                    <a:t>Hallway</a:t>
+                  </a:r>
+                  <a:endParaRPr lang="en-US" sz="1400" dirty="0"/>
+                </a:p>
+              </p:txBody>
+            </p:sp>
+            <p:sp>
+              <p:nvSpPr>
+                <p:cNvPr id="46" name="Rectangle 45"/>
+                <p:cNvSpPr/>
+                <p:nvPr/>
+              </p:nvSpPr>
+              <p:spPr>
+                <a:xfrm>
+                  <a:off x="3455582" y="2445488"/>
+                  <a:ext cx="308344" cy="170121"/>
+                </a:xfrm>
+                <a:prstGeom prst="rect">
+                  <a:avLst/>
+                </a:prstGeom>
+              </p:spPr>
+              <p:style>
+                <a:lnRef idx="2">
+                  <a:schemeClr val="dk1">
+                    <a:shade val="50000"/>
+                  </a:schemeClr>
+                </a:lnRef>
+                <a:fillRef idx="1">
+                  <a:schemeClr val="dk1"/>
+                </a:fillRef>
+                <a:effectRef idx="0">
+                  <a:schemeClr val="dk1"/>
+                </a:effectRef>
+                <a:fontRef idx="minor">
+                  <a:schemeClr val="lt1"/>
+                </a:fontRef>
+              </p:style>
+              <p:txBody>
+                <a:bodyPr rtlCol="0" anchor="ctr"/>
+                <a:lstStyle/>
+                <a:p>
+                  <a:pPr algn="ctr"/>
+                  <a:endParaRPr lang="en-US"/>
+                </a:p>
+              </p:txBody>
+            </p:sp>
+            <p:sp>
+              <p:nvSpPr>
+                <p:cNvPr id="47" name="5-Point Star 46"/>
+                <p:cNvSpPr/>
+                <p:nvPr/>
+              </p:nvSpPr>
+              <p:spPr>
+                <a:xfrm>
+                  <a:off x="3436420" y="2739383"/>
+                  <a:ext cx="350875" cy="329610"/>
+                </a:xfrm>
+                <a:prstGeom prst="star5">
+                  <a:avLst/>
+                </a:prstGeom>
+                <a:solidFill>
+                  <a:schemeClr val="accent6"/>
+                </a:solidFill>
+              </p:spPr>
+              <p:style>
+                <a:lnRef idx="2">
+                  <a:schemeClr val="accent1">
+                    <a:shade val="50000"/>
+                  </a:schemeClr>
+                </a:lnRef>
+                <a:fillRef idx="1">
+                  <a:schemeClr val="accent1"/>
+                </a:fillRef>
+                <a:effectRef idx="0">
+                  <a:schemeClr val="accent1"/>
+                </a:effectRef>
+                <a:fontRef idx="minor">
+                  <a:schemeClr val="lt1"/>
+                </a:fontRef>
+              </p:style>
+              <p:txBody>
+                <a:bodyPr rtlCol="0" anchor="ctr"/>
+                <a:lstStyle/>
+                <a:p>
+                  <a:pPr algn="ctr"/>
+                  <a:endParaRPr lang="en-US"/>
+                </a:p>
+              </p:txBody>
+            </p:sp>
+            <p:sp>
+              <p:nvSpPr>
+                <p:cNvPr id="48" name="Octagon 47"/>
+                <p:cNvSpPr/>
+                <p:nvPr/>
+              </p:nvSpPr>
+              <p:spPr>
+                <a:xfrm>
+                  <a:off x="3455582" y="3189767"/>
+                  <a:ext cx="331713" cy="350875"/>
+                </a:xfrm>
+                <a:prstGeom prst="octagon">
+                  <a:avLst/>
+                </a:prstGeom>
+              </p:spPr>
+              <p:style>
+                <a:lnRef idx="1">
+                  <a:schemeClr val="accent2"/>
+                </a:lnRef>
+                <a:fillRef idx="2">
+                  <a:schemeClr val="accent2"/>
+                </a:fillRef>
+                <a:effectRef idx="1">
+                  <a:schemeClr val="accent2"/>
+                </a:effectRef>
+                <a:fontRef idx="minor">
+                  <a:schemeClr val="dk1"/>
+                </a:fontRef>
+              </p:style>
+              <p:txBody>
+                <a:bodyPr rtlCol="0" anchor="ctr"/>
+                <a:lstStyle/>
+                <a:p>
+                  <a:pPr algn="ctr"/>
+                  <a:endParaRPr lang="en-US"/>
+                </a:p>
+              </p:txBody>
+            </p:sp>
+            <p:sp>
+              <p:nvSpPr>
+                <p:cNvPr id="49" name="Oval 48"/>
+                <p:cNvSpPr/>
+                <p:nvPr/>
+              </p:nvSpPr>
+              <p:spPr>
+                <a:xfrm>
+                  <a:off x="3455582" y="3710763"/>
+                  <a:ext cx="331713" cy="233916"/>
+                </a:xfrm>
+                <a:prstGeom prst="ellipse">
+                  <a:avLst/>
+                </a:prstGeom>
+              </p:spPr>
+              <p:style>
+                <a:lnRef idx="2">
+                  <a:schemeClr val="accent1">
+                    <a:shade val="50000"/>
+                  </a:schemeClr>
+                </a:lnRef>
+                <a:fillRef idx="1">
+                  <a:schemeClr val="accent1"/>
+                </a:fillRef>
+                <a:effectRef idx="0">
+                  <a:schemeClr val="accent1"/>
+                </a:effectRef>
+                <a:fontRef idx="minor">
+                  <a:schemeClr val="lt1"/>
+                </a:fontRef>
+              </p:style>
+              <p:txBody>
+                <a:bodyPr rtlCol="0" anchor="ctr"/>
+                <a:lstStyle/>
+                <a:p>
+                  <a:pPr algn="ctr"/>
+                  <a:endParaRPr lang="en-US"/>
+                </a:p>
+              </p:txBody>
+            </p:sp>
+            <p:sp>
+              <p:nvSpPr>
+                <p:cNvPr id="50" name="TextBox 49"/>
+                <p:cNvSpPr txBox="1"/>
+                <p:nvPr/>
+              </p:nvSpPr>
+              <p:spPr>
+                <a:xfrm>
+                  <a:off x="2434694" y="2335905"/>
+                  <a:ext cx="1173120" cy="307777"/>
+                </a:xfrm>
+                <a:prstGeom prst="rect">
+                  <a:avLst/>
+                </a:prstGeom>
+                <a:noFill/>
+              </p:spPr>
+              <p:txBody>
+                <a:bodyPr wrap="square" rtlCol="0">
+                  <a:spAutoFit/>
+                </a:bodyPr>
+                <a:lstStyle/>
+                <a:p>
+                  <a:r>
+                    <a:rPr lang="en-US" sz="1400" dirty="0" smtClean="0"/>
+                    <a:t>“Roadblock”</a:t>
+                  </a:r>
+                  <a:endParaRPr lang="en-US" sz="1400" dirty="0"/>
+                </a:p>
+              </p:txBody>
+            </p:sp>
+            <p:sp>
+              <p:nvSpPr>
+                <p:cNvPr id="51" name="TextBox 50"/>
+                <p:cNvSpPr txBox="1"/>
+                <p:nvPr/>
+              </p:nvSpPr>
+              <p:spPr>
+                <a:xfrm>
+                  <a:off x="2714843" y="2771841"/>
+                  <a:ext cx="754912" cy="307777"/>
+                </a:xfrm>
+                <a:prstGeom prst="rect">
+                  <a:avLst/>
+                </a:prstGeom>
+                <a:noFill/>
+              </p:spPr>
+              <p:txBody>
+                <a:bodyPr wrap="square" rtlCol="0">
+                  <a:spAutoFit/>
+                </a:bodyPr>
+                <a:lstStyle/>
+                <a:p>
+                  <a:r>
+                    <a:rPr lang="en-US" sz="1400" dirty="0" smtClean="0"/>
+                    <a:t>Target</a:t>
+                  </a:r>
+                  <a:endParaRPr lang="en-US" sz="1400" dirty="0"/>
+                </a:p>
+              </p:txBody>
+            </p:sp>
+            <p:sp>
+              <p:nvSpPr>
+                <p:cNvPr id="52" name="TextBox 51"/>
+                <p:cNvSpPr txBox="1"/>
+                <p:nvPr/>
+              </p:nvSpPr>
+              <p:spPr>
+                <a:xfrm>
+                  <a:off x="2059175" y="3207777"/>
+                  <a:ext cx="1513365" cy="307777"/>
+                </a:xfrm>
+                <a:prstGeom prst="rect">
+                  <a:avLst/>
+                </a:prstGeom>
+                <a:noFill/>
+              </p:spPr>
+              <p:txBody>
+                <a:bodyPr wrap="square" rtlCol="0">
+                  <a:spAutoFit/>
+                </a:bodyPr>
+                <a:lstStyle/>
+                <a:p>
+                  <a:r>
+                    <a:rPr lang="en-US" sz="1400" dirty="0" smtClean="0"/>
+                    <a:t>“Complete Block”</a:t>
+                  </a:r>
+                  <a:endParaRPr lang="en-US" sz="1400" dirty="0"/>
+                </a:p>
+              </p:txBody>
+            </p:sp>
+            <p:sp>
+              <p:nvSpPr>
+                <p:cNvPr id="53" name="TextBox 52"/>
+                <p:cNvSpPr txBox="1"/>
+                <p:nvPr/>
+              </p:nvSpPr>
+              <p:spPr>
+                <a:xfrm>
+                  <a:off x="2190307" y="3654343"/>
+                  <a:ext cx="1332611" cy="307777"/>
+                </a:xfrm>
+                <a:prstGeom prst="rect">
+                  <a:avLst/>
+                </a:prstGeom>
+                <a:noFill/>
+              </p:spPr>
+              <p:txBody>
+                <a:bodyPr wrap="square" rtlCol="0">
+                  <a:spAutoFit/>
+                </a:bodyPr>
+                <a:lstStyle/>
+                <a:p>
+                  <a:r>
+                    <a:rPr lang="en-US" sz="1400" dirty="0" smtClean="0"/>
+                    <a:t>Entry/Exit Point</a:t>
+                  </a:r>
+                  <a:endParaRPr lang="en-US" sz="1400" dirty="0"/>
+                </a:p>
+              </p:txBody>
+            </p:sp>
+            <p:sp>
+              <p:nvSpPr>
+                <p:cNvPr id="54" name="Rectangle 53"/>
+                <p:cNvSpPr/>
+                <p:nvPr/>
+              </p:nvSpPr>
+              <p:spPr>
+                <a:xfrm>
+                  <a:off x="5054010" y="2094054"/>
+                  <a:ext cx="308344" cy="170121"/>
+                </a:xfrm>
+                <a:prstGeom prst="rect">
+                  <a:avLst/>
+                </a:prstGeom>
+              </p:spPr>
+              <p:style>
+                <a:lnRef idx="2">
+                  <a:schemeClr val="dk1">
+                    <a:shade val="50000"/>
+                  </a:schemeClr>
+                </a:lnRef>
+                <a:fillRef idx="1">
+                  <a:schemeClr val="dk1"/>
+                </a:fillRef>
+                <a:effectRef idx="0">
+                  <a:schemeClr val="dk1"/>
+                </a:effectRef>
+                <a:fontRef idx="minor">
+                  <a:schemeClr val="lt1"/>
+                </a:fontRef>
+              </p:style>
+              <p:txBody>
+                <a:bodyPr rtlCol="0" anchor="ctr"/>
+                <a:lstStyle/>
+                <a:p>
+                  <a:pPr algn="ctr"/>
+                  <a:endParaRPr lang="en-US"/>
+                </a:p>
+              </p:txBody>
+            </p:sp>
+            <p:sp>
+              <p:nvSpPr>
+                <p:cNvPr id="55" name="Rectangle 54"/>
+                <p:cNvSpPr/>
+                <p:nvPr/>
+              </p:nvSpPr>
+              <p:spPr>
+                <a:xfrm>
+                  <a:off x="5941827" y="5139069"/>
+                  <a:ext cx="308344" cy="170121"/>
+                </a:xfrm>
+                <a:prstGeom prst="rect">
+                  <a:avLst/>
+                </a:prstGeom>
+              </p:spPr>
+              <p:style>
+                <a:lnRef idx="2">
+                  <a:schemeClr val="dk1">
+                    <a:shade val="50000"/>
+                  </a:schemeClr>
+                </a:lnRef>
+                <a:fillRef idx="1">
+                  <a:schemeClr val="dk1"/>
+                </a:fillRef>
+                <a:effectRef idx="0">
+                  <a:schemeClr val="dk1"/>
+                </a:effectRef>
+                <a:fontRef idx="minor">
+                  <a:schemeClr val="lt1"/>
+                </a:fontRef>
+              </p:style>
+              <p:txBody>
+                <a:bodyPr rtlCol="0" anchor="ctr"/>
+                <a:lstStyle/>
+                <a:p>
+                  <a:pPr algn="ctr"/>
+                  <a:endParaRPr lang="en-US"/>
+                </a:p>
+              </p:txBody>
+            </p:sp>
+            <p:sp>
+              <p:nvSpPr>
+                <p:cNvPr id="56" name="Rectangle 55"/>
+                <p:cNvSpPr/>
+                <p:nvPr/>
+              </p:nvSpPr>
+              <p:spPr>
+                <a:xfrm rot="5400000">
+                  <a:off x="6144731" y="975536"/>
+                  <a:ext cx="232142" cy="152405"/>
+                </a:xfrm>
+                <a:prstGeom prst="rect">
+                  <a:avLst/>
+                </a:prstGeom>
+              </p:spPr>
+              <p:style>
+                <a:lnRef idx="2">
+                  <a:schemeClr val="dk1">
+                    <a:shade val="50000"/>
+                  </a:schemeClr>
+                </a:lnRef>
+                <a:fillRef idx="1">
+                  <a:schemeClr val="dk1"/>
+                </a:fillRef>
+                <a:effectRef idx="0">
+                  <a:schemeClr val="dk1"/>
+                </a:effectRef>
+                <a:fontRef idx="minor">
+                  <a:schemeClr val="lt1"/>
+                </a:fontRef>
+              </p:style>
+              <p:txBody>
+                <a:bodyPr rtlCol="0" anchor="ctr"/>
+                <a:lstStyle/>
+                <a:p>
+                  <a:pPr algn="ctr"/>
+                  <a:endParaRPr lang="en-US"/>
+                </a:p>
+              </p:txBody>
+            </p:sp>
+            <p:sp>
+              <p:nvSpPr>
+                <p:cNvPr id="57" name="5-Point Star 56"/>
+                <p:cNvSpPr/>
+                <p:nvPr/>
+              </p:nvSpPr>
+              <p:spPr>
+                <a:xfrm>
+                  <a:off x="7214522" y="1552068"/>
+                  <a:ext cx="350875" cy="329610"/>
+                </a:xfrm>
+                <a:prstGeom prst="star5">
+                  <a:avLst/>
+                </a:prstGeom>
+                <a:solidFill>
+                  <a:schemeClr val="accent6"/>
+                </a:solidFill>
+              </p:spPr>
+              <p:style>
+                <a:lnRef idx="2">
+                  <a:schemeClr val="accent1">
+                    <a:shade val="50000"/>
+                  </a:schemeClr>
+                </a:lnRef>
+                <a:fillRef idx="1">
+                  <a:schemeClr val="accent1"/>
+                </a:fillRef>
+                <a:effectRef idx="0">
+                  <a:schemeClr val="accent1"/>
+                </a:effectRef>
+                <a:fontRef idx="minor">
+                  <a:schemeClr val="lt1"/>
+                </a:fontRef>
+              </p:style>
+              <p:txBody>
+                <a:bodyPr rtlCol="0" anchor="ctr"/>
+                <a:lstStyle/>
+                <a:p>
+                  <a:pPr algn="ctr"/>
+                  <a:endParaRPr lang="en-US"/>
+                </a:p>
+              </p:txBody>
+            </p:sp>
+            <p:sp>
+              <p:nvSpPr>
+                <p:cNvPr id="58" name="Octagon 57"/>
+                <p:cNvSpPr/>
+                <p:nvPr/>
+              </p:nvSpPr>
+              <p:spPr>
+                <a:xfrm>
+                  <a:off x="7010612" y="2863930"/>
+                  <a:ext cx="535623" cy="566564"/>
+                </a:xfrm>
+                <a:prstGeom prst="octagon">
+                  <a:avLst/>
+                </a:prstGeom>
+              </p:spPr>
+              <p:style>
+                <a:lnRef idx="1">
+                  <a:schemeClr val="accent2"/>
+                </a:lnRef>
+                <a:fillRef idx="2">
+                  <a:schemeClr val="accent2"/>
+                </a:fillRef>
+                <a:effectRef idx="1">
+                  <a:schemeClr val="accent2"/>
+                </a:effectRef>
+                <a:fontRef idx="minor">
+                  <a:schemeClr val="dk1"/>
+                </a:fontRef>
+              </p:style>
+              <p:txBody>
+                <a:bodyPr rtlCol="0" anchor="ctr"/>
+                <a:lstStyle/>
+                <a:p>
+                  <a:pPr algn="ctr"/>
+                  <a:endParaRPr lang="en-US"/>
+                </a:p>
+              </p:txBody>
+            </p:sp>
+            <p:sp>
+              <p:nvSpPr>
+                <p:cNvPr id="59" name="Oval 58"/>
+                <p:cNvSpPr/>
+                <p:nvPr/>
+              </p:nvSpPr>
+              <p:spPr>
+                <a:xfrm>
+                  <a:off x="5993772" y="5862084"/>
+                  <a:ext cx="331713" cy="233916"/>
+                </a:xfrm>
+                <a:prstGeom prst="ellipse">
+                  <a:avLst/>
+                </a:prstGeom>
+              </p:spPr>
+              <p:style>
+                <a:lnRef idx="2">
+                  <a:schemeClr val="accent1">
+                    <a:shade val="50000"/>
+                  </a:schemeClr>
+                </a:lnRef>
+                <a:fillRef idx="1">
+                  <a:schemeClr val="accent1"/>
+                </a:fillRef>
+                <a:effectRef idx="0">
+                  <a:schemeClr val="accent1"/>
+                </a:effectRef>
+                <a:fontRef idx="minor">
+                  <a:schemeClr val="lt1"/>
+                </a:fontRef>
+              </p:style>
+              <p:txBody>
+                <a:bodyPr rtlCol="0" anchor="ctr"/>
+                <a:lstStyle/>
+                <a:p>
+                  <a:pPr algn="ctr"/>
+                  <a:endParaRPr lang="en-US"/>
+                </a:p>
+              </p:txBody>
+            </p:sp>
+          </p:grpSp>
+          <p:sp>
+            <p:nvSpPr>
+              <p:cNvPr id="34" name="Rectangle 33"/>
+              <p:cNvSpPr/>
+              <p:nvPr/>
+            </p:nvSpPr>
+            <p:spPr>
+              <a:xfrm>
+                <a:off x="7814930" y="2105608"/>
+                <a:ext cx="276447" cy="148494"/>
+              </a:xfrm>
+              <a:prstGeom prst="rect">
+                <a:avLst/>
+              </a:prstGeom>
+              <a:solidFill>
+                <a:srgbClr val="92D050"/>
+              </a:solidFill>
+              <a:ln>
+                <a:solidFill>
+                  <a:srgbClr val="92D050"/>
+                </a:solidFill>
+              </a:ln>
+            </p:spPr>
+            <p:style>
+              <a:lnRef idx="1">
+                <a:schemeClr val="accent1"/>
+              </a:lnRef>
+              <a:fillRef idx="3">
+                <a:schemeClr val="accent1"/>
+              </a:fillRef>
+              <a:effectRef idx="2">
+                <a:schemeClr val="accent1"/>
+              </a:effectRef>
+              <a:fontRef idx="minor">
+                <a:schemeClr val="lt1"/>
+              </a:fontRef>
+            </p:style>
+            <p:txBody>
+              <a:bodyPr rtlCol="0" anchor="ctr"/>
+              <a:lstStyle/>
+              <a:p>
+                <a:pPr algn="ctr"/>
+                <a:endParaRPr lang="en-US"/>
+              </a:p>
+            </p:txBody>
+          </p:sp>
+          <p:sp>
+            <p:nvSpPr>
+              <p:cNvPr id="35" name="Oval 34"/>
+              <p:cNvSpPr/>
+              <p:nvPr/>
+            </p:nvSpPr>
+            <p:spPr>
+              <a:xfrm>
+                <a:off x="8026715" y="1925423"/>
+                <a:ext cx="126663" cy="126663"/>
+              </a:xfrm>
+              <a:prstGeom prst="ellipse">
+                <a:avLst/>
+              </a:prstGeom>
+              <a:solidFill>
+                <a:srgbClr val="92D050"/>
+              </a:solidFill>
+              <a:ln>
+                <a:solidFill>
+                  <a:srgbClr val="92D050"/>
+                </a:solidFill>
+              </a:ln>
+            </p:spPr>
+            <p:style>
+              <a:lnRef idx="1">
+                <a:schemeClr val="accent1"/>
+              </a:lnRef>
+              <a:fillRef idx="3">
+                <a:schemeClr val="accent1"/>
+              </a:fillRef>
+              <a:effectRef idx="2">
+                <a:schemeClr val="accent1"/>
+              </a:effectRef>
+              <a:fontRef idx="minor">
+                <a:schemeClr val="lt1"/>
+              </a:fontRef>
+            </p:style>
+            <p:txBody>
+              <a:bodyPr rtlCol="0" anchor="ctr"/>
+              <a:lstStyle/>
+              <a:p>
+                <a:pPr algn="ctr"/>
+                <a:endParaRPr lang="en-US"/>
+              </a:p>
+            </p:txBody>
+          </p:sp>
+          <p:sp>
+            <p:nvSpPr>
+              <p:cNvPr id="36" name="Oval 35"/>
+              <p:cNvSpPr/>
+              <p:nvPr/>
+            </p:nvSpPr>
+            <p:spPr>
+              <a:xfrm>
+                <a:off x="8040892" y="2322374"/>
+                <a:ext cx="126663" cy="126663"/>
+              </a:xfrm>
+              <a:prstGeom prst="ellipse">
+                <a:avLst/>
+              </a:prstGeom>
+              <a:solidFill>
+                <a:srgbClr val="92D050"/>
+              </a:solidFill>
+              <a:ln>
+                <a:solidFill>
+                  <a:srgbClr val="92D050"/>
+                </a:solidFill>
+              </a:ln>
+            </p:spPr>
+            <p:style>
+              <a:lnRef idx="1">
+                <a:schemeClr val="accent1"/>
+              </a:lnRef>
+              <a:fillRef idx="3">
+                <a:schemeClr val="accent1"/>
+              </a:fillRef>
+              <a:effectRef idx="2">
+                <a:schemeClr val="accent1"/>
+              </a:effectRef>
+              <a:fontRef idx="minor">
+                <a:schemeClr val="lt1"/>
+              </a:fontRef>
+            </p:style>
+            <p:txBody>
+              <a:bodyPr rtlCol="0" anchor="ctr"/>
+              <a:lstStyle/>
+              <a:p>
+                <a:pPr algn="ctr"/>
+                <a:endParaRPr lang="en-US"/>
+              </a:p>
+            </p:txBody>
+          </p:sp>
+          <p:sp>
+            <p:nvSpPr>
+              <p:cNvPr id="37" name="Oval 36"/>
+              <p:cNvSpPr/>
+              <p:nvPr/>
+            </p:nvSpPr>
+            <p:spPr>
+              <a:xfrm>
+                <a:off x="7736094" y="2315282"/>
+                <a:ext cx="126663" cy="126663"/>
+              </a:xfrm>
+              <a:prstGeom prst="ellipse">
+                <a:avLst/>
+              </a:prstGeom>
+              <a:solidFill>
+                <a:srgbClr val="92D050"/>
+              </a:solidFill>
+              <a:ln>
+                <a:solidFill>
+                  <a:srgbClr val="92D050"/>
+                </a:solidFill>
+              </a:ln>
+            </p:spPr>
+            <p:style>
+              <a:lnRef idx="1">
+                <a:schemeClr val="accent1"/>
+              </a:lnRef>
+              <a:fillRef idx="3">
+                <a:schemeClr val="accent1"/>
+              </a:fillRef>
+              <a:effectRef idx="2">
+                <a:schemeClr val="accent1"/>
+              </a:effectRef>
+              <a:fontRef idx="minor">
+                <a:schemeClr val="lt1"/>
+              </a:fontRef>
+            </p:style>
+            <p:txBody>
+              <a:bodyPr rtlCol="0" anchor="ctr"/>
+              <a:lstStyle/>
+              <a:p>
+                <a:pPr algn="ctr"/>
+                <a:endParaRPr lang="en-US"/>
+              </a:p>
+            </p:txBody>
+          </p:sp>
+          <p:sp>
+            <p:nvSpPr>
+              <p:cNvPr id="38" name="Oval 37"/>
+              <p:cNvSpPr/>
+              <p:nvPr/>
+            </p:nvSpPr>
+            <p:spPr>
+              <a:xfrm>
+                <a:off x="7718372" y="1925423"/>
+                <a:ext cx="126663" cy="126663"/>
+              </a:xfrm>
+              <a:prstGeom prst="ellipse">
+                <a:avLst/>
+              </a:prstGeom>
+              <a:solidFill>
+                <a:srgbClr val="92D050"/>
+              </a:solidFill>
+              <a:ln>
+                <a:solidFill>
+                  <a:srgbClr val="92D050"/>
+                </a:solidFill>
+              </a:ln>
+            </p:spPr>
+            <p:style>
+              <a:lnRef idx="1">
+                <a:schemeClr val="accent1"/>
+              </a:lnRef>
+              <a:fillRef idx="3">
+                <a:schemeClr val="accent1"/>
+              </a:fillRef>
+              <a:effectRef idx="2">
+                <a:schemeClr val="accent1"/>
+              </a:effectRef>
+              <a:fontRef idx="minor">
+                <a:schemeClr val="lt1"/>
+              </a:fontRef>
+            </p:style>
+            <p:txBody>
+              <a:bodyPr rtlCol="0" anchor="ctr"/>
+              <a:lstStyle/>
+              <a:p>
+                <a:pPr algn="ctr"/>
+                <a:endParaRPr lang="en-US"/>
+              </a:p>
+            </p:txBody>
+          </p:sp>
+        </p:grpSp>
+        <p:cxnSp>
+          <p:nvCxnSpPr>
+            <p:cNvPr id="3" name="Elbow Connector 2"/>
+            <p:cNvCxnSpPr/>
+            <p:nvPr/>
+          </p:nvCxnSpPr>
+          <p:spPr>
+            <a:xfrm rot="16200000" flipV="1">
+              <a:off x="7757015" y="1700104"/>
+              <a:ext cx="659743" cy="448258"/>
+            </a:xfrm>
+            <a:prstGeom prst="bentConnector3">
+              <a:avLst>
+                <a:gd name="adj1" fmla="val 99960"/>
+              </a:avLst>
+            </a:prstGeom>
+            <a:ln>
+              <a:solidFill>
+                <a:schemeClr val="accent6"/>
+              </a:solidFill>
+              <a:tailEnd type="triangle"/>
+            </a:ln>
+          </p:spPr>
+          <p:style>
+            <a:lnRef idx="2">
+              <a:schemeClr val="accent1"/>
+            </a:lnRef>
+            <a:fillRef idx="0">
+              <a:schemeClr val="accent1"/>
+            </a:fillRef>
+            <a:effectRef idx="1">
+              <a:schemeClr val="accent1"/>
+            </a:effectRef>
+            <a:fontRef idx="minor">
+              <a:schemeClr val="tx1"/>
+            </a:fontRef>
+          </p:style>
+        </p:cxnSp>
+        <p:sp>
+          <p:nvSpPr>
+            <p:cNvPr id="63" name="Curved Right Arrow 62"/>
+            <p:cNvSpPr/>
+            <p:nvPr/>
+          </p:nvSpPr>
+          <p:spPr>
+            <a:xfrm rot="5400000">
+              <a:off x="7471306" y="1484849"/>
+              <a:ext cx="226519" cy="299805"/>
+            </a:xfrm>
+            <a:prstGeom prst="curvedRightArrow">
+              <a:avLst/>
+            </a:prstGeom>
+            <a:solidFill>
+              <a:schemeClr val="accent6"/>
+            </a:solidFill>
+            <a:ln>
+              <a:solidFill>
+                <a:schemeClr val="accent6"/>
+              </a:solidFill>
+            </a:ln>
+          </p:spPr>
+          <p:style>
+            <a:lnRef idx="1">
+              <a:schemeClr val="accent1"/>
+            </a:lnRef>
+            <a:fillRef idx="3">
+              <a:schemeClr val="accent1"/>
+            </a:fillRef>
+            <a:effectRef idx="2">
+              <a:schemeClr val="accent1"/>
+            </a:effectRef>
+            <a:fontRef idx="minor">
+              <a:schemeClr val="lt1"/>
+            </a:fontRef>
+          </p:style>
+          <p:txBody>
+            <a:bodyPr rtlCol="0" anchor="ctr"/>
+            <a:lstStyle/>
+            <a:p>
+              <a:pPr algn="ctr"/>
+              <a:endParaRPr lang="en-US">
+                <a:solidFill>
+                  <a:schemeClr val="tx1"/>
+                </a:solidFill>
+              </a:endParaRPr>
+            </a:p>
+          </p:txBody>
+        </p:sp>
+        <p:cxnSp>
+          <p:nvCxnSpPr>
+            <p:cNvPr id="65" name="Elbow Connector 64"/>
+            <p:cNvCxnSpPr/>
+            <p:nvPr/>
+          </p:nvCxnSpPr>
+          <p:spPr>
+            <a:xfrm rot="10800000" flipV="1">
+              <a:off x="6387743" y="1634751"/>
+              <a:ext cx="1000916" cy="535056"/>
+            </a:xfrm>
+            <a:prstGeom prst="bentConnector3">
+              <a:avLst>
+                <a:gd name="adj1" fmla="val 98865"/>
+              </a:avLst>
+            </a:prstGeom>
+            <a:ln>
+              <a:solidFill>
+                <a:schemeClr val="accent6"/>
+              </a:solidFill>
+              <a:tailEnd type="triangle"/>
+            </a:ln>
+          </p:spPr>
+          <p:style>
+            <a:lnRef idx="2">
+              <a:schemeClr val="accent1"/>
+            </a:lnRef>
+            <a:fillRef idx="0">
+              <a:schemeClr val="accent1"/>
+            </a:fillRef>
+            <a:effectRef idx="1">
+              <a:schemeClr val="accent1"/>
+            </a:effectRef>
+            <a:fontRef idx="minor">
+              <a:schemeClr val="tx1"/>
+            </a:fontRef>
+          </p:style>
+        </p:cxnSp>
+        <p:sp>
+          <p:nvSpPr>
+            <p:cNvPr id="67" name="Curved Right Arrow 66"/>
+            <p:cNvSpPr/>
+            <p:nvPr/>
+          </p:nvSpPr>
+          <p:spPr>
+            <a:xfrm>
+              <a:off x="6238378" y="2378407"/>
+              <a:ext cx="411320" cy="544399"/>
+            </a:xfrm>
+            <a:prstGeom prst="curvedRightArrow">
+              <a:avLst/>
+            </a:prstGeom>
+            <a:solidFill>
+              <a:schemeClr val="accent6"/>
+            </a:solidFill>
+            <a:ln>
+              <a:solidFill>
+                <a:schemeClr val="accent6"/>
+              </a:solidFill>
+            </a:ln>
+          </p:spPr>
+          <p:style>
+            <a:lnRef idx="1">
+              <a:schemeClr val="accent1"/>
+            </a:lnRef>
+            <a:fillRef idx="3">
+              <a:schemeClr val="accent1"/>
+            </a:fillRef>
+            <a:effectRef idx="2">
+              <a:schemeClr val="accent1"/>
+            </a:effectRef>
+            <a:fontRef idx="minor">
+              <a:schemeClr val="lt1"/>
+            </a:fontRef>
+          </p:style>
+          <p:txBody>
+            <a:bodyPr rtlCol="0" anchor="ctr"/>
+            <a:lstStyle/>
+            <a:p>
+              <a:pPr algn="ctr"/>
+              <a:endParaRPr lang="en-US">
+                <a:solidFill>
+                  <a:schemeClr val="tx1"/>
+                </a:solidFill>
+              </a:endParaRPr>
+            </a:p>
+          </p:txBody>
+        </p:sp>
+        <p:cxnSp>
+          <p:nvCxnSpPr>
+            <p:cNvPr id="69" name="Elbow Connector 68"/>
+            <p:cNvCxnSpPr/>
+            <p:nvPr/>
+          </p:nvCxnSpPr>
+          <p:spPr>
+            <a:xfrm rot="16200000" flipH="1">
+              <a:off x="5833651" y="3786515"/>
+              <a:ext cx="2334083" cy="825885"/>
+            </a:xfrm>
+            <a:prstGeom prst="bentConnector3">
+              <a:avLst/>
+            </a:prstGeom>
+            <a:ln>
+              <a:solidFill>
+                <a:schemeClr val="accent6"/>
+              </a:solidFill>
+              <a:tailEnd type="triangle"/>
+            </a:ln>
+          </p:spPr>
+          <p:style>
+            <a:lnRef idx="2">
+              <a:schemeClr val="accent1"/>
+            </a:lnRef>
+            <a:fillRef idx="0">
+              <a:schemeClr val="accent1"/>
+            </a:fillRef>
+            <a:effectRef idx="1">
+              <a:schemeClr val="accent1"/>
+            </a:effectRef>
+            <a:fontRef idx="minor">
+              <a:schemeClr val="tx1"/>
+            </a:fontRef>
+          </p:style>
+        </p:cxnSp>
+        <p:cxnSp>
+          <p:nvCxnSpPr>
+            <p:cNvPr id="75" name="Curved Connector 74"/>
+            <p:cNvCxnSpPr/>
+            <p:nvPr/>
+          </p:nvCxnSpPr>
+          <p:spPr>
+            <a:xfrm rot="16200000" flipH="1">
+              <a:off x="7337971" y="5551399"/>
+              <a:ext cx="423051" cy="321674"/>
+            </a:xfrm>
+            <a:prstGeom prst="curvedConnector3">
+              <a:avLst>
+                <a:gd name="adj1" fmla="val 4761"/>
+              </a:avLst>
+            </a:prstGeom>
+            <a:ln>
+              <a:solidFill>
+                <a:schemeClr val="accent6"/>
+              </a:solidFill>
+              <a:tailEnd type="triangle"/>
+            </a:ln>
+          </p:spPr>
+          <p:style>
+            <a:lnRef idx="2">
+              <a:schemeClr val="accent1"/>
+            </a:lnRef>
+            <a:fillRef idx="0">
+              <a:schemeClr val="accent1"/>
+            </a:fillRef>
+            <a:effectRef idx="1">
+              <a:schemeClr val="accent1"/>
+            </a:effectRef>
+            <a:fontRef idx="minor">
+              <a:schemeClr val="tx1"/>
+            </a:fontRef>
+          </p:style>
+        </p:cxnSp>
+        <p:sp>
+          <p:nvSpPr>
+            <p:cNvPr id="80" name="Rectangle 79"/>
+            <p:cNvSpPr/>
+            <p:nvPr/>
+          </p:nvSpPr>
+          <p:spPr>
+            <a:xfrm>
+              <a:off x="7415133" y="6055003"/>
+              <a:ext cx="100013" cy="264007"/>
+            </a:xfrm>
+            <a:prstGeom prst="rect">
+              <a:avLst/>
+            </a:prstGeom>
+            <a:solidFill>
+              <a:srgbClr val="92D050"/>
+            </a:solidFill>
+            <a:ln>
+              <a:solidFill>
+                <a:srgbClr val="92D050"/>
+              </a:solidFill>
+            </a:ln>
+          </p:spPr>
+          <p:style>
+            <a:lnRef idx="1">
+              <a:schemeClr val="accent1"/>
+            </a:lnRef>
+            <a:fillRef idx="3">
+              <a:schemeClr val="accent1"/>
+            </a:fillRef>
+            <a:effectRef idx="2">
+              <a:schemeClr val="accent1"/>
+            </a:effectRef>
+            <a:fontRef idx="minor">
+              <a:schemeClr val="lt1"/>
+            </a:fontRef>
+          </p:style>
+          <p:txBody>
+            <a:bodyPr rtlCol="0" anchor="ctr"/>
+            <a:lstStyle/>
+            <a:p>
+              <a:pPr algn="ctr"/>
+              <a:endParaRPr lang="en-US"/>
+            </a:p>
+          </p:txBody>
+        </p:sp>
+        <p:sp>
+          <p:nvSpPr>
+            <p:cNvPr id="81" name="Oval 80"/>
+            <p:cNvSpPr/>
+            <p:nvPr/>
+          </p:nvSpPr>
+          <p:spPr>
+            <a:xfrm>
+              <a:off x="7229401" y="5959725"/>
+              <a:ext cx="138142" cy="138142"/>
+            </a:xfrm>
+            <a:prstGeom prst="ellipse">
+              <a:avLst/>
+            </a:prstGeom>
+            <a:solidFill>
+              <a:srgbClr val="92D050"/>
+            </a:solidFill>
+            <a:ln>
+              <a:solidFill>
+                <a:srgbClr val="92D050"/>
+              </a:solidFill>
+            </a:ln>
+          </p:spPr>
+          <p:style>
+            <a:lnRef idx="1">
+              <a:schemeClr val="accent1"/>
+            </a:lnRef>
+            <a:fillRef idx="3">
+              <a:schemeClr val="accent1"/>
+            </a:fillRef>
+            <a:effectRef idx="2">
+              <a:schemeClr val="accent1"/>
+            </a:effectRef>
+            <a:fontRef idx="minor">
+              <a:schemeClr val="lt1"/>
+            </a:fontRef>
+          </p:style>
+          <p:txBody>
+            <a:bodyPr rtlCol="0" anchor="ctr"/>
+            <a:lstStyle/>
+            <a:p>
+              <a:pPr algn="ctr"/>
+              <a:endParaRPr lang="en-US"/>
+            </a:p>
+          </p:txBody>
+        </p:sp>
+        <p:sp>
+          <p:nvSpPr>
+            <p:cNvPr id="82" name="Oval 81"/>
+            <p:cNvSpPr/>
+            <p:nvPr/>
+          </p:nvSpPr>
+          <p:spPr>
+            <a:xfrm>
+              <a:off x="7548489" y="6278811"/>
+              <a:ext cx="138142" cy="138142"/>
+            </a:xfrm>
+            <a:prstGeom prst="ellipse">
+              <a:avLst/>
+            </a:prstGeom>
+            <a:solidFill>
+              <a:srgbClr val="92D050"/>
+            </a:solidFill>
+            <a:ln>
+              <a:solidFill>
+                <a:srgbClr val="92D050"/>
+              </a:solidFill>
+            </a:ln>
+          </p:spPr>
+          <p:style>
+            <a:lnRef idx="1">
+              <a:schemeClr val="accent1"/>
+            </a:lnRef>
+            <a:fillRef idx="3">
+              <a:schemeClr val="accent1"/>
+            </a:fillRef>
+            <a:effectRef idx="2">
+              <a:schemeClr val="accent1"/>
+            </a:effectRef>
+            <a:fontRef idx="minor">
+              <a:schemeClr val="lt1"/>
+            </a:fontRef>
+          </p:style>
+          <p:txBody>
+            <a:bodyPr rtlCol="0" anchor="ctr"/>
+            <a:lstStyle/>
+            <a:p>
+              <a:pPr algn="ctr"/>
+              <a:endParaRPr lang="en-US"/>
+            </a:p>
+          </p:txBody>
+        </p:sp>
+        <p:sp>
+          <p:nvSpPr>
+            <p:cNvPr id="83" name="Oval 82"/>
+            <p:cNvSpPr/>
+            <p:nvPr/>
+          </p:nvSpPr>
+          <p:spPr>
+            <a:xfrm>
+              <a:off x="7229395" y="6288331"/>
+              <a:ext cx="138142" cy="138142"/>
+            </a:xfrm>
+            <a:prstGeom prst="ellipse">
+              <a:avLst/>
+            </a:prstGeom>
+            <a:solidFill>
+              <a:srgbClr val="92D050"/>
+            </a:solidFill>
+            <a:ln>
+              <a:solidFill>
+                <a:srgbClr val="92D050"/>
+              </a:solidFill>
+            </a:ln>
+          </p:spPr>
+          <p:style>
+            <a:lnRef idx="1">
+              <a:schemeClr val="accent1"/>
+            </a:lnRef>
+            <a:fillRef idx="3">
+              <a:schemeClr val="accent1"/>
+            </a:fillRef>
+            <a:effectRef idx="2">
+              <a:schemeClr val="accent1"/>
+            </a:effectRef>
+            <a:fontRef idx="minor">
+              <a:schemeClr val="lt1"/>
+            </a:fontRef>
+          </p:style>
+          <p:txBody>
+            <a:bodyPr rtlCol="0" anchor="ctr"/>
+            <a:lstStyle/>
+            <a:p>
+              <a:pPr algn="ctr"/>
+              <a:endParaRPr lang="en-US"/>
+            </a:p>
+          </p:txBody>
+        </p:sp>
+        <p:sp>
+          <p:nvSpPr>
+            <p:cNvPr id="84" name="Oval 83"/>
+            <p:cNvSpPr/>
+            <p:nvPr/>
+          </p:nvSpPr>
+          <p:spPr>
+            <a:xfrm>
+              <a:off x="7552521" y="5959725"/>
+              <a:ext cx="138142" cy="138142"/>
+            </a:xfrm>
+            <a:prstGeom prst="ellipse">
+              <a:avLst/>
+            </a:prstGeom>
+            <a:solidFill>
+              <a:srgbClr val="92D050"/>
+            </a:solidFill>
+            <a:ln>
+              <a:solidFill>
+                <a:srgbClr val="92D050"/>
+              </a:solidFill>
+            </a:ln>
+          </p:spPr>
+          <p:style>
+            <a:lnRef idx="1">
+              <a:schemeClr val="accent1"/>
+            </a:lnRef>
+            <a:fillRef idx="3">
+              <a:schemeClr val="accent1"/>
+            </a:fillRef>
+            <a:effectRef idx="2">
+              <a:schemeClr val="accent1"/>
+            </a:effectRef>
+            <a:fontRef idx="minor">
+              <a:schemeClr val="lt1"/>
+            </a:fontRef>
+          </p:style>
+          <p:txBody>
+            <a:bodyPr rtlCol="0" anchor="ctr"/>
+            <a:lstStyle/>
+            <a:p>
+              <a:pPr algn="ctr"/>
+              <a:endParaRPr lang="en-US"/>
+            </a:p>
+          </p:txBody>
+        </p:sp>
+      </p:grpSp>
     </p:spTree>
     <p:extLst>
       <p:ext uri="{BB962C8B-B14F-4D97-AF65-F5344CB8AC3E}">
-        <p14:creationId xmlns:p14="http://schemas.microsoft.com/office/powerpoint/2010/main" val="4104887601"/>
+        <p14:creationId xmlns:p14="http://schemas.microsoft.com/office/powerpoint/2010/main" val="3924436964"/>
       </p:ext>
     </p:extLst>
   </p:cSld>
@@ -3634,7 +9908,7 @@
 </p:sld>
 </file>
 
-<file path=ppt/slides/slide10.xml><?xml version="1.0" encoding="utf-8"?>
+<file path=ppt/slides/slide13.xml><?xml version="1.0" encoding="utf-8"?>
 <p:sld xmlns:a="http://schemas.openxmlformats.org/drawingml/2006/main" xmlns:r="http://schemas.openxmlformats.org/officeDocument/2006/relationships" xmlns:p="http://schemas.openxmlformats.org/presentationml/2006/main">
   <p:cSld>
     <p:spTree>
@@ -4254,17 +10528,7 @@
                   <a:latin typeface="Candara"/>
                   <a:cs typeface="Candara"/>
                 </a:rPr>
-                <a:t>: </a:t>
-              </a:r>
-              <a:r>
-                <a:rPr lang="en-US" sz="2400" dirty="0" smtClean="0">
-                  <a:solidFill>
-                    <a:srgbClr val="FFFFFF"/>
-                  </a:solidFill>
-                  <a:latin typeface="Candara"/>
-                  <a:cs typeface="Candara"/>
-                </a:rPr>
-                <a:t>Test Plan</a:t>
+                <a:t>: Test Plan</a:t>
               </a:r>
               <a:endParaRPr lang="en-US" sz="2400" dirty="0">
                 <a:solidFill>
@@ -4279,21 +10543,22 @@
       </p:grpSp>
       <p:pic>
         <p:nvPicPr>
-          <p:cNvPr id="10" name="Picture 9"/>
+          <p:cNvPr id="2" name="Picture 1"/>
           <p:cNvPicPr>
             <a:picLocks noChangeAspect="1"/>
           </p:cNvPicPr>
           <p:nvPr/>
         </p:nvPicPr>
-        <p:blipFill rotWithShape="1">
+        <p:blipFill>
           <a:blip r:embed="rId4"/>
-          <a:srcRect b="817"/>
-          <a:stretch/>
+          <a:stretch>
+            <a:fillRect/>
+          </a:stretch>
         </p:blipFill>
         <p:spPr>
           <a:xfrm>
-            <a:off x="58679" y="2065750"/>
-            <a:ext cx="9052707" cy="3638361"/>
+            <a:off x="28576" y="1814513"/>
+            <a:ext cx="9046137" cy="3671887"/>
           </a:xfrm>
           <a:prstGeom prst="rect">
             <a:avLst/>
@@ -4396,7 +10661,7 @@
             <p:nvPr/>
           </p:nvPicPr>
           <p:blipFill>
-            <a:blip r:embed="rId2">
+            <a:blip r:embed="rId3">
               <a:extLst>
                 <a:ext uri="{28A0092B-C50C-407E-A947-70E740481C1C}">
                   <a14:useLocalDpi xmlns:a14="http://schemas.microsoft.com/office/drawing/2010/main" val="0"/>
@@ -4473,7 +10738,7 @@
             <p:nvPr/>
           </p:nvPicPr>
           <p:blipFill>
-            <a:blip r:embed="rId3"/>
+            <a:blip r:embed="rId4"/>
             <a:stretch>
               <a:fillRect/>
             </a:stretch>
@@ -4529,17 +10794,7 @@
                   <a:latin typeface="Candara"/>
                   <a:cs typeface="Candara"/>
                 </a:rPr>
-                <a:t>: </a:t>
-              </a:r>
-              <a:r>
-                <a:rPr lang="en-US" sz="2400" dirty="0" smtClean="0">
-                  <a:solidFill>
-                    <a:srgbClr val="FFFFFF"/>
-                  </a:solidFill>
-                  <a:latin typeface="Candara"/>
-                  <a:cs typeface="Candara"/>
-                </a:rPr>
-                <a:t>Test Plan</a:t>
+                <a:t>: Test Plan</a:t>
               </a:r>
               <a:endParaRPr lang="en-US" sz="2400" dirty="0">
                 <a:solidFill>
@@ -4552,123 +10807,33 @@
           </p:txBody>
         </p:sp>
       </p:grpSp>
-      <p:sp>
-        <p:nvSpPr>
-          <p:cNvPr id="2" name="TextBox 1"/>
-          <p:cNvSpPr txBox="1"/>
+      <p:pic>
+        <p:nvPicPr>
+          <p:cNvPr id="11" name="Picture 10"/>
+          <p:cNvPicPr>
+            <a:picLocks noChangeAspect="1"/>
+          </p:cNvPicPr>
           <p:nvPr/>
-        </p:nvSpPr>
+        </p:nvPicPr>
+        <p:blipFill rotWithShape="1">
+          <a:blip r:embed="rId5"/>
+          <a:srcRect r="53092"/>
+          <a:stretch/>
+        </p:blipFill>
         <p:spPr>
           <a:xfrm>
-            <a:off x="261257" y="1378857"/>
-            <a:ext cx="5762172" cy="3816429"/>
+            <a:off x="1302640" y="951318"/>
+            <a:ext cx="6782036" cy="5868631"/>
           </a:xfrm>
           <a:prstGeom prst="rect">
             <a:avLst/>
           </a:prstGeom>
-          <a:noFill/>
         </p:spPr>
-        <p:txBody>
-          <a:bodyPr wrap="square" rtlCol="0">
-            <a:spAutoFit/>
-          </a:bodyPr>
-          <a:lstStyle/>
-          <a:p>
-            <a:pPr marL="285750" indent="-285750">
-              <a:buFont typeface="Arial" panose="020B0604020202020204" pitchFamily="34" charset="0"/>
-              <a:buChar char="•"/>
-            </a:pPr>
-            <a:r>
-              <a:rPr lang="en-US" sz="2800" dirty="0">
-                <a:latin typeface="Candara" panose="020E0502030303020204" pitchFamily="34" charset="0"/>
-              </a:rPr>
-              <a:t>Fell behind schedule</a:t>
-            </a:r>
-          </a:p>
-          <a:p>
-            <a:pPr marL="285750" indent="-285750">
-              <a:buFont typeface="Arial" panose="020B0604020202020204" pitchFamily="34" charset="0"/>
-              <a:buChar char="•"/>
-            </a:pPr>
-            <a:r>
-              <a:rPr lang="en-US" sz="2800" dirty="0">
-                <a:latin typeface="Candara" panose="020E0502030303020204" pitchFamily="34" charset="0"/>
-              </a:rPr>
-              <a:t>Spent more time designing system then planned</a:t>
-            </a:r>
-          </a:p>
-          <a:p>
-            <a:pPr marL="742950" lvl="1" indent="-285750">
-              <a:buFont typeface="Arial" panose="020B0604020202020204" pitchFamily="34" charset="0"/>
-              <a:buChar char="•"/>
-            </a:pPr>
-            <a:r>
-              <a:rPr lang="en-US" sz="2800" dirty="0">
-                <a:latin typeface="Candara" panose="020E0502030303020204" pitchFamily="34" charset="0"/>
-              </a:rPr>
-              <a:t>Designs changed</a:t>
-            </a:r>
-          </a:p>
-          <a:p>
-            <a:pPr marL="742950" lvl="1" indent="-285750">
-              <a:buFont typeface="Arial" panose="020B0604020202020204" pitchFamily="34" charset="0"/>
-              <a:buChar char="•"/>
-            </a:pPr>
-            <a:r>
-              <a:rPr lang="en-US" sz="2800" dirty="0">
-                <a:latin typeface="Candara" panose="020E0502030303020204" pitchFamily="34" charset="0"/>
-              </a:rPr>
-              <a:t>Component issues</a:t>
-            </a:r>
-          </a:p>
-          <a:p>
-            <a:pPr marL="285750" indent="-285750">
-              <a:buFont typeface="Arial" panose="020B0604020202020204" pitchFamily="34" charset="0"/>
-              <a:buChar char="•"/>
-            </a:pPr>
-            <a:endParaRPr lang="en-US" sz="2800" dirty="0">
-              <a:latin typeface="Candara" panose="020E0502030303020204" pitchFamily="34" charset="0"/>
-            </a:endParaRPr>
-          </a:p>
-          <a:p>
-            <a:pPr marL="285750" indent="-285750">
-              <a:buFont typeface="Arial" panose="020B0604020202020204" pitchFamily="34" charset="0"/>
-              <a:buChar char="•"/>
-            </a:pPr>
-            <a:r>
-              <a:rPr lang="en-US" sz="2800" dirty="0">
-                <a:latin typeface="Candara" panose="020E0502030303020204" pitchFamily="34" charset="0"/>
-              </a:rPr>
-              <a:t>Not a total loss</a:t>
-            </a:r>
-          </a:p>
-          <a:p>
-            <a:pPr marL="285750" indent="-285750">
-              <a:buFont typeface="Arial" panose="020B0604020202020204" pitchFamily="34" charset="0"/>
-              <a:buChar char="•"/>
-            </a:pPr>
-            <a:r>
-              <a:rPr lang="en-US" sz="2800" dirty="0">
-                <a:latin typeface="Candara" panose="020E0502030303020204" pitchFamily="34" charset="0"/>
-              </a:rPr>
-              <a:t>Solid foundation for next semester</a:t>
-            </a:r>
-          </a:p>
-          <a:p>
-            <a:pPr marL="285750" indent="-285750">
-              <a:buFont typeface="Arial" panose="020B0604020202020204" pitchFamily="34" charset="0"/>
-              <a:buChar char="•"/>
-            </a:pPr>
-            <a:endParaRPr lang="en-US" dirty="0">
-              <a:latin typeface="Candara" panose="020E0502030303020204" pitchFamily="34" charset="0"/>
-            </a:endParaRPr>
-          </a:p>
-        </p:txBody>
-      </p:sp>
+      </p:pic>
     </p:spTree>
     <p:extLst>
       <p:ext uri="{BB962C8B-B14F-4D97-AF65-F5344CB8AC3E}">
-        <p14:creationId xmlns:p14="http://schemas.microsoft.com/office/powerpoint/2010/main" val="2038043680"/>
+        <p14:creationId xmlns:p14="http://schemas.microsoft.com/office/powerpoint/2010/main" val="3763570627"/>
       </p:ext>
     </p:extLst>
   </p:cSld>
@@ -4894,17 +11059,7 @@
                   <a:latin typeface="Candara"/>
                   <a:cs typeface="Candara"/>
                 </a:rPr>
-                <a:t>: </a:t>
-              </a:r>
-              <a:r>
-                <a:rPr lang="en-US" sz="2400" dirty="0" smtClean="0">
-                  <a:solidFill>
-                    <a:srgbClr val="FFFFFF"/>
-                  </a:solidFill>
-                  <a:latin typeface="Candara"/>
-                  <a:cs typeface="Candara"/>
-                </a:rPr>
-                <a:t>Final Demo</a:t>
+                <a:t>: Test Plan</a:t>
               </a:r>
               <a:endParaRPr lang="en-US" sz="2400" dirty="0">
                 <a:solidFill>
@@ -4917,96 +11072,46 @@
           </p:txBody>
         </p:sp>
       </p:grpSp>
-      <p:sp>
-        <p:nvSpPr>
-          <p:cNvPr id="10" name="TextBox 9"/>
-          <p:cNvSpPr txBox="1"/>
+      <p:pic>
+        <p:nvPicPr>
+          <p:cNvPr id="11" name="Picture 10"/>
+          <p:cNvPicPr>
+            <a:picLocks noChangeAspect="1"/>
+          </p:cNvPicPr>
           <p:nvPr/>
-        </p:nvSpPr>
+        </p:nvPicPr>
+        <p:blipFill rotWithShape="1">
+          <a:blip r:embed="rId4"/>
+          <a:srcRect l="47382"/>
+          <a:stretch/>
+        </p:blipFill>
         <p:spPr>
           <a:xfrm>
-            <a:off x="261257" y="1378857"/>
-            <a:ext cx="5181600" cy="2523768"/>
+            <a:off x="992120" y="1020725"/>
+            <a:ext cx="7403075" cy="5710902"/>
           </a:xfrm>
           <a:prstGeom prst="rect">
             <a:avLst/>
           </a:prstGeom>
-          <a:noFill/>
         </p:spPr>
-        <p:txBody>
-          <a:bodyPr wrap="square" rtlCol="0">
-            <a:spAutoFit/>
-          </a:bodyPr>
-          <a:lstStyle/>
-          <a:p>
-            <a:pPr marL="457200" indent="-457200">
-              <a:buFont typeface="Arial" panose="020B0604020202020204" pitchFamily="34" charset="0"/>
-              <a:buChar char="•"/>
-            </a:pPr>
-            <a:r>
-              <a:rPr lang="en-US" sz="2800" dirty="0">
-                <a:latin typeface="Candara" panose="020E0502030303020204" pitchFamily="34" charset="0"/>
-              </a:rPr>
-              <a:t>Designed for this semester</a:t>
-            </a:r>
-          </a:p>
-          <a:p>
-            <a:pPr marL="457200" indent="-457200">
-              <a:buFont typeface="Arial" panose="020B0604020202020204" pitchFamily="34" charset="0"/>
-              <a:buChar char="•"/>
-            </a:pPr>
-            <a:r>
-              <a:rPr lang="en-US" sz="2800" dirty="0">
-                <a:latin typeface="Candara" panose="020E0502030303020204" pitchFamily="34" charset="0"/>
-              </a:rPr>
-              <a:t>Pushed back to next semester</a:t>
-            </a:r>
-          </a:p>
-          <a:p>
-            <a:pPr marL="457200" indent="-457200">
-              <a:buFont typeface="Arial" panose="020B0604020202020204" pitchFamily="34" charset="0"/>
-              <a:buChar char="•"/>
-            </a:pPr>
-            <a:r>
-              <a:rPr lang="en-US" sz="2800" dirty="0">
-                <a:latin typeface="Candara" panose="020E0502030303020204" pitchFamily="34" charset="0"/>
-              </a:rPr>
-              <a:t>Showcase functionality of the system</a:t>
-            </a:r>
-          </a:p>
-          <a:p>
-            <a:pPr marL="457200" indent="-457200">
-              <a:buFont typeface="Arial" panose="020B0604020202020204" pitchFamily="34" charset="0"/>
-              <a:buChar char="•"/>
-            </a:pPr>
-            <a:r>
-              <a:rPr lang="en-US" sz="2800" dirty="0">
-                <a:latin typeface="Candara" panose="020E0502030303020204" pitchFamily="34" charset="0"/>
-              </a:rPr>
-              <a:t>Performed in Fleming lab</a:t>
-            </a:r>
-          </a:p>
-          <a:p>
-            <a:pPr marL="285750" indent="-285750">
-              <a:buFont typeface="Arial" panose="020B0604020202020204" pitchFamily="34" charset="0"/>
-              <a:buChar char="•"/>
-            </a:pPr>
-            <a:endParaRPr lang="en-US" dirty="0">
-              <a:latin typeface="Candara" panose="020E0502030303020204" pitchFamily="34" charset="0"/>
-            </a:endParaRPr>
-          </a:p>
-        </p:txBody>
-      </p:sp>
+      </p:pic>
     </p:spTree>
     <p:extLst>
       <p:ext uri="{BB962C8B-B14F-4D97-AF65-F5344CB8AC3E}">
-        <p14:creationId xmlns:p14="http://schemas.microsoft.com/office/powerpoint/2010/main" val="1936227294"/>
+        <p14:creationId xmlns:p14="http://schemas.microsoft.com/office/powerpoint/2010/main" val="1465925057"/>
       </p:ext>
     </p:extLst>
   </p:cSld>
   <p:clrMapOvr>
     <a:masterClrMapping/>
   </p:clrMapOvr>
+  <p:timing>
+    <p:tnLst>
+      <p:par>
+        <p:cTn id="1" dur="indefinite" restart="never" nodeType="tmRoot"/>
+      </p:par>
+    </p:tnLst>
+  </p:timing>
 </p:sld>
 </file>
 
@@ -5086,7 +11191,7 @@
             <p:nvPr/>
           </p:nvPicPr>
           <p:blipFill>
-            <a:blip r:embed="rId2">
+            <a:blip r:embed="rId3">
               <a:extLst>
                 <a:ext uri="{28A0092B-C50C-407E-A947-70E740481C1C}">
                   <a14:useLocalDpi xmlns:a14="http://schemas.microsoft.com/office/drawing/2010/main" val="0"/>
@@ -5163,7 +11268,7 @@
             <p:nvPr/>
           </p:nvPicPr>
           <p:blipFill>
-            <a:blip r:embed="rId3"/>
+            <a:blip r:embed="rId4"/>
             <a:stretch>
               <a:fillRect/>
             </a:stretch>
@@ -5275,7 +11380,7 @@
             <p:nvPr/>
           </p:nvPicPr>
           <p:blipFill>
-            <a:blip r:embed="rId4"/>
+            <a:blip r:embed="rId5"/>
             <a:stretch>
               <a:fillRect/>
             </a:stretch>
@@ -9193,753 +15298,6 @@
           </p:txBody>
         </p:sp>
       </p:grpSp>
-      <p:grpSp>
-        <p:nvGrpSpPr>
-          <p:cNvPr id="10" name="Group 9"/>
-          <p:cNvGrpSpPr/>
-          <p:nvPr/>
-        </p:nvGrpSpPr>
-        <p:grpSpPr>
-          <a:xfrm>
-            <a:off x="3359576" y="1209373"/>
-            <a:ext cx="5670362" cy="5524500"/>
-            <a:chOff x="2059175" y="666750"/>
-            <a:chExt cx="5670362" cy="5524500"/>
-          </a:xfrm>
-        </p:grpSpPr>
-        <p:pic>
-          <p:nvPicPr>
-            <p:cNvPr id="11" name="Picture 10"/>
-            <p:cNvPicPr>
-              <a:picLocks noChangeAspect="1"/>
-            </p:cNvPicPr>
-            <p:nvPr/>
-          </p:nvPicPr>
-          <p:blipFill>
-            <a:blip r:embed="rId4"/>
-            <a:stretch>
-              <a:fillRect/>
-            </a:stretch>
-          </p:blipFill>
-          <p:spPr>
-            <a:xfrm>
-              <a:off x="4462462" y="666750"/>
-              <a:ext cx="3267075" cy="5524500"/>
-            </a:xfrm>
-            <a:prstGeom prst="rect">
-              <a:avLst/>
-            </a:prstGeom>
-          </p:spPr>
-        </p:pic>
-        <p:sp>
-          <p:nvSpPr>
-            <p:cNvPr id="12" name="Rectangle 11"/>
-            <p:cNvSpPr/>
-            <p:nvPr/>
-          </p:nvSpPr>
-          <p:spPr>
-            <a:xfrm>
-              <a:off x="3455582" y="1562985"/>
-              <a:ext cx="233916" cy="223284"/>
-            </a:xfrm>
-            <a:prstGeom prst="rect">
-              <a:avLst/>
-            </a:prstGeom>
-            <a:noFill/>
-            <a:ln>
-              <a:solidFill>
-                <a:schemeClr val="tx1"/>
-              </a:solidFill>
-            </a:ln>
-          </p:spPr>
-          <p:style>
-            <a:lnRef idx="2">
-              <a:schemeClr val="accent1">
-                <a:shade val="50000"/>
-              </a:schemeClr>
-            </a:lnRef>
-            <a:fillRef idx="1">
-              <a:schemeClr val="accent1"/>
-            </a:fillRef>
-            <a:effectRef idx="0">
-              <a:schemeClr val="accent1"/>
-            </a:effectRef>
-            <a:fontRef idx="minor">
-              <a:schemeClr val="lt1"/>
-            </a:fontRef>
-          </p:style>
-          <p:txBody>
-            <a:bodyPr rtlCol="0" anchor="ctr"/>
-            <a:lstStyle/>
-            <a:p>
-              <a:pPr algn="ctr"/>
-              <a:endParaRPr lang="en-US"/>
-            </a:p>
-          </p:txBody>
-        </p:sp>
-        <p:sp>
-          <p:nvSpPr>
-            <p:cNvPr id="13" name="TextBox 12"/>
-            <p:cNvSpPr txBox="1"/>
-            <p:nvPr/>
-          </p:nvSpPr>
-          <p:spPr>
-            <a:xfrm>
-              <a:off x="3030279" y="1562985"/>
-              <a:ext cx="563526" cy="307777"/>
-            </a:xfrm>
-            <a:prstGeom prst="rect">
-              <a:avLst/>
-            </a:prstGeom>
-            <a:noFill/>
-          </p:spPr>
-          <p:txBody>
-            <a:bodyPr wrap="square" rtlCol="0">
-              <a:spAutoFit/>
-            </a:bodyPr>
-            <a:lstStyle/>
-            <a:p>
-              <a:r>
-                <a:rPr lang="en-US" sz="1400" dirty="0" smtClean="0"/>
-                <a:t>2 ft.</a:t>
-              </a:r>
-              <a:endParaRPr lang="en-US" sz="1400" dirty="0"/>
-            </a:p>
-          </p:txBody>
-        </p:sp>
-        <p:sp>
-          <p:nvSpPr>
-            <p:cNvPr id="14" name="TextBox 13"/>
-            <p:cNvSpPr txBox="1"/>
-            <p:nvPr/>
-          </p:nvSpPr>
-          <p:spPr>
-            <a:xfrm>
-              <a:off x="3359889" y="1265840"/>
-              <a:ext cx="563526" cy="307777"/>
-            </a:xfrm>
-            <a:prstGeom prst="rect">
-              <a:avLst/>
-            </a:prstGeom>
-            <a:noFill/>
-          </p:spPr>
-          <p:txBody>
-            <a:bodyPr wrap="square" rtlCol="0">
-              <a:spAutoFit/>
-            </a:bodyPr>
-            <a:lstStyle/>
-            <a:p>
-              <a:r>
-                <a:rPr lang="en-US" sz="1400" dirty="0" smtClean="0"/>
-                <a:t>2 ft.</a:t>
-              </a:r>
-              <a:endParaRPr lang="en-US" sz="1400" dirty="0"/>
-            </a:p>
-          </p:txBody>
-        </p:sp>
-        <p:sp>
-          <p:nvSpPr>
-            <p:cNvPr id="15" name="Rectangle 14"/>
-            <p:cNvSpPr/>
-            <p:nvPr/>
-          </p:nvSpPr>
-          <p:spPr>
-            <a:xfrm>
-              <a:off x="3459121" y="2023735"/>
-              <a:ext cx="233916" cy="223284"/>
-            </a:xfrm>
-            <a:prstGeom prst="rect">
-              <a:avLst/>
-            </a:prstGeom>
-            <a:solidFill>
-              <a:schemeClr val="bg1">
-                <a:lumMod val="85000"/>
-              </a:schemeClr>
-            </a:solidFill>
-            <a:ln>
-              <a:solidFill>
-                <a:schemeClr val="tx1"/>
-              </a:solidFill>
-            </a:ln>
-          </p:spPr>
-          <p:style>
-            <a:lnRef idx="2">
-              <a:schemeClr val="accent1">
-                <a:shade val="50000"/>
-              </a:schemeClr>
-            </a:lnRef>
-            <a:fillRef idx="1">
-              <a:schemeClr val="accent1"/>
-            </a:fillRef>
-            <a:effectRef idx="0">
-              <a:schemeClr val="accent1"/>
-            </a:effectRef>
-            <a:fontRef idx="minor">
-              <a:schemeClr val="lt1"/>
-            </a:fontRef>
-          </p:style>
-          <p:txBody>
-            <a:bodyPr rtlCol="0" anchor="ctr"/>
-            <a:lstStyle/>
-            <a:p>
-              <a:pPr algn="ctr"/>
-              <a:endParaRPr lang="en-US"/>
-            </a:p>
-          </p:txBody>
-        </p:sp>
-        <p:sp>
-          <p:nvSpPr>
-            <p:cNvPr id="16" name="TextBox 15"/>
-            <p:cNvSpPr txBox="1"/>
-            <p:nvPr/>
-          </p:nvSpPr>
-          <p:spPr>
-            <a:xfrm>
-              <a:off x="2700670" y="1981488"/>
-              <a:ext cx="754912" cy="307777"/>
-            </a:xfrm>
-            <a:prstGeom prst="rect">
-              <a:avLst/>
-            </a:prstGeom>
-            <a:noFill/>
-          </p:spPr>
-          <p:txBody>
-            <a:bodyPr wrap="square" rtlCol="0">
-              <a:spAutoFit/>
-            </a:bodyPr>
-            <a:lstStyle/>
-            <a:p>
-              <a:r>
-                <a:rPr lang="en-US" sz="1400" dirty="0" smtClean="0"/>
-                <a:t>Hallway</a:t>
-              </a:r>
-              <a:endParaRPr lang="en-US" sz="1400" dirty="0"/>
-            </a:p>
-          </p:txBody>
-        </p:sp>
-        <p:sp>
-          <p:nvSpPr>
-            <p:cNvPr id="17" name="Rectangle 16"/>
-            <p:cNvSpPr/>
-            <p:nvPr/>
-          </p:nvSpPr>
-          <p:spPr>
-            <a:xfrm>
-              <a:off x="3455582" y="2445488"/>
-              <a:ext cx="308344" cy="170121"/>
-            </a:xfrm>
-            <a:prstGeom prst="rect">
-              <a:avLst/>
-            </a:prstGeom>
-          </p:spPr>
-          <p:style>
-            <a:lnRef idx="2">
-              <a:schemeClr val="dk1">
-                <a:shade val="50000"/>
-              </a:schemeClr>
-            </a:lnRef>
-            <a:fillRef idx="1">
-              <a:schemeClr val="dk1"/>
-            </a:fillRef>
-            <a:effectRef idx="0">
-              <a:schemeClr val="dk1"/>
-            </a:effectRef>
-            <a:fontRef idx="minor">
-              <a:schemeClr val="lt1"/>
-            </a:fontRef>
-          </p:style>
-          <p:txBody>
-            <a:bodyPr rtlCol="0" anchor="ctr"/>
-            <a:lstStyle/>
-            <a:p>
-              <a:pPr algn="ctr"/>
-              <a:endParaRPr lang="en-US"/>
-            </a:p>
-          </p:txBody>
-        </p:sp>
-        <p:sp>
-          <p:nvSpPr>
-            <p:cNvPr id="18" name="5-Point Star 17"/>
-            <p:cNvSpPr/>
-            <p:nvPr/>
-          </p:nvSpPr>
-          <p:spPr>
-            <a:xfrm>
-              <a:off x="3436420" y="2739383"/>
-              <a:ext cx="350875" cy="329610"/>
-            </a:xfrm>
-            <a:prstGeom prst="star5">
-              <a:avLst/>
-            </a:prstGeom>
-            <a:solidFill>
-              <a:schemeClr val="accent6"/>
-            </a:solidFill>
-          </p:spPr>
-          <p:style>
-            <a:lnRef idx="2">
-              <a:schemeClr val="accent1">
-                <a:shade val="50000"/>
-              </a:schemeClr>
-            </a:lnRef>
-            <a:fillRef idx="1">
-              <a:schemeClr val="accent1"/>
-            </a:fillRef>
-            <a:effectRef idx="0">
-              <a:schemeClr val="accent1"/>
-            </a:effectRef>
-            <a:fontRef idx="minor">
-              <a:schemeClr val="lt1"/>
-            </a:fontRef>
-          </p:style>
-          <p:txBody>
-            <a:bodyPr rtlCol="0" anchor="ctr"/>
-            <a:lstStyle/>
-            <a:p>
-              <a:pPr algn="ctr"/>
-              <a:endParaRPr lang="en-US"/>
-            </a:p>
-          </p:txBody>
-        </p:sp>
-        <p:sp>
-          <p:nvSpPr>
-            <p:cNvPr id="19" name="Octagon 18"/>
-            <p:cNvSpPr/>
-            <p:nvPr/>
-          </p:nvSpPr>
-          <p:spPr>
-            <a:xfrm>
-              <a:off x="3455582" y="3189767"/>
-              <a:ext cx="331713" cy="350875"/>
-            </a:xfrm>
-            <a:prstGeom prst="octagon">
-              <a:avLst/>
-            </a:prstGeom>
-          </p:spPr>
-          <p:style>
-            <a:lnRef idx="1">
-              <a:schemeClr val="accent2"/>
-            </a:lnRef>
-            <a:fillRef idx="2">
-              <a:schemeClr val="accent2"/>
-            </a:fillRef>
-            <a:effectRef idx="1">
-              <a:schemeClr val="accent2"/>
-            </a:effectRef>
-            <a:fontRef idx="minor">
-              <a:schemeClr val="dk1"/>
-            </a:fontRef>
-          </p:style>
-          <p:txBody>
-            <a:bodyPr rtlCol="0" anchor="ctr"/>
-            <a:lstStyle/>
-            <a:p>
-              <a:pPr algn="ctr"/>
-              <a:endParaRPr lang="en-US"/>
-            </a:p>
-          </p:txBody>
-        </p:sp>
-        <p:sp>
-          <p:nvSpPr>
-            <p:cNvPr id="20" name="Oval 19"/>
-            <p:cNvSpPr/>
-            <p:nvPr/>
-          </p:nvSpPr>
-          <p:spPr>
-            <a:xfrm>
-              <a:off x="3455582" y="3710763"/>
-              <a:ext cx="331713" cy="233916"/>
-            </a:xfrm>
-            <a:prstGeom prst="ellipse">
-              <a:avLst/>
-            </a:prstGeom>
-          </p:spPr>
-          <p:style>
-            <a:lnRef idx="2">
-              <a:schemeClr val="accent1">
-                <a:shade val="50000"/>
-              </a:schemeClr>
-            </a:lnRef>
-            <a:fillRef idx="1">
-              <a:schemeClr val="accent1"/>
-            </a:fillRef>
-            <a:effectRef idx="0">
-              <a:schemeClr val="accent1"/>
-            </a:effectRef>
-            <a:fontRef idx="minor">
-              <a:schemeClr val="lt1"/>
-            </a:fontRef>
-          </p:style>
-          <p:txBody>
-            <a:bodyPr rtlCol="0" anchor="ctr"/>
-            <a:lstStyle/>
-            <a:p>
-              <a:pPr algn="ctr"/>
-              <a:endParaRPr lang="en-US"/>
-            </a:p>
-          </p:txBody>
-        </p:sp>
-        <p:sp>
-          <p:nvSpPr>
-            <p:cNvPr id="21" name="TextBox 20"/>
-            <p:cNvSpPr txBox="1"/>
-            <p:nvPr/>
-          </p:nvSpPr>
-          <p:spPr>
-            <a:xfrm>
-              <a:off x="2434694" y="2335905"/>
-              <a:ext cx="1173120" cy="307777"/>
-            </a:xfrm>
-            <a:prstGeom prst="rect">
-              <a:avLst/>
-            </a:prstGeom>
-            <a:noFill/>
-          </p:spPr>
-          <p:txBody>
-            <a:bodyPr wrap="square" rtlCol="0">
-              <a:spAutoFit/>
-            </a:bodyPr>
-            <a:lstStyle/>
-            <a:p>
-              <a:r>
-                <a:rPr lang="en-US" sz="1400" dirty="0" smtClean="0"/>
-                <a:t>“Roadblock”</a:t>
-              </a:r>
-              <a:endParaRPr lang="en-US" sz="1400" dirty="0"/>
-            </a:p>
-          </p:txBody>
-        </p:sp>
-        <p:sp>
-          <p:nvSpPr>
-            <p:cNvPr id="22" name="TextBox 21"/>
-            <p:cNvSpPr txBox="1"/>
-            <p:nvPr/>
-          </p:nvSpPr>
-          <p:spPr>
-            <a:xfrm>
-              <a:off x="2714843" y="2771841"/>
-              <a:ext cx="754912" cy="307777"/>
-            </a:xfrm>
-            <a:prstGeom prst="rect">
-              <a:avLst/>
-            </a:prstGeom>
-            <a:noFill/>
-          </p:spPr>
-          <p:txBody>
-            <a:bodyPr wrap="square" rtlCol="0">
-              <a:spAutoFit/>
-            </a:bodyPr>
-            <a:lstStyle/>
-            <a:p>
-              <a:r>
-                <a:rPr lang="en-US" sz="1400" dirty="0" smtClean="0"/>
-                <a:t>Target</a:t>
-              </a:r>
-              <a:endParaRPr lang="en-US" sz="1400" dirty="0"/>
-            </a:p>
-          </p:txBody>
-        </p:sp>
-        <p:sp>
-          <p:nvSpPr>
-            <p:cNvPr id="23" name="TextBox 22"/>
-            <p:cNvSpPr txBox="1"/>
-            <p:nvPr/>
-          </p:nvSpPr>
-          <p:spPr>
-            <a:xfrm>
-              <a:off x="2059175" y="3207777"/>
-              <a:ext cx="1513365" cy="307777"/>
-            </a:xfrm>
-            <a:prstGeom prst="rect">
-              <a:avLst/>
-            </a:prstGeom>
-            <a:noFill/>
-          </p:spPr>
-          <p:txBody>
-            <a:bodyPr wrap="square" rtlCol="0">
-              <a:spAutoFit/>
-            </a:bodyPr>
-            <a:lstStyle/>
-            <a:p>
-              <a:r>
-                <a:rPr lang="en-US" sz="1400" dirty="0" smtClean="0"/>
-                <a:t>“Complete Block”</a:t>
-              </a:r>
-              <a:endParaRPr lang="en-US" sz="1400" dirty="0"/>
-            </a:p>
-          </p:txBody>
-        </p:sp>
-        <p:sp>
-          <p:nvSpPr>
-            <p:cNvPr id="24" name="TextBox 23"/>
-            <p:cNvSpPr txBox="1"/>
-            <p:nvPr/>
-          </p:nvSpPr>
-          <p:spPr>
-            <a:xfrm>
-              <a:off x="2190307" y="3654343"/>
-              <a:ext cx="1332611" cy="307777"/>
-            </a:xfrm>
-            <a:prstGeom prst="rect">
-              <a:avLst/>
-            </a:prstGeom>
-            <a:noFill/>
-          </p:spPr>
-          <p:txBody>
-            <a:bodyPr wrap="square" rtlCol="0">
-              <a:spAutoFit/>
-            </a:bodyPr>
-            <a:lstStyle/>
-            <a:p>
-              <a:r>
-                <a:rPr lang="en-US" sz="1400" dirty="0" smtClean="0"/>
-                <a:t>Entry/Exit Point</a:t>
-              </a:r>
-              <a:endParaRPr lang="en-US" sz="1400" dirty="0"/>
-            </a:p>
-          </p:txBody>
-        </p:sp>
-        <p:sp>
-          <p:nvSpPr>
-            <p:cNvPr id="25" name="Rectangle 24"/>
-            <p:cNvSpPr/>
-            <p:nvPr/>
-          </p:nvSpPr>
-          <p:spPr>
-            <a:xfrm>
-              <a:off x="5054010" y="2094054"/>
-              <a:ext cx="308344" cy="170121"/>
-            </a:xfrm>
-            <a:prstGeom prst="rect">
-              <a:avLst/>
-            </a:prstGeom>
-          </p:spPr>
-          <p:style>
-            <a:lnRef idx="2">
-              <a:schemeClr val="dk1">
-                <a:shade val="50000"/>
-              </a:schemeClr>
-            </a:lnRef>
-            <a:fillRef idx="1">
-              <a:schemeClr val="dk1"/>
-            </a:fillRef>
-            <a:effectRef idx="0">
-              <a:schemeClr val="dk1"/>
-            </a:effectRef>
-            <a:fontRef idx="minor">
-              <a:schemeClr val="lt1"/>
-            </a:fontRef>
-          </p:style>
-          <p:txBody>
-            <a:bodyPr rtlCol="0" anchor="ctr"/>
-            <a:lstStyle/>
-            <a:p>
-              <a:pPr algn="ctr"/>
-              <a:endParaRPr lang="en-US"/>
-            </a:p>
-          </p:txBody>
-        </p:sp>
-        <p:sp>
-          <p:nvSpPr>
-            <p:cNvPr id="26" name="Rectangle 25"/>
-            <p:cNvSpPr/>
-            <p:nvPr/>
-          </p:nvSpPr>
-          <p:spPr>
-            <a:xfrm>
-              <a:off x="5941827" y="5139069"/>
-              <a:ext cx="308344" cy="170121"/>
-            </a:xfrm>
-            <a:prstGeom prst="rect">
-              <a:avLst/>
-            </a:prstGeom>
-          </p:spPr>
-          <p:style>
-            <a:lnRef idx="2">
-              <a:schemeClr val="dk1">
-                <a:shade val="50000"/>
-              </a:schemeClr>
-            </a:lnRef>
-            <a:fillRef idx="1">
-              <a:schemeClr val="dk1"/>
-            </a:fillRef>
-            <a:effectRef idx="0">
-              <a:schemeClr val="dk1"/>
-            </a:effectRef>
-            <a:fontRef idx="minor">
-              <a:schemeClr val="lt1"/>
-            </a:fontRef>
-          </p:style>
-          <p:txBody>
-            <a:bodyPr rtlCol="0" anchor="ctr"/>
-            <a:lstStyle/>
-            <a:p>
-              <a:pPr algn="ctr"/>
-              <a:endParaRPr lang="en-US"/>
-            </a:p>
-          </p:txBody>
-        </p:sp>
-        <p:sp>
-          <p:nvSpPr>
-            <p:cNvPr id="27" name="Rectangle 26"/>
-            <p:cNvSpPr/>
-            <p:nvPr/>
-          </p:nvSpPr>
-          <p:spPr>
-            <a:xfrm rot="5400000">
-              <a:off x="6144731" y="975536"/>
-              <a:ext cx="232142" cy="152405"/>
-            </a:xfrm>
-            <a:prstGeom prst="rect">
-              <a:avLst/>
-            </a:prstGeom>
-          </p:spPr>
-          <p:style>
-            <a:lnRef idx="2">
-              <a:schemeClr val="dk1">
-                <a:shade val="50000"/>
-              </a:schemeClr>
-            </a:lnRef>
-            <a:fillRef idx="1">
-              <a:schemeClr val="dk1"/>
-            </a:fillRef>
-            <a:effectRef idx="0">
-              <a:schemeClr val="dk1"/>
-            </a:effectRef>
-            <a:fontRef idx="minor">
-              <a:schemeClr val="lt1"/>
-            </a:fontRef>
-          </p:style>
-          <p:txBody>
-            <a:bodyPr rtlCol="0" anchor="ctr"/>
-            <a:lstStyle/>
-            <a:p>
-              <a:pPr algn="ctr"/>
-              <a:endParaRPr lang="en-US"/>
-            </a:p>
-          </p:txBody>
-        </p:sp>
-        <p:sp>
-          <p:nvSpPr>
-            <p:cNvPr id="28" name="5-Point Star 27"/>
-            <p:cNvSpPr/>
-            <p:nvPr/>
-          </p:nvSpPr>
-          <p:spPr>
-            <a:xfrm>
-              <a:off x="7214522" y="1552068"/>
-              <a:ext cx="350875" cy="329610"/>
-            </a:xfrm>
-            <a:prstGeom prst="star5">
-              <a:avLst/>
-            </a:prstGeom>
-            <a:solidFill>
-              <a:schemeClr val="accent6"/>
-            </a:solidFill>
-          </p:spPr>
-          <p:style>
-            <a:lnRef idx="2">
-              <a:schemeClr val="accent1">
-                <a:shade val="50000"/>
-              </a:schemeClr>
-            </a:lnRef>
-            <a:fillRef idx="1">
-              <a:schemeClr val="accent1"/>
-            </a:fillRef>
-            <a:effectRef idx="0">
-              <a:schemeClr val="accent1"/>
-            </a:effectRef>
-            <a:fontRef idx="minor">
-              <a:schemeClr val="lt1"/>
-            </a:fontRef>
-          </p:style>
-          <p:txBody>
-            <a:bodyPr rtlCol="0" anchor="ctr"/>
-            <a:lstStyle/>
-            <a:p>
-              <a:pPr algn="ctr"/>
-              <a:endParaRPr lang="en-US"/>
-            </a:p>
-          </p:txBody>
-        </p:sp>
-        <p:sp>
-          <p:nvSpPr>
-            <p:cNvPr id="29" name="Octagon 28"/>
-            <p:cNvSpPr/>
-            <p:nvPr/>
-          </p:nvSpPr>
-          <p:spPr>
-            <a:xfrm>
-              <a:off x="7010612" y="2863930"/>
-              <a:ext cx="535623" cy="566564"/>
-            </a:xfrm>
-            <a:prstGeom prst="octagon">
-              <a:avLst/>
-            </a:prstGeom>
-          </p:spPr>
-          <p:style>
-            <a:lnRef idx="1">
-              <a:schemeClr val="accent2"/>
-            </a:lnRef>
-            <a:fillRef idx="2">
-              <a:schemeClr val="accent2"/>
-            </a:fillRef>
-            <a:effectRef idx="1">
-              <a:schemeClr val="accent2"/>
-            </a:effectRef>
-            <a:fontRef idx="minor">
-              <a:schemeClr val="dk1"/>
-            </a:fontRef>
-          </p:style>
-          <p:txBody>
-            <a:bodyPr rtlCol="0" anchor="ctr"/>
-            <a:lstStyle/>
-            <a:p>
-              <a:pPr algn="ctr"/>
-              <a:endParaRPr lang="en-US"/>
-            </a:p>
-          </p:txBody>
-        </p:sp>
-        <p:sp>
-          <p:nvSpPr>
-            <p:cNvPr id="30" name="Oval 29"/>
-            <p:cNvSpPr/>
-            <p:nvPr/>
-          </p:nvSpPr>
-          <p:spPr>
-            <a:xfrm>
-              <a:off x="5993772" y="5862084"/>
-              <a:ext cx="331713" cy="233916"/>
-            </a:xfrm>
-            <a:prstGeom prst="ellipse">
-              <a:avLst/>
-            </a:prstGeom>
-          </p:spPr>
-          <p:style>
-            <a:lnRef idx="2">
-              <a:schemeClr val="accent1">
-                <a:shade val="50000"/>
-              </a:schemeClr>
-            </a:lnRef>
-            <a:fillRef idx="1">
-              <a:schemeClr val="accent1"/>
-            </a:fillRef>
-            <a:effectRef idx="0">
-              <a:schemeClr val="accent1"/>
-            </a:effectRef>
-            <a:fontRef idx="minor">
-              <a:schemeClr val="lt1"/>
-            </a:fontRef>
-          </p:style>
-          <p:txBody>
-            <a:bodyPr rtlCol="0" anchor="ctr"/>
-            <a:lstStyle/>
-            <a:p>
-              <a:pPr algn="ctr"/>
-              <a:endParaRPr lang="en-US"/>
-            </a:p>
-          </p:txBody>
-        </p:sp>
-      </p:grpSp>
       <p:sp>
         <p:nvSpPr>
           <p:cNvPr id="31" name="Content Placeholder 2"/>
@@ -10128,14 +15486,8 @@
                 </a:solidFill>
                 <a:latin typeface="Candara" panose="020E0502030303020204" pitchFamily="34" charset="0"/>
               </a:rPr>
-              <a:t>System will autonomously fly and map entire space</a:t>
+              <a:t>System will autonomously fly and map entire </a:t>
             </a:r>
-          </a:p>
-          <a:p>
-            <a:pPr marL="457200" indent="-457200" algn="l">
-              <a:buFont typeface="Arial" panose="020B0604020202020204" pitchFamily="34" charset="0"/>
-              <a:buChar char="•"/>
-            </a:pPr>
             <a:r>
               <a:rPr lang="en-US" sz="2000" dirty="0" smtClean="0">
                 <a:solidFill>
@@ -10143,42 +15495,1208 @@
                 </a:solidFill>
                 <a:latin typeface="Candara" panose="020E0502030303020204" pitchFamily="34" charset="0"/>
               </a:rPr>
-              <a:t>Planning subsystem will help avoid obstacles and recalculate trajectory</a:t>
-            </a:r>
-          </a:p>
-          <a:p>
-            <a:pPr marL="457200" indent="-457200" algn="l">
-              <a:buFont typeface="Arial" panose="020B0604020202020204" pitchFamily="34" charset="0"/>
-              <a:buChar char="•"/>
-            </a:pPr>
-            <a:r>
-              <a:rPr lang="en-US" sz="2000" dirty="0" smtClean="0">
-                <a:solidFill>
-                  <a:schemeClr val="tx1"/>
-                </a:solidFill>
-                <a:latin typeface="Candara" panose="020E0502030303020204" pitchFamily="34" charset="0"/>
-              </a:rPr>
-              <a:t>Target will be identified and located in the space</a:t>
-            </a:r>
-          </a:p>
-          <a:p>
-            <a:pPr marL="457200" indent="-457200" algn="l">
-              <a:buFont typeface="Arial" panose="020B0604020202020204" pitchFamily="34" charset="0"/>
-              <a:buChar char="•"/>
-            </a:pPr>
-            <a:r>
-              <a:rPr lang="en-US" sz="2000" dirty="0" smtClean="0">
-                <a:solidFill>
-                  <a:schemeClr val="tx1"/>
-                </a:solidFill>
-                <a:latin typeface="Candara" panose="020E0502030303020204" pitchFamily="34" charset="0"/>
-              </a:rPr>
-              <a:t>System will return to exit point to deliver map</a:t>
+              <a:t>space</a:t>
             </a:r>
             <a:endParaRPr lang="en-US" sz="2000" dirty="0" smtClean="0">
               <a:solidFill>
                 <a:schemeClr val="tx1"/>
               </a:solidFill>
+              <a:latin typeface="Candara" panose="020E0502030303020204" pitchFamily="34" charset="0"/>
+            </a:endParaRPr>
+          </a:p>
+        </p:txBody>
+      </p:sp>
+      <p:grpSp>
+        <p:nvGrpSpPr>
+          <p:cNvPr id="45" name="Group 44"/>
+          <p:cNvGrpSpPr/>
+          <p:nvPr/>
+        </p:nvGrpSpPr>
+        <p:grpSpPr>
+          <a:xfrm>
+            <a:off x="3359576" y="1209373"/>
+            <a:ext cx="5670362" cy="5524500"/>
+            <a:chOff x="3359576" y="1209373"/>
+            <a:chExt cx="5670362" cy="5524500"/>
+          </a:xfrm>
+        </p:grpSpPr>
+        <p:grpSp>
+          <p:nvGrpSpPr>
+            <p:cNvPr id="10" name="Group 9"/>
+            <p:cNvGrpSpPr/>
+            <p:nvPr/>
+          </p:nvGrpSpPr>
+          <p:grpSpPr>
+            <a:xfrm>
+              <a:off x="3359576" y="1209373"/>
+              <a:ext cx="5670362" cy="5524500"/>
+              <a:chOff x="2059175" y="666750"/>
+              <a:chExt cx="5670362" cy="5524500"/>
+            </a:xfrm>
+          </p:grpSpPr>
+          <p:pic>
+            <p:nvPicPr>
+              <p:cNvPr id="11" name="Picture 10"/>
+              <p:cNvPicPr>
+                <a:picLocks noChangeAspect="1"/>
+              </p:cNvPicPr>
+              <p:nvPr/>
+            </p:nvPicPr>
+            <p:blipFill>
+              <a:blip r:embed="rId4"/>
+              <a:stretch>
+                <a:fillRect/>
+              </a:stretch>
+            </p:blipFill>
+            <p:spPr>
+              <a:xfrm>
+                <a:off x="4462462" y="666750"/>
+                <a:ext cx="3267075" cy="5524500"/>
+              </a:xfrm>
+              <a:prstGeom prst="rect">
+                <a:avLst/>
+              </a:prstGeom>
+            </p:spPr>
+          </p:pic>
+          <p:sp>
+            <p:nvSpPr>
+              <p:cNvPr id="12" name="Rectangle 11"/>
+              <p:cNvSpPr/>
+              <p:nvPr/>
+            </p:nvSpPr>
+            <p:spPr>
+              <a:xfrm>
+                <a:off x="3455582" y="1562985"/>
+                <a:ext cx="233916" cy="223284"/>
+              </a:xfrm>
+              <a:prstGeom prst="rect">
+                <a:avLst/>
+              </a:prstGeom>
+              <a:noFill/>
+              <a:ln>
+                <a:solidFill>
+                  <a:schemeClr val="tx1"/>
+                </a:solidFill>
+              </a:ln>
+            </p:spPr>
+            <p:style>
+              <a:lnRef idx="2">
+                <a:schemeClr val="accent1">
+                  <a:shade val="50000"/>
+                </a:schemeClr>
+              </a:lnRef>
+              <a:fillRef idx="1">
+                <a:schemeClr val="accent1"/>
+              </a:fillRef>
+              <a:effectRef idx="0">
+                <a:schemeClr val="accent1"/>
+              </a:effectRef>
+              <a:fontRef idx="minor">
+                <a:schemeClr val="lt1"/>
+              </a:fontRef>
+            </p:style>
+            <p:txBody>
+              <a:bodyPr rtlCol="0" anchor="ctr"/>
+              <a:lstStyle/>
+              <a:p>
+                <a:pPr algn="ctr"/>
+                <a:endParaRPr lang="en-US"/>
+              </a:p>
+            </p:txBody>
+          </p:sp>
+          <p:sp>
+            <p:nvSpPr>
+              <p:cNvPr id="13" name="TextBox 12"/>
+              <p:cNvSpPr txBox="1"/>
+              <p:nvPr/>
+            </p:nvSpPr>
+            <p:spPr>
+              <a:xfrm>
+                <a:off x="3030279" y="1562985"/>
+                <a:ext cx="563526" cy="307777"/>
+              </a:xfrm>
+              <a:prstGeom prst="rect">
+                <a:avLst/>
+              </a:prstGeom>
+              <a:noFill/>
+            </p:spPr>
+            <p:txBody>
+              <a:bodyPr wrap="square" rtlCol="0">
+                <a:spAutoFit/>
+              </a:bodyPr>
+              <a:lstStyle/>
+              <a:p>
+                <a:r>
+                  <a:rPr lang="en-US" sz="1400" dirty="0" smtClean="0"/>
+                  <a:t>2 ft.</a:t>
+                </a:r>
+                <a:endParaRPr lang="en-US" sz="1400" dirty="0"/>
+              </a:p>
+            </p:txBody>
+          </p:sp>
+          <p:sp>
+            <p:nvSpPr>
+              <p:cNvPr id="14" name="TextBox 13"/>
+              <p:cNvSpPr txBox="1"/>
+              <p:nvPr/>
+            </p:nvSpPr>
+            <p:spPr>
+              <a:xfrm>
+                <a:off x="3359889" y="1265840"/>
+                <a:ext cx="563526" cy="307777"/>
+              </a:xfrm>
+              <a:prstGeom prst="rect">
+                <a:avLst/>
+              </a:prstGeom>
+              <a:noFill/>
+            </p:spPr>
+            <p:txBody>
+              <a:bodyPr wrap="square" rtlCol="0">
+                <a:spAutoFit/>
+              </a:bodyPr>
+              <a:lstStyle/>
+              <a:p>
+                <a:r>
+                  <a:rPr lang="en-US" sz="1400" dirty="0" smtClean="0"/>
+                  <a:t>2 ft.</a:t>
+                </a:r>
+                <a:endParaRPr lang="en-US" sz="1400" dirty="0"/>
+              </a:p>
+            </p:txBody>
+          </p:sp>
+          <p:sp>
+            <p:nvSpPr>
+              <p:cNvPr id="15" name="Rectangle 14"/>
+              <p:cNvSpPr/>
+              <p:nvPr/>
+            </p:nvSpPr>
+            <p:spPr>
+              <a:xfrm>
+                <a:off x="3459121" y="2023735"/>
+                <a:ext cx="233916" cy="223284"/>
+              </a:xfrm>
+              <a:prstGeom prst="rect">
+                <a:avLst/>
+              </a:prstGeom>
+              <a:solidFill>
+                <a:schemeClr val="bg1">
+                  <a:lumMod val="85000"/>
+                </a:schemeClr>
+              </a:solidFill>
+              <a:ln>
+                <a:solidFill>
+                  <a:schemeClr val="tx1"/>
+                </a:solidFill>
+              </a:ln>
+            </p:spPr>
+            <p:style>
+              <a:lnRef idx="2">
+                <a:schemeClr val="accent1">
+                  <a:shade val="50000"/>
+                </a:schemeClr>
+              </a:lnRef>
+              <a:fillRef idx="1">
+                <a:schemeClr val="accent1"/>
+              </a:fillRef>
+              <a:effectRef idx="0">
+                <a:schemeClr val="accent1"/>
+              </a:effectRef>
+              <a:fontRef idx="minor">
+                <a:schemeClr val="lt1"/>
+              </a:fontRef>
+            </p:style>
+            <p:txBody>
+              <a:bodyPr rtlCol="0" anchor="ctr"/>
+              <a:lstStyle/>
+              <a:p>
+                <a:pPr algn="ctr"/>
+                <a:endParaRPr lang="en-US"/>
+              </a:p>
+            </p:txBody>
+          </p:sp>
+          <p:sp>
+            <p:nvSpPr>
+              <p:cNvPr id="16" name="TextBox 15"/>
+              <p:cNvSpPr txBox="1"/>
+              <p:nvPr/>
+            </p:nvSpPr>
+            <p:spPr>
+              <a:xfrm>
+                <a:off x="2700670" y="1981488"/>
+                <a:ext cx="754912" cy="307777"/>
+              </a:xfrm>
+              <a:prstGeom prst="rect">
+                <a:avLst/>
+              </a:prstGeom>
+              <a:noFill/>
+            </p:spPr>
+            <p:txBody>
+              <a:bodyPr wrap="square" rtlCol="0">
+                <a:spAutoFit/>
+              </a:bodyPr>
+              <a:lstStyle/>
+              <a:p>
+                <a:r>
+                  <a:rPr lang="en-US" sz="1400" dirty="0" smtClean="0"/>
+                  <a:t>Hallway</a:t>
+                </a:r>
+                <a:endParaRPr lang="en-US" sz="1400" dirty="0"/>
+              </a:p>
+            </p:txBody>
+          </p:sp>
+          <p:sp>
+            <p:nvSpPr>
+              <p:cNvPr id="17" name="Rectangle 16"/>
+              <p:cNvSpPr/>
+              <p:nvPr/>
+            </p:nvSpPr>
+            <p:spPr>
+              <a:xfrm>
+                <a:off x="3455582" y="2445488"/>
+                <a:ext cx="308344" cy="170121"/>
+              </a:xfrm>
+              <a:prstGeom prst="rect">
+                <a:avLst/>
+              </a:prstGeom>
+            </p:spPr>
+            <p:style>
+              <a:lnRef idx="2">
+                <a:schemeClr val="dk1">
+                  <a:shade val="50000"/>
+                </a:schemeClr>
+              </a:lnRef>
+              <a:fillRef idx="1">
+                <a:schemeClr val="dk1"/>
+              </a:fillRef>
+              <a:effectRef idx="0">
+                <a:schemeClr val="dk1"/>
+              </a:effectRef>
+              <a:fontRef idx="minor">
+                <a:schemeClr val="lt1"/>
+              </a:fontRef>
+            </p:style>
+            <p:txBody>
+              <a:bodyPr rtlCol="0" anchor="ctr"/>
+              <a:lstStyle/>
+              <a:p>
+                <a:pPr algn="ctr"/>
+                <a:endParaRPr lang="en-US"/>
+              </a:p>
+            </p:txBody>
+          </p:sp>
+          <p:sp>
+            <p:nvSpPr>
+              <p:cNvPr id="18" name="5-Point Star 17"/>
+              <p:cNvSpPr/>
+              <p:nvPr/>
+            </p:nvSpPr>
+            <p:spPr>
+              <a:xfrm>
+                <a:off x="3436420" y="2739383"/>
+                <a:ext cx="350875" cy="329610"/>
+              </a:xfrm>
+              <a:prstGeom prst="star5">
+                <a:avLst/>
+              </a:prstGeom>
+              <a:solidFill>
+                <a:schemeClr val="accent6"/>
+              </a:solidFill>
+            </p:spPr>
+            <p:style>
+              <a:lnRef idx="2">
+                <a:schemeClr val="accent1">
+                  <a:shade val="50000"/>
+                </a:schemeClr>
+              </a:lnRef>
+              <a:fillRef idx="1">
+                <a:schemeClr val="accent1"/>
+              </a:fillRef>
+              <a:effectRef idx="0">
+                <a:schemeClr val="accent1"/>
+              </a:effectRef>
+              <a:fontRef idx="minor">
+                <a:schemeClr val="lt1"/>
+              </a:fontRef>
+            </p:style>
+            <p:txBody>
+              <a:bodyPr rtlCol="0" anchor="ctr"/>
+              <a:lstStyle/>
+              <a:p>
+                <a:pPr algn="ctr"/>
+                <a:endParaRPr lang="en-US"/>
+              </a:p>
+            </p:txBody>
+          </p:sp>
+          <p:sp>
+            <p:nvSpPr>
+              <p:cNvPr id="19" name="Octagon 18"/>
+              <p:cNvSpPr/>
+              <p:nvPr/>
+            </p:nvSpPr>
+            <p:spPr>
+              <a:xfrm>
+                <a:off x="3455582" y="3189767"/>
+                <a:ext cx="331713" cy="350875"/>
+              </a:xfrm>
+              <a:prstGeom prst="octagon">
+                <a:avLst/>
+              </a:prstGeom>
+            </p:spPr>
+            <p:style>
+              <a:lnRef idx="1">
+                <a:schemeClr val="accent2"/>
+              </a:lnRef>
+              <a:fillRef idx="2">
+                <a:schemeClr val="accent2"/>
+              </a:fillRef>
+              <a:effectRef idx="1">
+                <a:schemeClr val="accent2"/>
+              </a:effectRef>
+              <a:fontRef idx="minor">
+                <a:schemeClr val="dk1"/>
+              </a:fontRef>
+            </p:style>
+            <p:txBody>
+              <a:bodyPr rtlCol="0" anchor="ctr"/>
+              <a:lstStyle/>
+              <a:p>
+                <a:pPr algn="ctr"/>
+                <a:endParaRPr lang="en-US"/>
+              </a:p>
+            </p:txBody>
+          </p:sp>
+          <p:sp>
+            <p:nvSpPr>
+              <p:cNvPr id="20" name="Oval 19"/>
+              <p:cNvSpPr/>
+              <p:nvPr/>
+            </p:nvSpPr>
+            <p:spPr>
+              <a:xfrm>
+                <a:off x="3455582" y="3710763"/>
+                <a:ext cx="331713" cy="233916"/>
+              </a:xfrm>
+              <a:prstGeom prst="ellipse">
+                <a:avLst/>
+              </a:prstGeom>
+            </p:spPr>
+            <p:style>
+              <a:lnRef idx="2">
+                <a:schemeClr val="accent1">
+                  <a:shade val="50000"/>
+                </a:schemeClr>
+              </a:lnRef>
+              <a:fillRef idx="1">
+                <a:schemeClr val="accent1"/>
+              </a:fillRef>
+              <a:effectRef idx="0">
+                <a:schemeClr val="accent1"/>
+              </a:effectRef>
+              <a:fontRef idx="minor">
+                <a:schemeClr val="lt1"/>
+              </a:fontRef>
+            </p:style>
+            <p:txBody>
+              <a:bodyPr rtlCol="0" anchor="ctr"/>
+              <a:lstStyle/>
+              <a:p>
+                <a:pPr algn="ctr"/>
+                <a:endParaRPr lang="en-US"/>
+              </a:p>
+            </p:txBody>
+          </p:sp>
+          <p:sp>
+            <p:nvSpPr>
+              <p:cNvPr id="21" name="TextBox 20"/>
+              <p:cNvSpPr txBox="1"/>
+              <p:nvPr/>
+            </p:nvSpPr>
+            <p:spPr>
+              <a:xfrm>
+                <a:off x="2434694" y="2335905"/>
+                <a:ext cx="1173120" cy="307777"/>
+              </a:xfrm>
+              <a:prstGeom prst="rect">
+                <a:avLst/>
+              </a:prstGeom>
+              <a:noFill/>
+            </p:spPr>
+            <p:txBody>
+              <a:bodyPr wrap="square" rtlCol="0">
+                <a:spAutoFit/>
+              </a:bodyPr>
+              <a:lstStyle/>
+              <a:p>
+                <a:r>
+                  <a:rPr lang="en-US" sz="1400" dirty="0" smtClean="0"/>
+                  <a:t>“Roadblock”</a:t>
+                </a:r>
+                <a:endParaRPr lang="en-US" sz="1400" dirty="0"/>
+              </a:p>
+            </p:txBody>
+          </p:sp>
+          <p:sp>
+            <p:nvSpPr>
+              <p:cNvPr id="22" name="TextBox 21"/>
+              <p:cNvSpPr txBox="1"/>
+              <p:nvPr/>
+            </p:nvSpPr>
+            <p:spPr>
+              <a:xfrm>
+                <a:off x="2714843" y="2771841"/>
+                <a:ext cx="754912" cy="307777"/>
+              </a:xfrm>
+              <a:prstGeom prst="rect">
+                <a:avLst/>
+              </a:prstGeom>
+              <a:noFill/>
+            </p:spPr>
+            <p:txBody>
+              <a:bodyPr wrap="square" rtlCol="0">
+                <a:spAutoFit/>
+              </a:bodyPr>
+              <a:lstStyle/>
+              <a:p>
+                <a:r>
+                  <a:rPr lang="en-US" sz="1400" dirty="0" smtClean="0"/>
+                  <a:t>Target</a:t>
+                </a:r>
+                <a:endParaRPr lang="en-US" sz="1400" dirty="0"/>
+              </a:p>
+            </p:txBody>
+          </p:sp>
+          <p:sp>
+            <p:nvSpPr>
+              <p:cNvPr id="23" name="TextBox 22"/>
+              <p:cNvSpPr txBox="1"/>
+              <p:nvPr/>
+            </p:nvSpPr>
+            <p:spPr>
+              <a:xfrm>
+                <a:off x="2059175" y="3207777"/>
+                <a:ext cx="1513365" cy="307777"/>
+              </a:xfrm>
+              <a:prstGeom prst="rect">
+                <a:avLst/>
+              </a:prstGeom>
+              <a:noFill/>
+            </p:spPr>
+            <p:txBody>
+              <a:bodyPr wrap="square" rtlCol="0">
+                <a:spAutoFit/>
+              </a:bodyPr>
+              <a:lstStyle/>
+              <a:p>
+                <a:r>
+                  <a:rPr lang="en-US" sz="1400" dirty="0" smtClean="0"/>
+                  <a:t>“Complete Block”</a:t>
+                </a:r>
+                <a:endParaRPr lang="en-US" sz="1400" dirty="0"/>
+              </a:p>
+            </p:txBody>
+          </p:sp>
+          <p:sp>
+            <p:nvSpPr>
+              <p:cNvPr id="24" name="TextBox 23"/>
+              <p:cNvSpPr txBox="1"/>
+              <p:nvPr/>
+            </p:nvSpPr>
+            <p:spPr>
+              <a:xfrm>
+                <a:off x="2190307" y="3654343"/>
+                <a:ext cx="1332611" cy="307777"/>
+              </a:xfrm>
+              <a:prstGeom prst="rect">
+                <a:avLst/>
+              </a:prstGeom>
+              <a:noFill/>
+            </p:spPr>
+            <p:txBody>
+              <a:bodyPr wrap="square" rtlCol="0">
+                <a:spAutoFit/>
+              </a:bodyPr>
+              <a:lstStyle/>
+              <a:p>
+                <a:r>
+                  <a:rPr lang="en-US" sz="1400" dirty="0" smtClean="0"/>
+                  <a:t>Entry/Exit Point</a:t>
+                </a:r>
+                <a:endParaRPr lang="en-US" sz="1400" dirty="0"/>
+              </a:p>
+            </p:txBody>
+          </p:sp>
+          <p:sp>
+            <p:nvSpPr>
+              <p:cNvPr id="25" name="Rectangle 24"/>
+              <p:cNvSpPr/>
+              <p:nvPr/>
+            </p:nvSpPr>
+            <p:spPr>
+              <a:xfrm>
+                <a:off x="5054010" y="2094054"/>
+                <a:ext cx="308344" cy="170121"/>
+              </a:xfrm>
+              <a:prstGeom prst="rect">
+                <a:avLst/>
+              </a:prstGeom>
+            </p:spPr>
+            <p:style>
+              <a:lnRef idx="2">
+                <a:schemeClr val="dk1">
+                  <a:shade val="50000"/>
+                </a:schemeClr>
+              </a:lnRef>
+              <a:fillRef idx="1">
+                <a:schemeClr val="dk1"/>
+              </a:fillRef>
+              <a:effectRef idx="0">
+                <a:schemeClr val="dk1"/>
+              </a:effectRef>
+              <a:fontRef idx="minor">
+                <a:schemeClr val="lt1"/>
+              </a:fontRef>
+            </p:style>
+            <p:txBody>
+              <a:bodyPr rtlCol="0" anchor="ctr"/>
+              <a:lstStyle/>
+              <a:p>
+                <a:pPr algn="ctr"/>
+                <a:endParaRPr lang="en-US"/>
+              </a:p>
+            </p:txBody>
+          </p:sp>
+          <p:sp>
+            <p:nvSpPr>
+              <p:cNvPr id="26" name="Rectangle 25"/>
+              <p:cNvSpPr/>
+              <p:nvPr/>
+            </p:nvSpPr>
+            <p:spPr>
+              <a:xfrm>
+                <a:off x="5941827" y="5139069"/>
+                <a:ext cx="308344" cy="170121"/>
+              </a:xfrm>
+              <a:prstGeom prst="rect">
+                <a:avLst/>
+              </a:prstGeom>
+            </p:spPr>
+            <p:style>
+              <a:lnRef idx="2">
+                <a:schemeClr val="dk1">
+                  <a:shade val="50000"/>
+                </a:schemeClr>
+              </a:lnRef>
+              <a:fillRef idx="1">
+                <a:schemeClr val="dk1"/>
+              </a:fillRef>
+              <a:effectRef idx="0">
+                <a:schemeClr val="dk1"/>
+              </a:effectRef>
+              <a:fontRef idx="minor">
+                <a:schemeClr val="lt1"/>
+              </a:fontRef>
+            </p:style>
+            <p:txBody>
+              <a:bodyPr rtlCol="0" anchor="ctr"/>
+              <a:lstStyle/>
+              <a:p>
+                <a:pPr algn="ctr"/>
+                <a:endParaRPr lang="en-US"/>
+              </a:p>
+            </p:txBody>
+          </p:sp>
+          <p:sp>
+            <p:nvSpPr>
+              <p:cNvPr id="27" name="Rectangle 26"/>
+              <p:cNvSpPr/>
+              <p:nvPr/>
+            </p:nvSpPr>
+            <p:spPr>
+              <a:xfrm rot="5400000">
+                <a:off x="6144731" y="975536"/>
+                <a:ext cx="232142" cy="152405"/>
+              </a:xfrm>
+              <a:prstGeom prst="rect">
+                <a:avLst/>
+              </a:prstGeom>
+            </p:spPr>
+            <p:style>
+              <a:lnRef idx="2">
+                <a:schemeClr val="dk1">
+                  <a:shade val="50000"/>
+                </a:schemeClr>
+              </a:lnRef>
+              <a:fillRef idx="1">
+                <a:schemeClr val="dk1"/>
+              </a:fillRef>
+              <a:effectRef idx="0">
+                <a:schemeClr val="dk1"/>
+              </a:effectRef>
+              <a:fontRef idx="minor">
+                <a:schemeClr val="lt1"/>
+              </a:fontRef>
+            </p:style>
+            <p:txBody>
+              <a:bodyPr rtlCol="0" anchor="ctr"/>
+              <a:lstStyle/>
+              <a:p>
+                <a:pPr algn="ctr"/>
+                <a:endParaRPr lang="en-US"/>
+              </a:p>
+            </p:txBody>
+          </p:sp>
+          <p:sp>
+            <p:nvSpPr>
+              <p:cNvPr id="28" name="5-Point Star 27"/>
+              <p:cNvSpPr/>
+              <p:nvPr/>
+            </p:nvSpPr>
+            <p:spPr>
+              <a:xfrm>
+                <a:off x="7214522" y="1552068"/>
+                <a:ext cx="350875" cy="329610"/>
+              </a:xfrm>
+              <a:prstGeom prst="star5">
+                <a:avLst/>
+              </a:prstGeom>
+              <a:solidFill>
+                <a:schemeClr val="accent6"/>
+              </a:solidFill>
+            </p:spPr>
+            <p:style>
+              <a:lnRef idx="2">
+                <a:schemeClr val="accent1">
+                  <a:shade val="50000"/>
+                </a:schemeClr>
+              </a:lnRef>
+              <a:fillRef idx="1">
+                <a:schemeClr val="accent1"/>
+              </a:fillRef>
+              <a:effectRef idx="0">
+                <a:schemeClr val="accent1"/>
+              </a:effectRef>
+              <a:fontRef idx="minor">
+                <a:schemeClr val="lt1"/>
+              </a:fontRef>
+            </p:style>
+            <p:txBody>
+              <a:bodyPr rtlCol="0" anchor="ctr"/>
+              <a:lstStyle/>
+              <a:p>
+                <a:pPr algn="ctr"/>
+                <a:endParaRPr lang="en-US"/>
+              </a:p>
+            </p:txBody>
+          </p:sp>
+          <p:sp>
+            <p:nvSpPr>
+              <p:cNvPr id="29" name="Octagon 28"/>
+              <p:cNvSpPr/>
+              <p:nvPr/>
+            </p:nvSpPr>
+            <p:spPr>
+              <a:xfrm>
+                <a:off x="7010612" y="2863930"/>
+                <a:ext cx="535623" cy="566564"/>
+              </a:xfrm>
+              <a:prstGeom prst="octagon">
+                <a:avLst/>
+              </a:prstGeom>
+            </p:spPr>
+            <p:style>
+              <a:lnRef idx="1">
+                <a:schemeClr val="accent2"/>
+              </a:lnRef>
+              <a:fillRef idx="2">
+                <a:schemeClr val="accent2"/>
+              </a:fillRef>
+              <a:effectRef idx="1">
+                <a:schemeClr val="accent2"/>
+              </a:effectRef>
+              <a:fontRef idx="minor">
+                <a:schemeClr val="dk1"/>
+              </a:fontRef>
+            </p:style>
+            <p:txBody>
+              <a:bodyPr rtlCol="0" anchor="ctr"/>
+              <a:lstStyle/>
+              <a:p>
+                <a:pPr algn="ctr"/>
+                <a:endParaRPr lang="en-US"/>
+              </a:p>
+            </p:txBody>
+          </p:sp>
+          <p:sp>
+            <p:nvSpPr>
+              <p:cNvPr id="30" name="Oval 29"/>
+              <p:cNvSpPr/>
+              <p:nvPr/>
+            </p:nvSpPr>
+            <p:spPr>
+              <a:xfrm>
+                <a:off x="5993772" y="5862084"/>
+                <a:ext cx="331713" cy="233916"/>
+              </a:xfrm>
+              <a:prstGeom prst="ellipse">
+                <a:avLst/>
+              </a:prstGeom>
+            </p:spPr>
+            <p:style>
+              <a:lnRef idx="2">
+                <a:schemeClr val="accent1">
+                  <a:shade val="50000"/>
+                </a:schemeClr>
+              </a:lnRef>
+              <a:fillRef idx="1">
+                <a:schemeClr val="accent1"/>
+              </a:fillRef>
+              <a:effectRef idx="0">
+                <a:schemeClr val="accent1"/>
+              </a:effectRef>
+              <a:fontRef idx="minor">
+                <a:schemeClr val="lt1"/>
+              </a:fontRef>
+            </p:style>
+            <p:txBody>
+              <a:bodyPr rtlCol="0" anchor="ctr"/>
+              <a:lstStyle/>
+              <a:p>
+                <a:pPr algn="ctr"/>
+                <a:endParaRPr lang="en-US"/>
+              </a:p>
+            </p:txBody>
+          </p:sp>
+        </p:grpSp>
+        <p:grpSp>
+          <p:nvGrpSpPr>
+            <p:cNvPr id="41" name="Group 40"/>
+            <p:cNvGrpSpPr/>
+            <p:nvPr/>
+          </p:nvGrpSpPr>
+          <p:grpSpPr>
+            <a:xfrm>
+              <a:off x="7229395" y="5959725"/>
+              <a:ext cx="461268" cy="466748"/>
+              <a:chOff x="2928937" y="5586414"/>
+              <a:chExt cx="461268" cy="466748"/>
+            </a:xfrm>
+          </p:grpSpPr>
+          <p:sp>
+            <p:nvSpPr>
+              <p:cNvPr id="2" name="Rectangle 1"/>
+              <p:cNvSpPr/>
+              <p:nvPr/>
+            </p:nvSpPr>
+            <p:spPr>
+              <a:xfrm>
+                <a:off x="3114675" y="5681692"/>
+                <a:ext cx="100013" cy="264007"/>
+              </a:xfrm>
+              <a:prstGeom prst="rect">
+                <a:avLst/>
+              </a:prstGeom>
+              <a:solidFill>
+                <a:srgbClr val="92D050"/>
+              </a:solidFill>
+              <a:ln>
+                <a:solidFill>
+                  <a:srgbClr val="92D050"/>
+                </a:solidFill>
+              </a:ln>
+            </p:spPr>
+            <p:style>
+              <a:lnRef idx="1">
+                <a:schemeClr val="accent1"/>
+              </a:lnRef>
+              <a:fillRef idx="3">
+                <a:schemeClr val="accent1"/>
+              </a:fillRef>
+              <a:effectRef idx="2">
+                <a:schemeClr val="accent1"/>
+              </a:effectRef>
+              <a:fontRef idx="minor">
+                <a:schemeClr val="lt1"/>
+              </a:fontRef>
+            </p:style>
+            <p:txBody>
+              <a:bodyPr rtlCol="0" anchor="ctr"/>
+              <a:lstStyle/>
+              <a:p>
+                <a:pPr algn="ctr"/>
+                <a:endParaRPr lang="en-US"/>
+              </a:p>
+            </p:txBody>
+          </p:sp>
+          <p:sp>
+            <p:nvSpPr>
+              <p:cNvPr id="36" name="Oval 35"/>
+              <p:cNvSpPr/>
+              <p:nvPr/>
+            </p:nvSpPr>
+            <p:spPr>
+              <a:xfrm>
+                <a:off x="2928943" y="5586414"/>
+                <a:ext cx="138142" cy="138142"/>
+              </a:xfrm>
+              <a:prstGeom prst="ellipse">
+                <a:avLst/>
+              </a:prstGeom>
+              <a:solidFill>
+                <a:srgbClr val="92D050"/>
+              </a:solidFill>
+              <a:ln>
+                <a:solidFill>
+                  <a:srgbClr val="92D050"/>
+                </a:solidFill>
+              </a:ln>
+            </p:spPr>
+            <p:style>
+              <a:lnRef idx="1">
+                <a:schemeClr val="accent1"/>
+              </a:lnRef>
+              <a:fillRef idx="3">
+                <a:schemeClr val="accent1"/>
+              </a:fillRef>
+              <a:effectRef idx="2">
+                <a:schemeClr val="accent1"/>
+              </a:effectRef>
+              <a:fontRef idx="minor">
+                <a:schemeClr val="lt1"/>
+              </a:fontRef>
+            </p:style>
+            <p:txBody>
+              <a:bodyPr rtlCol="0" anchor="ctr"/>
+              <a:lstStyle/>
+              <a:p>
+                <a:pPr algn="ctr"/>
+                <a:endParaRPr lang="en-US"/>
+              </a:p>
+            </p:txBody>
+          </p:sp>
+          <p:sp>
+            <p:nvSpPr>
+              <p:cNvPr id="38" name="Oval 37"/>
+              <p:cNvSpPr/>
+              <p:nvPr/>
+            </p:nvSpPr>
+            <p:spPr>
+              <a:xfrm>
+                <a:off x="3248031" y="5905500"/>
+                <a:ext cx="138142" cy="138142"/>
+              </a:xfrm>
+              <a:prstGeom prst="ellipse">
+                <a:avLst/>
+              </a:prstGeom>
+              <a:solidFill>
+                <a:srgbClr val="92D050"/>
+              </a:solidFill>
+              <a:ln>
+                <a:solidFill>
+                  <a:srgbClr val="92D050"/>
+                </a:solidFill>
+              </a:ln>
+            </p:spPr>
+            <p:style>
+              <a:lnRef idx="1">
+                <a:schemeClr val="accent1"/>
+              </a:lnRef>
+              <a:fillRef idx="3">
+                <a:schemeClr val="accent1"/>
+              </a:fillRef>
+              <a:effectRef idx="2">
+                <a:schemeClr val="accent1"/>
+              </a:effectRef>
+              <a:fontRef idx="minor">
+                <a:schemeClr val="lt1"/>
+              </a:fontRef>
+            </p:style>
+            <p:txBody>
+              <a:bodyPr rtlCol="0" anchor="ctr"/>
+              <a:lstStyle/>
+              <a:p>
+                <a:pPr algn="ctr"/>
+                <a:endParaRPr lang="en-US"/>
+              </a:p>
+            </p:txBody>
+          </p:sp>
+          <p:sp>
+            <p:nvSpPr>
+              <p:cNvPr id="39" name="Oval 38"/>
+              <p:cNvSpPr/>
+              <p:nvPr/>
+            </p:nvSpPr>
+            <p:spPr>
+              <a:xfrm>
+                <a:off x="2928937" y="5915020"/>
+                <a:ext cx="138142" cy="138142"/>
+              </a:xfrm>
+              <a:prstGeom prst="ellipse">
+                <a:avLst/>
+              </a:prstGeom>
+              <a:solidFill>
+                <a:srgbClr val="92D050"/>
+              </a:solidFill>
+              <a:ln>
+                <a:solidFill>
+                  <a:srgbClr val="92D050"/>
+                </a:solidFill>
+              </a:ln>
+            </p:spPr>
+            <p:style>
+              <a:lnRef idx="1">
+                <a:schemeClr val="accent1"/>
+              </a:lnRef>
+              <a:fillRef idx="3">
+                <a:schemeClr val="accent1"/>
+              </a:fillRef>
+              <a:effectRef idx="2">
+                <a:schemeClr val="accent1"/>
+              </a:effectRef>
+              <a:fontRef idx="minor">
+                <a:schemeClr val="lt1"/>
+              </a:fontRef>
+            </p:style>
+            <p:txBody>
+              <a:bodyPr rtlCol="0" anchor="ctr"/>
+              <a:lstStyle/>
+              <a:p>
+                <a:pPr algn="ctr"/>
+                <a:endParaRPr lang="en-US"/>
+              </a:p>
+            </p:txBody>
+          </p:sp>
+          <p:sp>
+            <p:nvSpPr>
+              <p:cNvPr id="40" name="Oval 39"/>
+              <p:cNvSpPr/>
+              <p:nvPr/>
+            </p:nvSpPr>
+            <p:spPr>
+              <a:xfrm>
+                <a:off x="3252063" y="5586414"/>
+                <a:ext cx="138142" cy="138142"/>
+              </a:xfrm>
+              <a:prstGeom prst="ellipse">
+                <a:avLst/>
+              </a:prstGeom>
+              <a:solidFill>
+                <a:srgbClr val="92D050"/>
+              </a:solidFill>
+              <a:ln>
+                <a:solidFill>
+                  <a:srgbClr val="92D050"/>
+                </a:solidFill>
+              </a:ln>
+            </p:spPr>
+            <p:style>
+              <a:lnRef idx="1">
+                <a:schemeClr val="accent1"/>
+              </a:lnRef>
+              <a:fillRef idx="3">
+                <a:schemeClr val="accent1"/>
+              </a:fillRef>
+              <a:effectRef idx="2">
+                <a:schemeClr val="accent1"/>
+              </a:effectRef>
+              <a:fontRef idx="minor">
+                <a:schemeClr val="lt1"/>
+              </a:fontRef>
+            </p:style>
+            <p:txBody>
+              <a:bodyPr rtlCol="0" anchor="ctr"/>
+              <a:lstStyle/>
+              <a:p>
+                <a:pPr algn="ctr"/>
+                <a:endParaRPr lang="en-US"/>
+              </a:p>
+            </p:txBody>
+          </p:sp>
+        </p:grpSp>
+        <p:sp>
+          <p:nvSpPr>
+            <p:cNvPr id="42" name="Isosceles Triangle 41"/>
+            <p:cNvSpPr/>
+            <p:nvPr/>
+          </p:nvSpPr>
+          <p:spPr>
+            <a:xfrm flipV="1">
+              <a:off x="7395962" y="5829022"/>
+              <a:ext cx="145950" cy="226527"/>
+            </a:xfrm>
+            <a:prstGeom prst="triangle">
+              <a:avLst/>
+            </a:prstGeom>
+            <a:solidFill>
+              <a:srgbClr val="FF0000"/>
+            </a:solidFill>
+            <a:ln>
+              <a:solidFill>
+                <a:srgbClr val="FF0000"/>
+              </a:solidFill>
+            </a:ln>
+          </p:spPr>
+          <p:style>
+            <a:lnRef idx="1">
+              <a:schemeClr val="accent1"/>
+            </a:lnRef>
+            <a:fillRef idx="3">
+              <a:schemeClr val="accent1"/>
+            </a:fillRef>
+            <a:effectRef idx="2">
+              <a:schemeClr val="accent1"/>
+            </a:effectRef>
+            <a:fontRef idx="minor">
+              <a:schemeClr val="lt1"/>
+            </a:fontRef>
+          </p:style>
+          <p:txBody>
+            <a:bodyPr rtlCol="0" anchor="ctr"/>
+            <a:lstStyle/>
+            <a:p>
+              <a:pPr algn="ctr"/>
+              <a:endParaRPr lang="en-US"/>
+            </a:p>
+          </p:txBody>
+        </p:sp>
+        <p:sp>
+          <p:nvSpPr>
+            <p:cNvPr id="43" name="Isosceles Triangle 42"/>
+            <p:cNvSpPr/>
+            <p:nvPr/>
+          </p:nvSpPr>
+          <p:spPr>
+            <a:xfrm rot="16200000" flipV="1">
+              <a:off x="7163194" y="6051075"/>
+              <a:ext cx="119204" cy="305733"/>
+            </a:xfrm>
+            <a:prstGeom prst="triangle">
+              <a:avLst>
+                <a:gd name="adj" fmla="val 51037"/>
+              </a:avLst>
+            </a:prstGeom>
+            <a:solidFill>
+              <a:srgbClr val="FF0000"/>
+            </a:solidFill>
+            <a:ln>
+              <a:solidFill>
+                <a:srgbClr val="FF0000"/>
+              </a:solidFill>
+            </a:ln>
+          </p:spPr>
+          <p:style>
+            <a:lnRef idx="1">
+              <a:schemeClr val="accent1"/>
+            </a:lnRef>
+            <a:fillRef idx="3">
+              <a:schemeClr val="accent1"/>
+            </a:fillRef>
+            <a:effectRef idx="2">
+              <a:schemeClr val="accent1"/>
+            </a:effectRef>
+            <a:fontRef idx="minor">
+              <a:schemeClr val="lt1"/>
+            </a:fontRef>
+          </p:style>
+          <p:txBody>
+            <a:bodyPr rtlCol="0" anchor="ctr"/>
+            <a:lstStyle/>
+            <a:p>
+              <a:pPr algn="ctr"/>
+              <a:endParaRPr lang="en-US"/>
+            </a:p>
+          </p:txBody>
+        </p:sp>
+        <p:sp>
+          <p:nvSpPr>
+            <p:cNvPr id="44" name="Isosceles Triangle 43"/>
+            <p:cNvSpPr/>
+            <p:nvPr/>
+          </p:nvSpPr>
+          <p:spPr>
+            <a:xfrm rot="16200000">
+              <a:off x="7603427" y="6064110"/>
+              <a:ext cx="127611" cy="288069"/>
+            </a:xfrm>
+            <a:prstGeom prst="triangle">
+              <a:avLst>
+                <a:gd name="adj" fmla="val 51037"/>
+              </a:avLst>
+            </a:prstGeom>
+            <a:solidFill>
+              <a:srgbClr val="FF0000"/>
+            </a:solidFill>
+            <a:ln>
+              <a:solidFill>
+                <a:srgbClr val="FF0000"/>
+              </a:solidFill>
+            </a:ln>
+          </p:spPr>
+          <p:style>
+            <a:lnRef idx="1">
+              <a:schemeClr val="accent1"/>
+            </a:lnRef>
+            <a:fillRef idx="3">
+              <a:schemeClr val="accent1"/>
+            </a:fillRef>
+            <a:effectRef idx="2">
+              <a:schemeClr val="accent1"/>
+            </a:effectRef>
+            <a:fontRef idx="minor">
+              <a:schemeClr val="lt1"/>
+            </a:fontRef>
+          </p:style>
+          <p:txBody>
+            <a:bodyPr rtlCol="0" anchor="ctr"/>
+            <a:lstStyle/>
+            <a:p>
+              <a:pPr algn="ctr"/>
+              <a:endParaRPr lang="en-US"/>
+            </a:p>
+          </p:txBody>
+        </p:sp>
+      </p:grpSp>
+      <p:sp>
+        <p:nvSpPr>
+          <p:cNvPr id="46" name="TextBox 45"/>
+          <p:cNvSpPr txBox="1"/>
+          <p:nvPr/>
+        </p:nvSpPr>
+        <p:spPr>
+          <a:xfrm>
+            <a:off x="909918" y="2391134"/>
+            <a:ext cx="1921409" cy="923330"/>
+          </a:xfrm>
+          <a:prstGeom prst="rect">
+            <a:avLst/>
+          </a:prstGeom>
+          <a:noFill/>
+        </p:spPr>
+        <p:txBody>
+          <a:bodyPr wrap="square" rtlCol="0">
+            <a:spAutoFit/>
+          </a:bodyPr>
+          <a:lstStyle/>
+          <a:p>
+            <a:r>
+              <a:rPr lang="en-US" dirty="0" smtClean="0">
+                <a:latin typeface="Candara" panose="020E0502030303020204" pitchFamily="34" charset="0"/>
+              </a:rPr>
+              <a:t>Guidance Sensor</a:t>
+            </a:r>
+          </a:p>
+          <a:p>
+            <a:endParaRPr lang="en-US" dirty="0">
+              <a:latin typeface="Candara" panose="020E0502030303020204" pitchFamily="34" charset="0"/>
+            </a:endParaRPr>
+          </a:p>
+          <a:p>
+            <a:r>
+              <a:rPr lang="en-US" dirty="0" smtClean="0">
+                <a:latin typeface="Candara" panose="020E0502030303020204" pitchFamily="34" charset="0"/>
+              </a:rPr>
+              <a:t>SLAM Algorithm</a:t>
+            </a:r>
+            <a:endParaRPr lang="en-US" dirty="0">
               <a:latin typeface="Candara" panose="020E0502030303020204" pitchFamily="34" charset="0"/>
             </a:endParaRPr>
           </a:p>
@@ -10197,9 +16715,80 @@
   <p:timing>
     <p:tnLst>
       <p:par>
-        <p:cTn id="1" dur="indefinite" restart="never" nodeType="tmRoot"/>
+        <p:cTn id="1" dur="indefinite" restart="never" nodeType="tmRoot">
+          <p:childTnLst>
+            <p:seq concurrent="1" nextAc="seek">
+              <p:cTn id="2" dur="indefinite" nodeType="mainSeq">
+                <p:childTnLst>
+                  <p:par>
+                    <p:cTn id="3" fill="hold">
+                      <p:stCondLst>
+                        <p:cond delay="indefinite"/>
+                      </p:stCondLst>
+                      <p:childTnLst>
+                        <p:par>
+                          <p:cTn id="4" fill="hold">
+                            <p:stCondLst>
+                              <p:cond delay="0"/>
+                            </p:stCondLst>
+                            <p:childTnLst>
+                              <p:par>
+                                <p:cTn id="5" presetID="1" presetClass="entr" presetSubtype="0" fill="hold" grpId="0" nodeType="clickEffect">
+                                  <p:stCondLst>
+                                    <p:cond delay="0"/>
+                                  </p:stCondLst>
+                                  <p:childTnLst>
+                                    <p:set>
+                                      <p:cBhvr>
+                                        <p:cTn id="6" dur="1" fill="hold">
+                                          <p:stCondLst>
+                                            <p:cond delay="0"/>
+                                          </p:stCondLst>
+                                        </p:cTn>
+                                        <p:tgtEl>
+                                          <p:spTgt spid="46"/>
+                                        </p:tgtEl>
+                                        <p:attrNameLst>
+                                          <p:attrName>style.visibility</p:attrName>
+                                        </p:attrNameLst>
+                                      </p:cBhvr>
+                                      <p:to>
+                                        <p:strVal val="visible"/>
+                                      </p:to>
+                                    </p:set>
+                                  </p:childTnLst>
+                                </p:cTn>
+                              </p:par>
+                            </p:childTnLst>
+                          </p:cTn>
+                        </p:par>
+                      </p:childTnLst>
+                    </p:cTn>
+                  </p:par>
+                </p:childTnLst>
+              </p:cTn>
+              <p:prevCondLst>
+                <p:cond evt="onPrev" delay="0">
+                  <p:tgtEl>
+                    <p:sldTgt/>
+                  </p:tgtEl>
+                </p:cond>
+              </p:prevCondLst>
+              <p:nextCondLst>
+                <p:cond evt="onNext" delay="0">
+                  <p:tgtEl>
+                    <p:sldTgt/>
+                  </p:tgtEl>
+                </p:cond>
+              </p:nextCondLst>
+            </p:seq>
+          </p:childTnLst>
+        </p:cTn>
       </p:par>
     </p:tnLst>
+    <p:bldLst>
+      <p:bldP spid="46" grpId="0"/>
+    </p:bldLst>
   </p:timing>
 </p:sld>
 </file>
@@ -10522,4 +17111,265 @@
   </a:objectDefaults>
   <a:extraClrSchemeLst/>
 </a:theme>
+</file>
+
+<file path=ppt/theme/theme2.xml><?xml version="1.0" encoding="utf-8"?>
+<a:theme xmlns:a="http://schemas.openxmlformats.org/drawingml/2006/main" name="Office Theme">
+  <a:themeElements>
+    <a:clrScheme name="Office">
+      <a:dk1>
+        <a:sysClr val="windowText" lastClr="000000"/>
+      </a:dk1>
+      <a:lt1>
+        <a:sysClr val="window" lastClr="FFFFFF"/>
+      </a:lt1>
+      <a:dk2>
+        <a:srgbClr val="44546A"/>
+      </a:dk2>
+      <a:lt2>
+        <a:srgbClr val="E7E6E6"/>
+      </a:lt2>
+      <a:accent1>
+        <a:srgbClr val="5B9BD5"/>
+      </a:accent1>
+      <a:accent2>
+        <a:srgbClr val="ED7D31"/>
+      </a:accent2>
+      <a:accent3>
+        <a:srgbClr val="A5A5A5"/>
+      </a:accent3>
+      <a:accent4>
+        <a:srgbClr val="FFC000"/>
+      </a:accent4>
+      <a:accent5>
+        <a:srgbClr val="4472C4"/>
+      </a:accent5>
+      <a:accent6>
+        <a:srgbClr val="70AD47"/>
+      </a:accent6>
+      <a:hlink>
+        <a:srgbClr val="0563C1"/>
+      </a:hlink>
+      <a:folHlink>
+        <a:srgbClr val="954F72"/>
+      </a:folHlink>
+    </a:clrScheme>
+    <a:fontScheme name="Office">
+      <a:majorFont>
+        <a:latin typeface="Calibri Light" panose="020F0302020204030204"/>
+        <a:ea typeface=""/>
+        <a:cs typeface=""/>
+        <a:font script="Jpan" typeface="ＭＳ Ｐゴシック"/>
+        <a:font script="Hang" typeface="맑은 고딕"/>
+        <a:font script="Hans" typeface="宋体"/>
+        <a:font script="Hant" typeface="新細明體"/>
+        <a:font script="Arab" typeface="Times New Roman"/>
+        <a:font script="Hebr" typeface="Times New Roman"/>
+        <a:font script="Thai" typeface="Angsana New"/>
+        <a:font script="Ethi" typeface="Nyala"/>
+        <a:font script="Beng" typeface="Vrinda"/>
+        <a:font script="Gujr" typeface="Shruti"/>
+        <a:font script="Khmr" typeface="MoolBoran"/>
+        <a:font script="Knda" typeface="Tunga"/>
+        <a:font script="Guru" typeface="Raavi"/>
+        <a:font script="Cans" typeface="Euphemia"/>
+        <a:font script="Cher" typeface="Plantagenet Cherokee"/>
+        <a:font script="Yiii" typeface="Microsoft Yi Baiti"/>
+        <a:font script="Tibt" typeface="Microsoft Himalaya"/>
+        <a:font script="Thaa" typeface="MV Boli"/>
+        <a:font script="Deva" typeface="Mangal"/>
+        <a:font script="Telu" typeface="Gautami"/>
+        <a:font script="Taml" typeface="Latha"/>
+        <a:font script="Syrc" typeface="Estrangelo Edessa"/>
+        <a:font script="Orya" typeface="Kalinga"/>
+        <a:font script="Mlym" typeface="Kartika"/>
+        <a:font script="Laoo" typeface="DokChampa"/>
+        <a:font script="Sinh" typeface="Iskoola Pota"/>
+        <a:font script="Mong" typeface="Mongolian Baiti"/>
+        <a:font script="Viet" typeface="Times New Roman"/>
+        <a:font script="Uigh" typeface="Microsoft Uighur"/>
+        <a:font script="Geor" typeface="Sylfaen"/>
+      </a:majorFont>
+      <a:minorFont>
+        <a:latin typeface="Calibri" panose="020F0502020204030204"/>
+        <a:ea typeface=""/>
+        <a:cs typeface=""/>
+        <a:font script="Jpan" typeface="ＭＳ Ｐゴシック"/>
+        <a:font script="Hang" typeface="맑은 고딕"/>
+        <a:font script="Hans" typeface="宋体"/>
+        <a:font script="Hant" typeface="新細明體"/>
+        <a:font script="Arab" typeface="Arial"/>
+        <a:font script="Hebr" typeface="Arial"/>
+        <a:font script="Thai" typeface="Cordia New"/>
+        <a:font script="Ethi" typeface="Nyala"/>
+        <a:font script="Beng" typeface="Vrinda"/>
+        <a:font script="Gujr" typeface="Shruti"/>
+        <a:font script="Khmr" typeface="DaunPenh"/>
+        <a:font script="Knda" typeface="Tunga"/>
+        <a:font script="Guru" typeface="Raavi"/>
+        <a:font script="Cans" typeface="Euphemia"/>
+        <a:font script="Cher" typeface="Plantagenet Cherokee"/>
+        <a:font script="Yiii" typeface="Microsoft Yi Baiti"/>
+        <a:font script="Tibt" typeface="Microsoft Himalaya"/>
+        <a:font script="Thaa" typeface="MV Boli"/>
+        <a:font script="Deva" typeface="Mangal"/>
+        <a:font script="Telu" typeface="Gautami"/>
+        <a:font script="Taml" typeface="Latha"/>
+        <a:font script="Syrc" typeface="Estrangelo Edessa"/>
+        <a:font script="Orya" typeface="Kalinga"/>
+        <a:font script="Mlym" typeface="Kartika"/>
+        <a:font script="Laoo" typeface="DokChampa"/>
+        <a:font script="Sinh" typeface="Iskoola Pota"/>
+        <a:font script="Mong" typeface="Mongolian Baiti"/>
+        <a:font script="Viet" typeface="Arial"/>
+        <a:font script="Uigh" typeface="Microsoft Uighur"/>
+        <a:font script="Geor" typeface="Sylfaen"/>
+      </a:minorFont>
+    </a:fontScheme>
+    <a:fmtScheme name="Office">
+      <a:fillStyleLst>
+        <a:solidFill>
+          <a:schemeClr val="phClr"/>
+        </a:solidFill>
+        <a:gradFill rotWithShape="1">
+          <a:gsLst>
+            <a:gs pos="0">
+              <a:schemeClr val="phClr">
+                <a:lumMod val="110000"/>
+                <a:satMod val="105000"/>
+                <a:tint val="67000"/>
+              </a:schemeClr>
+            </a:gs>
+            <a:gs pos="50000">
+              <a:schemeClr val="phClr">
+                <a:lumMod val="105000"/>
+                <a:satMod val="103000"/>
+                <a:tint val="73000"/>
+              </a:schemeClr>
+            </a:gs>
+            <a:gs pos="100000">
+              <a:schemeClr val="phClr">
+                <a:lumMod val="105000"/>
+                <a:satMod val="109000"/>
+                <a:tint val="81000"/>
+              </a:schemeClr>
+            </a:gs>
+          </a:gsLst>
+          <a:lin ang="5400000" scaled="0"/>
+        </a:gradFill>
+        <a:gradFill rotWithShape="1">
+          <a:gsLst>
+            <a:gs pos="0">
+              <a:schemeClr val="phClr">
+                <a:satMod val="103000"/>
+                <a:lumMod val="102000"/>
+                <a:tint val="94000"/>
+              </a:schemeClr>
+            </a:gs>
+            <a:gs pos="50000">
+              <a:schemeClr val="phClr">
+                <a:satMod val="110000"/>
+                <a:lumMod val="100000"/>
+                <a:shade val="100000"/>
+              </a:schemeClr>
+            </a:gs>
+            <a:gs pos="100000">
+              <a:schemeClr val="phClr">
+                <a:lumMod val="99000"/>
+                <a:satMod val="120000"/>
+                <a:shade val="78000"/>
+              </a:schemeClr>
+            </a:gs>
+          </a:gsLst>
+          <a:lin ang="5400000" scaled="0"/>
+        </a:gradFill>
+      </a:fillStyleLst>
+      <a:lnStyleLst>
+        <a:ln w="6350" cap="flat" cmpd="sng" algn="ctr">
+          <a:solidFill>
+            <a:schemeClr val="phClr"/>
+          </a:solidFill>
+          <a:prstDash val="solid"/>
+          <a:miter lim="800000"/>
+        </a:ln>
+        <a:ln w="12700" cap="flat" cmpd="sng" algn="ctr">
+          <a:solidFill>
+            <a:schemeClr val="phClr"/>
+          </a:solidFill>
+          <a:prstDash val="solid"/>
+          <a:miter lim="800000"/>
+        </a:ln>
+        <a:ln w="19050" cap="flat" cmpd="sng" algn="ctr">
+          <a:solidFill>
+            <a:schemeClr val="phClr"/>
+          </a:solidFill>
+          <a:prstDash val="solid"/>
+          <a:miter lim="800000"/>
+        </a:ln>
+      </a:lnStyleLst>
+      <a:effectStyleLst>
+        <a:effectStyle>
+          <a:effectLst/>
+        </a:effectStyle>
+        <a:effectStyle>
+          <a:effectLst/>
+        </a:effectStyle>
+        <a:effectStyle>
+          <a:effectLst>
+            <a:outerShdw blurRad="57150" dist="19050" dir="5400000" algn="ctr" rotWithShape="0">
+              <a:srgbClr val="000000">
+                <a:alpha val="63000"/>
+              </a:srgbClr>
+            </a:outerShdw>
+          </a:effectLst>
+        </a:effectStyle>
+      </a:effectStyleLst>
+      <a:bgFillStyleLst>
+        <a:solidFill>
+          <a:schemeClr val="phClr"/>
+        </a:solidFill>
+        <a:solidFill>
+          <a:schemeClr val="phClr">
+            <a:tint val="95000"/>
+            <a:satMod val="170000"/>
+          </a:schemeClr>
+        </a:solidFill>
+        <a:gradFill rotWithShape="1">
+          <a:gsLst>
+            <a:gs pos="0">
+              <a:schemeClr val="phClr">
+                <a:tint val="93000"/>
+                <a:satMod val="150000"/>
+                <a:shade val="98000"/>
+                <a:lumMod val="102000"/>
+              </a:schemeClr>
+            </a:gs>
+            <a:gs pos="50000">
+              <a:schemeClr val="phClr">
+                <a:tint val="98000"/>
+                <a:satMod val="130000"/>
+                <a:shade val="90000"/>
+                <a:lumMod val="103000"/>
+              </a:schemeClr>
+            </a:gs>
+            <a:gs pos="100000">
+              <a:schemeClr val="phClr">
+                <a:shade val="63000"/>
+                <a:satMod val="120000"/>
+              </a:schemeClr>
+            </a:gs>
+          </a:gsLst>
+          <a:lin ang="5400000" scaled="0"/>
+        </a:gradFill>
+      </a:bgFillStyleLst>
+    </a:fmtScheme>
+  </a:themeElements>
+  <a:objectDefaults/>
+  <a:extraClrSchemeLst/>
+  <a:extLst>
+    <a:ext uri="{05A4C25C-085E-4340-85A3-A5531E510DB2}">
+      <thm15:themeFamily xmlns:thm15="http://schemas.microsoft.com/office/thememl/2012/main" name="Office Theme" id="{62F939B6-93AF-4DB8-9C6B-D6C7DFDC589F}" vid="{4A3C46E8-61CC-4603-A589-7422A47A8E4A}"/>
+    </a:ext>
+  </a:extLst>
+</a:theme>
 </file>